--- a/Проект.pptx
+++ b/Проект.pptx
@@ -2,18 +2,22 @@
 <file path=ppt/presentation.xml><?xml version="1.0" encoding="utf-8"?>
 <p:presentation xmlns:a="http://schemas.openxmlformats.org/drawingml/2006/main" xmlns:r="http://schemas.openxmlformats.org/officeDocument/2006/relationships" xmlns:p="http://schemas.openxmlformats.org/presentationml/2006/main" saveSubsetFonts="1">
   <p:sldMasterIdLst>
-    <p:sldMasterId id="2147483648" r:id="rId1"/>
+    <p:sldMasterId id="2147483660" r:id="rId1"/>
   </p:sldMasterIdLst>
   <p:sldIdLst>
     <p:sldId id="256" r:id="rId2"/>
+    <p:sldId id="257" r:id="rId3"/>
+    <p:sldId id="258" r:id="rId4"/>
+    <p:sldId id="260" r:id="rId5"/>
+    <p:sldId id="261" r:id="rId6"/>
   </p:sldIdLst>
   <p:sldSz cx="12192000" cy="6858000"/>
   <p:notesSz cx="6858000" cy="9144000"/>
   <p:defaultTextStyle>
     <a:defPPr>
-      <a:defRPr lang="ru-RU"/>
+      <a:defRPr lang="en-US"/>
     </a:defPPr>
-    <a:lvl1pPr marL="0" algn="l" defTabSz="914400" rtl="0" eaLnBrk="1" latinLnBrk="0" hangingPunct="1">
+    <a:lvl1pPr marL="0" algn="l" defTabSz="457200" rtl="0" eaLnBrk="1" latinLnBrk="0" hangingPunct="1">
       <a:defRPr sz="1800" kern="1200">
         <a:solidFill>
           <a:schemeClr val="tx1"/>
@@ -23,7 +27,7 @@
         <a:cs typeface="+mn-cs"/>
       </a:defRPr>
     </a:lvl1pPr>
-    <a:lvl2pPr marL="457200" algn="l" defTabSz="914400" rtl="0" eaLnBrk="1" latinLnBrk="0" hangingPunct="1">
+    <a:lvl2pPr marL="457200" algn="l" defTabSz="457200" rtl="0" eaLnBrk="1" latinLnBrk="0" hangingPunct="1">
       <a:defRPr sz="1800" kern="1200">
         <a:solidFill>
           <a:schemeClr val="tx1"/>
@@ -33,7 +37,7 @@
         <a:cs typeface="+mn-cs"/>
       </a:defRPr>
     </a:lvl2pPr>
-    <a:lvl3pPr marL="914400" algn="l" defTabSz="914400" rtl="0" eaLnBrk="1" latinLnBrk="0" hangingPunct="1">
+    <a:lvl3pPr marL="914400" algn="l" defTabSz="457200" rtl="0" eaLnBrk="1" latinLnBrk="0" hangingPunct="1">
       <a:defRPr sz="1800" kern="1200">
         <a:solidFill>
           <a:schemeClr val="tx1"/>
@@ -43,7 +47,7 @@
         <a:cs typeface="+mn-cs"/>
       </a:defRPr>
     </a:lvl3pPr>
-    <a:lvl4pPr marL="1371600" algn="l" defTabSz="914400" rtl="0" eaLnBrk="1" latinLnBrk="0" hangingPunct="1">
+    <a:lvl4pPr marL="1371600" algn="l" defTabSz="457200" rtl="0" eaLnBrk="1" latinLnBrk="0" hangingPunct="1">
       <a:defRPr sz="1800" kern="1200">
         <a:solidFill>
           <a:schemeClr val="tx1"/>
@@ -53,7 +57,7 @@
         <a:cs typeface="+mn-cs"/>
       </a:defRPr>
     </a:lvl4pPr>
-    <a:lvl5pPr marL="1828800" algn="l" defTabSz="914400" rtl="0" eaLnBrk="1" latinLnBrk="0" hangingPunct="1">
+    <a:lvl5pPr marL="1828800" algn="l" defTabSz="457200" rtl="0" eaLnBrk="1" latinLnBrk="0" hangingPunct="1">
       <a:defRPr sz="1800" kern="1200">
         <a:solidFill>
           <a:schemeClr val="tx1"/>
@@ -63,7 +67,7 @@
         <a:cs typeface="+mn-cs"/>
       </a:defRPr>
     </a:lvl5pPr>
-    <a:lvl6pPr marL="2286000" algn="l" defTabSz="914400" rtl="0" eaLnBrk="1" latinLnBrk="0" hangingPunct="1">
+    <a:lvl6pPr marL="2286000" algn="l" defTabSz="457200" rtl="0" eaLnBrk="1" latinLnBrk="0" hangingPunct="1">
       <a:defRPr sz="1800" kern="1200">
         <a:solidFill>
           <a:schemeClr val="tx1"/>
@@ -73,7 +77,7 @@
         <a:cs typeface="+mn-cs"/>
       </a:defRPr>
     </a:lvl6pPr>
-    <a:lvl7pPr marL="2743200" algn="l" defTabSz="914400" rtl="0" eaLnBrk="1" latinLnBrk="0" hangingPunct="1">
+    <a:lvl7pPr marL="2743200" algn="l" defTabSz="457200" rtl="0" eaLnBrk="1" latinLnBrk="0" hangingPunct="1">
       <a:defRPr sz="1800" kern="1200">
         <a:solidFill>
           <a:schemeClr val="tx1"/>
@@ -83,7 +87,7 @@
         <a:cs typeface="+mn-cs"/>
       </a:defRPr>
     </a:lvl7pPr>
-    <a:lvl8pPr marL="3200400" algn="l" defTabSz="914400" rtl="0" eaLnBrk="1" latinLnBrk="0" hangingPunct="1">
+    <a:lvl8pPr marL="3200400" algn="l" defTabSz="457200" rtl="0" eaLnBrk="1" latinLnBrk="0" hangingPunct="1">
       <a:defRPr sz="1800" kern="1200">
         <a:solidFill>
           <a:schemeClr val="tx1"/>
@@ -93,7 +97,7 @@
         <a:cs typeface="+mn-cs"/>
       </a:defRPr>
     </a:lvl8pPr>
-    <a:lvl9pPr marL="3657600" algn="l" defTabSz="914400" rtl="0" eaLnBrk="1" latinLnBrk="0" hangingPunct="1">
+    <a:lvl9pPr marL="3657600" algn="l" defTabSz="457200" rtl="0" eaLnBrk="1" latinLnBrk="0" hangingPunct="1">
       <a:defRPr sz="1800" kern="1200">
         <a:solidFill>
           <a:schemeClr val="tx1"/>
@@ -104,11 +108,16 @@
       </a:defRPr>
     </a:lvl9pPr>
   </p:defaultTextStyle>
+  <p:extLst>
+    <p:ext uri="{EFAFB233-063F-42B5-8137-9DF3F51BA10A}">
+      <p15:sldGuideLst xmlns:p15="http://schemas.microsoft.com/office/powerpoint/2012/main"/>
+    </p:ext>
+  </p:extLst>
 </p:presentation>
 </file>
 
 <file path=ppt/slideLayouts/slideLayout1.xml><?xml version="1.0" encoding="utf-8"?>
-<p:sldLayout xmlns:a="http://schemas.openxmlformats.org/drawingml/2006/main" xmlns:r="http://schemas.openxmlformats.org/officeDocument/2006/relationships" xmlns:p="http://schemas.openxmlformats.org/presentationml/2006/main" type="title" preserve="1">
+<p:sldLayout xmlns:a="http://schemas.openxmlformats.org/drawingml/2006/main" xmlns:r="http://schemas.openxmlformats.org/officeDocument/2006/relationships" xmlns:p="http://schemas.openxmlformats.org/presentationml/2006/main" showMasterSp="0" type="title" preserve="1">
   <p:cSld name="Титульный слайд">
     <p:spTree>
       <p:nvGrpSpPr>
@@ -124,15 +133,539 @@
           <a:chExt cx="0" cy="0"/>
         </a:xfrm>
       </p:grpSpPr>
-      <p:sp>
-        <p:nvSpPr>
-          <p:cNvPr id="2" name="Заголовок 1">
-            <a:extLst>
-              <a:ext uri="{FF2B5EF4-FFF2-40B4-BE49-F238E27FC236}">
-                <a16:creationId xmlns:a16="http://schemas.microsoft.com/office/drawing/2014/main" id="{105E100C-2904-436A-BB92-EB57EF2F116E}"/>
-              </a:ext>
-            </a:extLst>
-          </p:cNvPr>
+      <p:grpSp>
+        <p:nvGrpSpPr>
+          <p:cNvPr id="7" name="Group 6"/>
+          <p:cNvGrpSpPr/>
+          <p:nvPr/>
+        </p:nvGrpSpPr>
+        <p:grpSpPr>
+          <a:xfrm>
+            <a:off x="0" y="-8467"/>
+            <a:ext cx="12192000" cy="6866467"/>
+            <a:chOff x="0" y="-8467"/>
+            <a:chExt cx="12192000" cy="6866467"/>
+          </a:xfrm>
+        </p:grpSpPr>
+        <p:cxnSp>
+          <p:nvCxnSpPr>
+            <p:cNvPr id="32" name="Straight Connector 31"/>
+            <p:cNvCxnSpPr/>
+            <p:nvPr/>
+          </p:nvCxnSpPr>
+          <p:spPr>
+            <a:xfrm>
+              <a:off x="9371012" y="0"/>
+              <a:ext cx="1219200" cy="6858000"/>
+            </a:xfrm>
+            <a:prstGeom prst="line">
+              <a:avLst/>
+            </a:prstGeom>
+            <a:ln w="9525">
+              <a:solidFill>
+                <a:schemeClr val="bg1">
+                  <a:lumMod val="75000"/>
+                </a:schemeClr>
+              </a:solidFill>
+            </a:ln>
+          </p:spPr>
+          <p:style>
+            <a:lnRef idx="2">
+              <a:schemeClr val="accent1"/>
+            </a:lnRef>
+            <a:fillRef idx="0">
+              <a:schemeClr val="accent1"/>
+            </a:fillRef>
+            <a:effectRef idx="1">
+              <a:schemeClr val="accent1"/>
+            </a:effectRef>
+            <a:fontRef idx="minor">
+              <a:schemeClr val="tx1"/>
+            </a:fontRef>
+          </p:style>
+        </p:cxnSp>
+        <p:cxnSp>
+          <p:nvCxnSpPr>
+            <p:cNvPr id="21" name="Straight Connector 20"/>
+            <p:cNvCxnSpPr/>
+            <p:nvPr/>
+          </p:nvCxnSpPr>
+          <p:spPr>
+            <a:xfrm flipH="1">
+              <a:off x="7425267" y="3681413"/>
+              <a:ext cx="4763558" cy="3176587"/>
+            </a:xfrm>
+            <a:prstGeom prst="line">
+              <a:avLst/>
+            </a:prstGeom>
+            <a:ln w="9525">
+              <a:solidFill>
+                <a:schemeClr val="bg1">
+                  <a:lumMod val="85000"/>
+                </a:schemeClr>
+              </a:solidFill>
+            </a:ln>
+          </p:spPr>
+          <p:style>
+            <a:lnRef idx="2">
+              <a:schemeClr val="accent1"/>
+            </a:lnRef>
+            <a:fillRef idx="0">
+              <a:schemeClr val="accent1"/>
+            </a:fillRef>
+            <a:effectRef idx="1">
+              <a:schemeClr val="accent1"/>
+            </a:effectRef>
+            <a:fontRef idx="minor">
+              <a:schemeClr val="tx1"/>
+            </a:fontRef>
+          </p:style>
+        </p:cxnSp>
+        <p:sp>
+          <p:nvSpPr>
+            <p:cNvPr id="24" name="Rectangle 23"/>
+            <p:cNvSpPr/>
+            <p:nvPr/>
+          </p:nvSpPr>
+          <p:spPr>
+            <a:xfrm>
+              <a:off x="9181476" y="-8467"/>
+              <a:ext cx="3007349" cy="6866467"/>
+            </a:xfrm>
+            <a:custGeom>
+              <a:avLst/>
+              <a:gdLst/>
+              <a:ahLst/>
+              <a:cxnLst/>
+              <a:rect l="l" t="t" r="r" b="b"/>
+              <a:pathLst>
+                <a:path w="3007349" h="6866467">
+                  <a:moveTo>
+                    <a:pt x="2045532" y="0"/>
+                  </a:moveTo>
+                  <a:lnTo>
+                    <a:pt x="3007349" y="0"/>
+                  </a:lnTo>
+                  <a:lnTo>
+                    <a:pt x="3007349" y="6866467"/>
+                  </a:lnTo>
+                  <a:lnTo>
+                    <a:pt x="0" y="6866467"/>
+                  </a:lnTo>
+                  <a:lnTo>
+                    <a:pt x="2045532" y="0"/>
+                  </a:lnTo>
+                  <a:close/>
+                </a:path>
+              </a:pathLst>
+            </a:custGeom>
+            <a:solidFill>
+              <a:schemeClr val="accent1">
+                <a:alpha val="30000"/>
+              </a:schemeClr>
+            </a:solidFill>
+            <a:ln>
+              <a:noFill/>
+            </a:ln>
+            <a:effectLst/>
+          </p:spPr>
+          <p:style>
+            <a:lnRef idx="1">
+              <a:schemeClr val="accent1"/>
+            </a:lnRef>
+            <a:fillRef idx="3">
+              <a:schemeClr val="accent1"/>
+            </a:fillRef>
+            <a:effectRef idx="2">
+              <a:schemeClr val="accent1"/>
+            </a:effectRef>
+            <a:fontRef idx="minor">
+              <a:schemeClr val="lt1"/>
+            </a:fontRef>
+          </p:style>
+        </p:sp>
+        <p:sp>
+          <p:nvSpPr>
+            <p:cNvPr id="26" name="Rectangle 25"/>
+            <p:cNvSpPr/>
+            <p:nvPr/>
+          </p:nvSpPr>
+          <p:spPr>
+            <a:xfrm>
+              <a:off x="9603442" y="-8467"/>
+              <a:ext cx="2588558" cy="6866467"/>
+            </a:xfrm>
+            <a:custGeom>
+              <a:avLst/>
+              <a:gdLst/>
+              <a:ahLst/>
+              <a:cxnLst/>
+              <a:rect l="l" t="t" r="r" b="b"/>
+              <a:pathLst>
+                <a:path w="2573311" h="6866467">
+                  <a:moveTo>
+                    <a:pt x="0" y="0"/>
+                  </a:moveTo>
+                  <a:lnTo>
+                    <a:pt x="2573311" y="0"/>
+                  </a:lnTo>
+                  <a:lnTo>
+                    <a:pt x="2573311" y="6866467"/>
+                  </a:lnTo>
+                  <a:lnTo>
+                    <a:pt x="1202336" y="6866467"/>
+                  </a:lnTo>
+                  <a:lnTo>
+                    <a:pt x="0" y="0"/>
+                  </a:lnTo>
+                  <a:close/>
+                </a:path>
+              </a:pathLst>
+            </a:custGeom>
+            <a:solidFill>
+              <a:schemeClr val="accent1">
+                <a:alpha val="20000"/>
+              </a:schemeClr>
+            </a:solidFill>
+            <a:ln>
+              <a:noFill/>
+            </a:ln>
+            <a:effectLst/>
+          </p:spPr>
+          <p:style>
+            <a:lnRef idx="1">
+              <a:schemeClr val="accent1"/>
+            </a:lnRef>
+            <a:fillRef idx="3">
+              <a:schemeClr val="accent1"/>
+            </a:fillRef>
+            <a:effectRef idx="2">
+              <a:schemeClr val="accent1"/>
+            </a:effectRef>
+            <a:fontRef idx="minor">
+              <a:schemeClr val="lt1"/>
+            </a:fontRef>
+          </p:style>
+        </p:sp>
+        <p:sp>
+          <p:nvSpPr>
+            <p:cNvPr id="27" name="Isosceles Triangle 26"/>
+            <p:cNvSpPr/>
+            <p:nvPr/>
+          </p:nvSpPr>
+          <p:spPr>
+            <a:xfrm>
+              <a:off x="8932333" y="3048000"/>
+              <a:ext cx="3259667" cy="3810000"/>
+            </a:xfrm>
+            <a:prstGeom prst="triangle">
+              <a:avLst>
+                <a:gd name="adj" fmla="val 100000"/>
+              </a:avLst>
+            </a:prstGeom>
+            <a:solidFill>
+              <a:schemeClr val="accent2">
+                <a:alpha val="72000"/>
+              </a:schemeClr>
+            </a:solidFill>
+            <a:ln>
+              <a:noFill/>
+            </a:ln>
+            <a:effectLst/>
+          </p:spPr>
+          <p:style>
+            <a:lnRef idx="1">
+              <a:schemeClr val="accent1"/>
+            </a:lnRef>
+            <a:fillRef idx="3">
+              <a:schemeClr val="accent1"/>
+            </a:fillRef>
+            <a:effectRef idx="2">
+              <a:schemeClr val="accent1"/>
+            </a:effectRef>
+            <a:fontRef idx="minor">
+              <a:schemeClr val="lt1"/>
+            </a:fontRef>
+          </p:style>
+        </p:sp>
+        <p:sp>
+          <p:nvSpPr>
+            <p:cNvPr id="28" name="Rectangle 27"/>
+            <p:cNvSpPr/>
+            <p:nvPr/>
+          </p:nvSpPr>
+          <p:spPr>
+            <a:xfrm>
+              <a:off x="9334500" y="-8467"/>
+              <a:ext cx="2854326" cy="6866467"/>
+            </a:xfrm>
+            <a:custGeom>
+              <a:avLst/>
+              <a:gdLst/>
+              <a:ahLst/>
+              <a:cxnLst/>
+              <a:rect l="l" t="t" r="r" b="b"/>
+              <a:pathLst>
+                <a:path w="2858013" h="6866467">
+                  <a:moveTo>
+                    <a:pt x="0" y="0"/>
+                  </a:moveTo>
+                  <a:lnTo>
+                    <a:pt x="2858013" y="0"/>
+                  </a:lnTo>
+                  <a:lnTo>
+                    <a:pt x="2858013" y="6866467"/>
+                  </a:lnTo>
+                  <a:lnTo>
+                    <a:pt x="2473942" y="6866467"/>
+                  </a:lnTo>
+                  <a:lnTo>
+                    <a:pt x="0" y="0"/>
+                  </a:lnTo>
+                  <a:close/>
+                </a:path>
+              </a:pathLst>
+            </a:custGeom>
+            <a:solidFill>
+              <a:schemeClr val="accent2">
+                <a:lumMod val="75000"/>
+                <a:alpha val="70000"/>
+              </a:schemeClr>
+            </a:solidFill>
+            <a:ln>
+              <a:noFill/>
+            </a:ln>
+            <a:effectLst/>
+          </p:spPr>
+          <p:style>
+            <a:lnRef idx="1">
+              <a:schemeClr val="accent1"/>
+            </a:lnRef>
+            <a:fillRef idx="3">
+              <a:schemeClr val="accent1"/>
+            </a:fillRef>
+            <a:effectRef idx="2">
+              <a:schemeClr val="accent1"/>
+            </a:effectRef>
+            <a:fontRef idx="minor">
+              <a:schemeClr val="lt1"/>
+            </a:fontRef>
+          </p:style>
+        </p:sp>
+        <p:sp>
+          <p:nvSpPr>
+            <p:cNvPr id="29" name="Rectangle 28"/>
+            <p:cNvSpPr/>
+            <p:nvPr/>
+          </p:nvSpPr>
+          <p:spPr>
+            <a:xfrm>
+              <a:off x="10898730" y="-8467"/>
+              <a:ext cx="1290094" cy="6866467"/>
+            </a:xfrm>
+            <a:custGeom>
+              <a:avLst/>
+              <a:gdLst/>
+              <a:ahLst/>
+              <a:cxnLst/>
+              <a:rect l="l" t="t" r="r" b="b"/>
+              <a:pathLst>
+                <a:path w="1290094" h="6858000">
+                  <a:moveTo>
+                    <a:pt x="1019735" y="0"/>
+                  </a:moveTo>
+                  <a:lnTo>
+                    <a:pt x="1290094" y="0"/>
+                  </a:lnTo>
+                  <a:lnTo>
+                    <a:pt x="1290094" y="6858000"/>
+                  </a:lnTo>
+                  <a:lnTo>
+                    <a:pt x="0" y="6858000"/>
+                  </a:lnTo>
+                  <a:lnTo>
+                    <a:pt x="1019735" y="0"/>
+                  </a:lnTo>
+                  <a:close/>
+                </a:path>
+              </a:pathLst>
+            </a:custGeom>
+            <a:solidFill>
+              <a:schemeClr val="accent1">
+                <a:lumMod val="60000"/>
+                <a:lumOff val="40000"/>
+                <a:alpha val="70000"/>
+              </a:schemeClr>
+            </a:solidFill>
+            <a:ln>
+              <a:noFill/>
+            </a:ln>
+            <a:effectLst/>
+          </p:spPr>
+          <p:style>
+            <a:lnRef idx="1">
+              <a:schemeClr val="accent1"/>
+            </a:lnRef>
+            <a:fillRef idx="3">
+              <a:schemeClr val="accent1"/>
+            </a:fillRef>
+            <a:effectRef idx="2">
+              <a:schemeClr val="accent1"/>
+            </a:effectRef>
+            <a:fontRef idx="minor">
+              <a:schemeClr val="lt1"/>
+            </a:fontRef>
+          </p:style>
+        </p:sp>
+        <p:sp>
+          <p:nvSpPr>
+            <p:cNvPr id="30" name="Rectangle 29"/>
+            <p:cNvSpPr/>
+            <p:nvPr/>
+          </p:nvSpPr>
+          <p:spPr>
+            <a:xfrm>
+              <a:off x="10938999" y="-8467"/>
+              <a:ext cx="1249825" cy="6866467"/>
+            </a:xfrm>
+            <a:custGeom>
+              <a:avLst/>
+              <a:gdLst/>
+              <a:ahLst/>
+              <a:cxnLst/>
+              <a:rect l="l" t="t" r="r" b="b"/>
+              <a:pathLst>
+                <a:path w="1249825" h="6858000">
+                  <a:moveTo>
+                    <a:pt x="0" y="0"/>
+                  </a:moveTo>
+                  <a:lnTo>
+                    <a:pt x="1249825" y="0"/>
+                  </a:lnTo>
+                  <a:lnTo>
+                    <a:pt x="1249825" y="6858000"/>
+                  </a:lnTo>
+                  <a:lnTo>
+                    <a:pt x="1109382" y="6858000"/>
+                  </a:lnTo>
+                  <a:lnTo>
+                    <a:pt x="0" y="0"/>
+                  </a:lnTo>
+                  <a:close/>
+                </a:path>
+              </a:pathLst>
+            </a:custGeom>
+            <a:solidFill>
+              <a:schemeClr val="accent1">
+                <a:alpha val="65000"/>
+              </a:schemeClr>
+            </a:solidFill>
+            <a:ln>
+              <a:noFill/>
+            </a:ln>
+            <a:effectLst/>
+          </p:spPr>
+          <p:style>
+            <a:lnRef idx="1">
+              <a:schemeClr val="accent1"/>
+            </a:lnRef>
+            <a:fillRef idx="3">
+              <a:schemeClr val="accent1"/>
+            </a:fillRef>
+            <a:effectRef idx="2">
+              <a:schemeClr val="accent1"/>
+            </a:effectRef>
+            <a:fontRef idx="minor">
+              <a:schemeClr val="lt1"/>
+            </a:fontRef>
+          </p:style>
+        </p:sp>
+        <p:sp>
+          <p:nvSpPr>
+            <p:cNvPr id="31" name="Isosceles Triangle 30"/>
+            <p:cNvSpPr/>
+            <p:nvPr/>
+          </p:nvSpPr>
+          <p:spPr>
+            <a:xfrm>
+              <a:off x="10371666" y="3589867"/>
+              <a:ext cx="1817159" cy="3268133"/>
+            </a:xfrm>
+            <a:prstGeom prst="triangle">
+              <a:avLst>
+                <a:gd name="adj" fmla="val 100000"/>
+              </a:avLst>
+            </a:prstGeom>
+            <a:solidFill>
+              <a:schemeClr val="accent1">
+                <a:alpha val="80000"/>
+              </a:schemeClr>
+            </a:solidFill>
+            <a:ln>
+              <a:noFill/>
+            </a:ln>
+            <a:effectLst/>
+          </p:spPr>
+          <p:style>
+            <a:lnRef idx="1">
+              <a:schemeClr val="accent1"/>
+            </a:lnRef>
+            <a:fillRef idx="3">
+              <a:schemeClr val="accent1"/>
+            </a:fillRef>
+            <a:effectRef idx="2">
+              <a:schemeClr val="accent1"/>
+            </a:effectRef>
+            <a:fontRef idx="minor">
+              <a:schemeClr val="lt1"/>
+            </a:fontRef>
+          </p:style>
+        </p:sp>
+        <p:sp>
+          <p:nvSpPr>
+            <p:cNvPr id="19" name="Isosceles Triangle 18"/>
+            <p:cNvSpPr/>
+            <p:nvPr/>
+          </p:nvSpPr>
+          <p:spPr>
+            <a:xfrm rot="10800000">
+              <a:off x="0" y="0"/>
+              <a:ext cx="842596" cy="5666154"/>
+            </a:xfrm>
+            <a:prstGeom prst="triangle">
+              <a:avLst>
+                <a:gd name="adj" fmla="val 100000"/>
+              </a:avLst>
+            </a:prstGeom>
+            <a:solidFill>
+              <a:schemeClr val="accent1">
+                <a:alpha val="85000"/>
+              </a:schemeClr>
+            </a:solidFill>
+            <a:ln>
+              <a:noFill/>
+            </a:ln>
+            <a:effectLst/>
+          </p:spPr>
+          <p:style>
+            <a:lnRef idx="1">
+              <a:schemeClr val="accent1"/>
+            </a:lnRef>
+            <a:fillRef idx="3">
+              <a:schemeClr val="accent1"/>
+            </a:fillRef>
+            <a:effectRef idx="2">
+              <a:schemeClr val="accent1"/>
+            </a:effectRef>
+            <a:fontRef idx="minor">
+              <a:schemeClr val="lt1"/>
+            </a:fontRef>
+          </p:style>
+        </p:sp>
+      </p:grpSp>
+      <p:sp>
+        <p:nvSpPr>
+          <p:cNvPr id="2" name="Title 1"/>
           <p:cNvSpPr>
             <a:spLocks noGrp="1"/>
           </p:cNvSpPr>
@@ -142,15 +675,21 @@
         </p:nvSpPr>
         <p:spPr>
           <a:xfrm>
-            <a:off x="1524000" y="1122363"/>
-            <a:ext cx="9144000" cy="2387600"/>
+            <a:off x="1507067" y="2404534"/>
+            <a:ext cx="7766936" cy="1646302"/>
           </a:xfrm>
         </p:spPr>
         <p:txBody>
-          <a:bodyPr anchor="b"/>
+          <a:bodyPr anchor="b">
+            <a:noAutofit/>
+          </a:bodyPr>
           <a:lstStyle>
-            <a:lvl1pPr algn="ctr">
-              <a:defRPr sz="6000"/>
+            <a:lvl1pPr algn="r">
+              <a:defRPr sz="5400">
+                <a:solidFill>
+                  <a:schemeClr val="accent1"/>
+                </a:solidFill>
+              </a:defRPr>
             </a:lvl1pPr>
           </a:lstStyle>
           <a:p>
@@ -158,18 +697,13 @@
               <a:rPr lang="ru-RU"/>
               <a:t>Образец заголовка</a:t>
             </a:r>
-          </a:p>
-        </p:txBody>
-      </p:sp>
-      <p:sp>
-        <p:nvSpPr>
-          <p:cNvPr id="3" name="Подзаголовок 2">
-            <a:extLst>
-              <a:ext uri="{FF2B5EF4-FFF2-40B4-BE49-F238E27FC236}">
-                <a16:creationId xmlns:a16="http://schemas.microsoft.com/office/drawing/2014/main" id="{7586D835-90DA-4740-8CB7-3510ECB1EAED}"/>
-              </a:ext>
-            </a:extLst>
-          </p:cNvPr>
+            <a:endParaRPr lang="en-US" dirty="0"/>
+          </a:p>
+        </p:txBody>
+      </p:sp>
+      <p:sp>
+        <p:nvSpPr>
+          <p:cNvPr id="3" name="Subtitle 2"/>
           <p:cNvSpPr>
             <a:spLocks noGrp="1"/>
           </p:cNvSpPr>
@@ -179,48 +713,103 @@
         </p:nvSpPr>
         <p:spPr>
           <a:xfrm>
-            <a:off x="1524000" y="3602038"/>
-            <a:ext cx="9144000" cy="1655762"/>
+            <a:off x="1507067" y="4050833"/>
+            <a:ext cx="7766936" cy="1096899"/>
           </a:xfrm>
         </p:spPr>
         <p:txBody>
-          <a:bodyPr/>
+          <a:bodyPr anchor="t"/>
           <a:lstStyle>
-            <a:lvl1pPr marL="0" indent="0" algn="ctr">
-              <a:buNone/>
-              <a:defRPr sz="2400"/>
+            <a:lvl1pPr marL="0" indent="0" algn="r">
+              <a:buNone/>
+              <a:defRPr>
+                <a:solidFill>
+                  <a:schemeClr val="tx1">
+                    <a:lumMod val="50000"/>
+                    <a:lumOff val="50000"/>
+                  </a:schemeClr>
+                </a:solidFill>
+              </a:defRPr>
             </a:lvl1pPr>
             <a:lvl2pPr marL="457200" indent="0" algn="ctr">
               <a:buNone/>
-              <a:defRPr sz="2000"/>
+              <a:defRPr>
+                <a:solidFill>
+                  <a:schemeClr val="tx1">
+                    <a:tint val="75000"/>
+                  </a:schemeClr>
+                </a:solidFill>
+              </a:defRPr>
             </a:lvl2pPr>
             <a:lvl3pPr marL="914400" indent="0" algn="ctr">
               <a:buNone/>
-              <a:defRPr sz="1800"/>
+              <a:defRPr>
+                <a:solidFill>
+                  <a:schemeClr val="tx1">
+                    <a:tint val="75000"/>
+                  </a:schemeClr>
+                </a:solidFill>
+              </a:defRPr>
             </a:lvl3pPr>
             <a:lvl4pPr marL="1371600" indent="0" algn="ctr">
               <a:buNone/>
-              <a:defRPr sz="1600"/>
+              <a:defRPr>
+                <a:solidFill>
+                  <a:schemeClr val="tx1">
+                    <a:tint val="75000"/>
+                  </a:schemeClr>
+                </a:solidFill>
+              </a:defRPr>
             </a:lvl4pPr>
             <a:lvl5pPr marL="1828800" indent="0" algn="ctr">
               <a:buNone/>
-              <a:defRPr sz="1600"/>
+              <a:defRPr>
+                <a:solidFill>
+                  <a:schemeClr val="tx1">
+                    <a:tint val="75000"/>
+                  </a:schemeClr>
+                </a:solidFill>
+              </a:defRPr>
             </a:lvl5pPr>
             <a:lvl6pPr marL="2286000" indent="0" algn="ctr">
               <a:buNone/>
-              <a:defRPr sz="1600"/>
+              <a:defRPr>
+                <a:solidFill>
+                  <a:schemeClr val="tx1">
+                    <a:tint val="75000"/>
+                  </a:schemeClr>
+                </a:solidFill>
+              </a:defRPr>
             </a:lvl6pPr>
             <a:lvl7pPr marL="2743200" indent="0" algn="ctr">
               <a:buNone/>
-              <a:defRPr sz="1600"/>
+              <a:defRPr>
+                <a:solidFill>
+                  <a:schemeClr val="tx1">
+                    <a:tint val="75000"/>
+                  </a:schemeClr>
+                </a:solidFill>
+              </a:defRPr>
             </a:lvl7pPr>
             <a:lvl8pPr marL="3200400" indent="0" algn="ctr">
               <a:buNone/>
-              <a:defRPr sz="1600"/>
+              <a:defRPr>
+                <a:solidFill>
+                  <a:schemeClr val="tx1">
+                    <a:tint val="75000"/>
+                  </a:schemeClr>
+                </a:solidFill>
+              </a:defRPr>
             </a:lvl8pPr>
             <a:lvl9pPr marL="3657600" indent="0" algn="ctr">
               <a:buNone/>
-              <a:defRPr sz="1600"/>
+              <a:defRPr>
+                <a:solidFill>
+                  <a:schemeClr val="tx1">
+                    <a:tint val="75000"/>
+                  </a:schemeClr>
+                </a:solidFill>
+              </a:defRPr>
             </a:lvl9pPr>
           </a:lstStyle>
           <a:p>
@@ -228,18 +817,13 @@
               <a:rPr lang="ru-RU"/>
               <a:t>Образец подзаголовка</a:t>
             </a:r>
-          </a:p>
-        </p:txBody>
-      </p:sp>
-      <p:sp>
-        <p:nvSpPr>
-          <p:cNvPr id="4" name="Дата 3">
-            <a:extLst>
-              <a:ext uri="{FF2B5EF4-FFF2-40B4-BE49-F238E27FC236}">
-                <a16:creationId xmlns:a16="http://schemas.microsoft.com/office/drawing/2014/main" id="{C720A0AC-30E7-42B9-88F0-A764AB691EE3}"/>
-              </a:ext>
-            </a:extLst>
-          </p:cNvPr>
+            <a:endParaRPr lang="en-US" dirty="0"/>
+          </a:p>
+        </p:txBody>
+      </p:sp>
+      <p:sp>
+        <p:nvSpPr>
+          <p:cNvPr id="4" name="Date Placeholder 3"/>
           <p:cNvSpPr>
             <a:spLocks noGrp="1"/>
           </p:cNvSpPr>
@@ -254,21 +838,15 @@
           <a:p>
             <a:fld id="{F886A9BA-2745-4C55-825F-C5836507A704}" type="datetimeFigureOut">
               <a:rPr lang="ru-RU" smtClean="0"/>
-              <a:t>08.11.2021</a:t>
+              <a:t>15.11.2021</a:t>
             </a:fld>
-            <a:endParaRPr lang="ru-RU"/>
-          </a:p>
-        </p:txBody>
-      </p:sp>
-      <p:sp>
-        <p:nvSpPr>
-          <p:cNvPr id="5" name="Нижний колонтитул 4">
-            <a:extLst>
-              <a:ext uri="{FF2B5EF4-FFF2-40B4-BE49-F238E27FC236}">
-                <a16:creationId xmlns:a16="http://schemas.microsoft.com/office/drawing/2014/main" id="{B3DC4510-A691-4A1F-961C-DBC6864DA16D}"/>
-              </a:ext>
-            </a:extLst>
-          </p:cNvPr>
+            <a:endParaRPr lang="ru-RU" dirty="0"/>
+          </a:p>
+        </p:txBody>
+      </p:sp>
+      <p:sp>
+        <p:nvSpPr>
+          <p:cNvPr id="5" name="Footer Placeholder 4"/>
           <p:cNvSpPr>
             <a:spLocks noGrp="1"/>
           </p:cNvSpPr>
@@ -281,19 +859,13 @@
           <a:bodyPr/>
           <a:lstStyle/>
           <a:p>
-            <a:endParaRPr lang="ru-RU"/>
-          </a:p>
-        </p:txBody>
-      </p:sp>
-      <p:sp>
-        <p:nvSpPr>
-          <p:cNvPr id="6" name="Номер слайда 5">
-            <a:extLst>
-              <a:ext uri="{FF2B5EF4-FFF2-40B4-BE49-F238E27FC236}">
-                <a16:creationId xmlns:a16="http://schemas.microsoft.com/office/drawing/2014/main" id="{E2833124-0D10-4E9D-8734-0FD220B4DF38}"/>
-              </a:ext>
-            </a:extLst>
-          </p:cNvPr>
+            <a:endParaRPr lang="ru-RU" dirty="0"/>
+          </a:p>
+        </p:txBody>
+      </p:sp>
+      <p:sp>
+        <p:nvSpPr>
+          <p:cNvPr id="6" name="Slide Number Placeholder 5"/>
           <p:cNvSpPr>
             <a:spLocks noGrp="1"/>
           </p:cNvSpPr>
@@ -310,14 +882,14 @@
               <a:rPr lang="ru-RU" smtClean="0"/>
               <a:t>‹#›</a:t>
             </a:fld>
-            <a:endParaRPr lang="ru-RU"/>
+            <a:endParaRPr lang="ru-RU" dirty="0"/>
           </a:p>
         </p:txBody>
       </p:sp>
     </p:spTree>
     <p:extLst>
       <p:ext uri="{BB962C8B-B14F-4D97-AF65-F5344CB8AC3E}">
-        <p14:creationId xmlns:p14="http://schemas.microsoft.com/office/powerpoint/2010/main" val="3593954480"/>
+        <p14:creationId xmlns:p14="http://schemas.microsoft.com/office/powerpoint/2010/main" val="3080507392"/>
       </p:ext>
     </p:extLst>
   </p:cSld>
@@ -328,6 +900,1619 @@
 </file>
 
 <file path=ppt/slideLayouts/slideLayout10.xml><?xml version="1.0" encoding="utf-8"?>
+<p:sldLayout xmlns:a="http://schemas.openxmlformats.org/drawingml/2006/main" xmlns:r="http://schemas.openxmlformats.org/officeDocument/2006/relationships" xmlns:p="http://schemas.openxmlformats.org/presentationml/2006/main" preserve="1">
+  <p:cSld name="Заголовок и подпись">
+    <p:spTree>
+      <p:nvGrpSpPr>
+        <p:cNvPr id="1" name=""/>
+        <p:cNvGrpSpPr/>
+        <p:nvPr/>
+      </p:nvGrpSpPr>
+      <p:grpSpPr>
+        <a:xfrm>
+          <a:off x="0" y="0"/>
+          <a:ext cx="0" cy="0"/>
+          <a:chOff x="0" y="0"/>
+          <a:chExt cx="0" cy="0"/>
+        </a:xfrm>
+      </p:grpSpPr>
+      <p:sp>
+        <p:nvSpPr>
+          <p:cNvPr id="2" name="Title 1"/>
+          <p:cNvSpPr>
+            <a:spLocks noGrp="1"/>
+          </p:cNvSpPr>
+          <p:nvPr>
+            <p:ph type="title"/>
+          </p:nvPr>
+        </p:nvSpPr>
+        <p:spPr>
+          <a:xfrm>
+            <a:off x="677335" y="609600"/>
+            <a:ext cx="8596668" cy="3403600"/>
+          </a:xfrm>
+        </p:spPr>
+        <p:txBody>
+          <a:bodyPr anchor="ctr">
+            <a:normAutofit/>
+          </a:bodyPr>
+          <a:lstStyle>
+            <a:lvl1pPr algn="l">
+              <a:defRPr sz="4400" b="0" cap="none"/>
+            </a:lvl1pPr>
+          </a:lstStyle>
+          <a:p>
+            <a:r>
+              <a:rPr lang="ru-RU"/>
+              <a:t>Образец заголовка</a:t>
+            </a:r>
+            <a:endParaRPr lang="en-US" dirty="0"/>
+          </a:p>
+        </p:txBody>
+      </p:sp>
+      <p:sp>
+        <p:nvSpPr>
+          <p:cNvPr id="3" name="Text Placeholder 2"/>
+          <p:cNvSpPr>
+            <a:spLocks noGrp="1"/>
+          </p:cNvSpPr>
+          <p:nvPr>
+            <p:ph type="body" idx="1"/>
+          </p:nvPr>
+        </p:nvSpPr>
+        <p:spPr>
+          <a:xfrm>
+            <a:off x="677335" y="4470400"/>
+            <a:ext cx="8596668" cy="1570962"/>
+          </a:xfrm>
+        </p:spPr>
+        <p:txBody>
+          <a:bodyPr anchor="ctr">
+            <a:normAutofit/>
+          </a:bodyPr>
+          <a:lstStyle>
+            <a:lvl1pPr marL="0" indent="0" algn="l">
+              <a:buNone/>
+              <a:defRPr sz="1800">
+                <a:solidFill>
+                  <a:schemeClr val="tx1">
+                    <a:lumMod val="75000"/>
+                    <a:lumOff val="25000"/>
+                  </a:schemeClr>
+                </a:solidFill>
+              </a:defRPr>
+            </a:lvl1pPr>
+            <a:lvl2pPr marL="457200" indent="0">
+              <a:buNone/>
+              <a:defRPr sz="1800">
+                <a:solidFill>
+                  <a:schemeClr val="tx1">
+                    <a:tint val="75000"/>
+                  </a:schemeClr>
+                </a:solidFill>
+              </a:defRPr>
+            </a:lvl2pPr>
+            <a:lvl3pPr marL="914400" indent="0">
+              <a:buNone/>
+              <a:defRPr sz="1600">
+                <a:solidFill>
+                  <a:schemeClr val="tx1">
+                    <a:tint val="75000"/>
+                  </a:schemeClr>
+                </a:solidFill>
+              </a:defRPr>
+            </a:lvl3pPr>
+            <a:lvl4pPr marL="1371600" indent="0">
+              <a:buNone/>
+              <a:defRPr sz="1400">
+                <a:solidFill>
+                  <a:schemeClr val="tx1">
+                    <a:tint val="75000"/>
+                  </a:schemeClr>
+                </a:solidFill>
+              </a:defRPr>
+            </a:lvl4pPr>
+            <a:lvl5pPr marL="1828800" indent="0">
+              <a:buNone/>
+              <a:defRPr sz="1400">
+                <a:solidFill>
+                  <a:schemeClr val="tx1">
+                    <a:tint val="75000"/>
+                  </a:schemeClr>
+                </a:solidFill>
+              </a:defRPr>
+            </a:lvl5pPr>
+            <a:lvl6pPr marL="2286000" indent="0">
+              <a:buNone/>
+              <a:defRPr sz="1400">
+                <a:solidFill>
+                  <a:schemeClr val="tx1">
+                    <a:tint val="75000"/>
+                  </a:schemeClr>
+                </a:solidFill>
+              </a:defRPr>
+            </a:lvl6pPr>
+            <a:lvl7pPr marL="2743200" indent="0">
+              <a:buNone/>
+              <a:defRPr sz="1400">
+                <a:solidFill>
+                  <a:schemeClr val="tx1">
+                    <a:tint val="75000"/>
+                  </a:schemeClr>
+                </a:solidFill>
+              </a:defRPr>
+            </a:lvl7pPr>
+            <a:lvl8pPr marL="3200400" indent="0">
+              <a:buNone/>
+              <a:defRPr sz="1400">
+                <a:solidFill>
+                  <a:schemeClr val="tx1">
+                    <a:tint val="75000"/>
+                  </a:schemeClr>
+                </a:solidFill>
+              </a:defRPr>
+            </a:lvl8pPr>
+            <a:lvl9pPr marL="3657600" indent="0">
+              <a:buNone/>
+              <a:defRPr sz="1400">
+                <a:solidFill>
+                  <a:schemeClr val="tx1">
+                    <a:tint val="75000"/>
+                  </a:schemeClr>
+                </a:solidFill>
+              </a:defRPr>
+            </a:lvl9pPr>
+          </a:lstStyle>
+          <a:p>
+            <a:pPr lvl="0"/>
+            <a:r>
+              <a:rPr lang="ru-RU"/>
+              <a:t>Образец текста</a:t>
+            </a:r>
+          </a:p>
+        </p:txBody>
+      </p:sp>
+      <p:sp>
+        <p:nvSpPr>
+          <p:cNvPr id="4" name="Date Placeholder 3"/>
+          <p:cNvSpPr>
+            <a:spLocks noGrp="1"/>
+          </p:cNvSpPr>
+          <p:nvPr>
+            <p:ph type="dt" sz="half" idx="10"/>
+          </p:nvPr>
+        </p:nvSpPr>
+        <p:spPr/>
+        <p:txBody>
+          <a:bodyPr/>
+          <a:lstStyle/>
+          <a:p>
+            <a:fld id="{F886A9BA-2745-4C55-825F-C5836507A704}" type="datetimeFigureOut">
+              <a:rPr lang="ru-RU" smtClean="0"/>
+              <a:t>15.11.2021</a:t>
+            </a:fld>
+            <a:endParaRPr lang="ru-RU" dirty="0"/>
+          </a:p>
+        </p:txBody>
+      </p:sp>
+      <p:sp>
+        <p:nvSpPr>
+          <p:cNvPr id="5" name="Footer Placeholder 4"/>
+          <p:cNvSpPr>
+            <a:spLocks noGrp="1"/>
+          </p:cNvSpPr>
+          <p:nvPr>
+            <p:ph type="ftr" sz="quarter" idx="11"/>
+          </p:nvPr>
+        </p:nvSpPr>
+        <p:spPr/>
+        <p:txBody>
+          <a:bodyPr/>
+          <a:lstStyle/>
+          <a:p>
+            <a:endParaRPr lang="ru-RU" dirty="0"/>
+          </a:p>
+        </p:txBody>
+      </p:sp>
+      <p:sp>
+        <p:nvSpPr>
+          <p:cNvPr id="6" name="Slide Number Placeholder 5"/>
+          <p:cNvSpPr>
+            <a:spLocks noGrp="1"/>
+          </p:cNvSpPr>
+          <p:nvPr>
+            <p:ph type="sldNum" sz="quarter" idx="12"/>
+          </p:nvPr>
+        </p:nvSpPr>
+        <p:spPr/>
+        <p:txBody>
+          <a:bodyPr/>
+          <a:lstStyle/>
+          <a:p>
+            <a:fld id="{1398CDC5-7493-46DD-933D-DE732978C7F7}" type="slidenum">
+              <a:rPr lang="ru-RU" smtClean="0"/>
+              <a:t>‹#›</a:t>
+            </a:fld>
+            <a:endParaRPr lang="ru-RU" dirty="0"/>
+          </a:p>
+        </p:txBody>
+      </p:sp>
+    </p:spTree>
+    <p:extLst>
+      <p:ext uri="{BB962C8B-B14F-4D97-AF65-F5344CB8AC3E}">
+        <p14:creationId xmlns:p14="http://schemas.microsoft.com/office/powerpoint/2010/main" val="516723125"/>
+      </p:ext>
+    </p:extLst>
+  </p:cSld>
+  <p:clrMapOvr>
+    <a:masterClrMapping/>
+  </p:clrMapOvr>
+</p:sldLayout>
+</file>
+
+<file path=ppt/slideLayouts/slideLayout11.xml><?xml version="1.0" encoding="utf-8"?>
+<p:sldLayout xmlns:a="http://schemas.openxmlformats.org/drawingml/2006/main" xmlns:r="http://schemas.openxmlformats.org/officeDocument/2006/relationships" xmlns:p="http://schemas.openxmlformats.org/presentationml/2006/main" preserve="1">
+  <p:cSld name="Цитата с подписью">
+    <p:spTree>
+      <p:nvGrpSpPr>
+        <p:cNvPr id="1" name=""/>
+        <p:cNvGrpSpPr/>
+        <p:nvPr/>
+      </p:nvGrpSpPr>
+      <p:grpSpPr>
+        <a:xfrm>
+          <a:off x="0" y="0"/>
+          <a:ext cx="0" cy="0"/>
+          <a:chOff x="0" y="0"/>
+          <a:chExt cx="0" cy="0"/>
+        </a:xfrm>
+      </p:grpSpPr>
+      <p:sp>
+        <p:nvSpPr>
+          <p:cNvPr id="2" name="Title 1"/>
+          <p:cNvSpPr>
+            <a:spLocks noGrp="1"/>
+          </p:cNvSpPr>
+          <p:nvPr>
+            <p:ph type="title"/>
+          </p:nvPr>
+        </p:nvSpPr>
+        <p:spPr>
+          <a:xfrm>
+            <a:off x="931334" y="609600"/>
+            <a:ext cx="8094134" cy="3022600"/>
+          </a:xfrm>
+        </p:spPr>
+        <p:txBody>
+          <a:bodyPr anchor="ctr">
+            <a:normAutofit/>
+          </a:bodyPr>
+          <a:lstStyle>
+            <a:lvl1pPr algn="l">
+              <a:defRPr sz="4400" b="0" cap="none"/>
+            </a:lvl1pPr>
+          </a:lstStyle>
+          <a:p>
+            <a:r>
+              <a:rPr lang="ru-RU"/>
+              <a:t>Образец заголовка</a:t>
+            </a:r>
+            <a:endParaRPr lang="en-US" dirty="0"/>
+          </a:p>
+        </p:txBody>
+      </p:sp>
+      <p:sp>
+        <p:nvSpPr>
+          <p:cNvPr id="23" name="Text Placeholder 9"/>
+          <p:cNvSpPr>
+            <a:spLocks noGrp="1"/>
+          </p:cNvSpPr>
+          <p:nvPr>
+            <p:ph type="body" sz="quarter" idx="13"/>
+          </p:nvPr>
+        </p:nvSpPr>
+        <p:spPr>
+          <a:xfrm>
+            <a:off x="1366139" y="3632200"/>
+            <a:ext cx="7224524" cy="381000"/>
+          </a:xfrm>
+        </p:spPr>
+        <p:txBody>
+          <a:bodyPr anchor="ctr">
+            <a:noAutofit/>
+          </a:bodyPr>
+          <a:lstStyle>
+            <a:lvl1pPr marL="0" indent="0">
+              <a:buFontTx/>
+              <a:buNone/>
+              <a:defRPr sz="1600">
+                <a:solidFill>
+                  <a:schemeClr val="tx1">
+                    <a:lumMod val="50000"/>
+                    <a:lumOff val="50000"/>
+                  </a:schemeClr>
+                </a:solidFill>
+              </a:defRPr>
+            </a:lvl1pPr>
+            <a:lvl2pPr marL="457200" indent="0">
+              <a:buFontTx/>
+              <a:buNone/>
+              <a:defRPr/>
+            </a:lvl2pPr>
+            <a:lvl3pPr marL="914400" indent="0">
+              <a:buFontTx/>
+              <a:buNone/>
+              <a:defRPr/>
+            </a:lvl3pPr>
+            <a:lvl4pPr marL="1371600" indent="0">
+              <a:buFontTx/>
+              <a:buNone/>
+              <a:defRPr/>
+            </a:lvl4pPr>
+            <a:lvl5pPr marL="1828800" indent="0">
+              <a:buFontTx/>
+              <a:buNone/>
+              <a:defRPr/>
+            </a:lvl5pPr>
+          </a:lstStyle>
+          <a:p>
+            <a:pPr lvl="0"/>
+            <a:r>
+              <a:rPr lang="ru-RU"/>
+              <a:t>Образец текста</a:t>
+            </a:r>
+          </a:p>
+        </p:txBody>
+      </p:sp>
+      <p:sp>
+        <p:nvSpPr>
+          <p:cNvPr id="3" name="Text Placeholder 2"/>
+          <p:cNvSpPr>
+            <a:spLocks noGrp="1"/>
+          </p:cNvSpPr>
+          <p:nvPr>
+            <p:ph type="body" idx="1"/>
+          </p:nvPr>
+        </p:nvSpPr>
+        <p:spPr>
+          <a:xfrm>
+            <a:off x="677335" y="4470400"/>
+            <a:ext cx="8596668" cy="1570962"/>
+          </a:xfrm>
+        </p:spPr>
+        <p:txBody>
+          <a:bodyPr anchor="ctr">
+            <a:normAutofit/>
+          </a:bodyPr>
+          <a:lstStyle>
+            <a:lvl1pPr marL="0" indent="0" algn="l">
+              <a:buNone/>
+              <a:defRPr sz="1800">
+                <a:solidFill>
+                  <a:schemeClr val="tx1">
+                    <a:lumMod val="75000"/>
+                    <a:lumOff val="25000"/>
+                  </a:schemeClr>
+                </a:solidFill>
+              </a:defRPr>
+            </a:lvl1pPr>
+            <a:lvl2pPr marL="457200" indent="0">
+              <a:buNone/>
+              <a:defRPr sz="1800">
+                <a:solidFill>
+                  <a:schemeClr val="tx1">
+                    <a:tint val="75000"/>
+                  </a:schemeClr>
+                </a:solidFill>
+              </a:defRPr>
+            </a:lvl2pPr>
+            <a:lvl3pPr marL="914400" indent="0">
+              <a:buNone/>
+              <a:defRPr sz="1600">
+                <a:solidFill>
+                  <a:schemeClr val="tx1">
+                    <a:tint val="75000"/>
+                  </a:schemeClr>
+                </a:solidFill>
+              </a:defRPr>
+            </a:lvl3pPr>
+            <a:lvl4pPr marL="1371600" indent="0">
+              <a:buNone/>
+              <a:defRPr sz="1400">
+                <a:solidFill>
+                  <a:schemeClr val="tx1">
+                    <a:tint val="75000"/>
+                  </a:schemeClr>
+                </a:solidFill>
+              </a:defRPr>
+            </a:lvl4pPr>
+            <a:lvl5pPr marL="1828800" indent="0">
+              <a:buNone/>
+              <a:defRPr sz="1400">
+                <a:solidFill>
+                  <a:schemeClr val="tx1">
+                    <a:tint val="75000"/>
+                  </a:schemeClr>
+                </a:solidFill>
+              </a:defRPr>
+            </a:lvl5pPr>
+            <a:lvl6pPr marL="2286000" indent="0">
+              <a:buNone/>
+              <a:defRPr sz="1400">
+                <a:solidFill>
+                  <a:schemeClr val="tx1">
+                    <a:tint val="75000"/>
+                  </a:schemeClr>
+                </a:solidFill>
+              </a:defRPr>
+            </a:lvl6pPr>
+            <a:lvl7pPr marL="2743200" indent="0">
+              <a:buNone/>
+              <a:defRPr sz="1400">
+                <a:solidFill>
+                  <a:schemeClr val="tx1">
+                    <a:tint val="75000"/>
+                  </a:schemeClr>
+                </a:solidFill>
+              </a:defRPr>
+            </a:lvl7pPr>
+            <a:lvl8pPr marL="3200400" indent="0">
+              <a:buNone/>
+              <a:defRPr sz="1400">
+                <a:solidFill>
+                  <a:schemeClr val="tx1">
+                    <a:tint val="75000"/>
+                  </a:schemeClr>
+                </a:solidFill>
+              </a:defRPr>
+            </a:lvl8pPr>
+            <a:lvl9pPr marL="3657600" indent="0">
+              <a:buNone/>
+              <a:defRPr sz="1400">
+                <a:solidFill>
+                  <a:schemeClr val="tx1">
+                    <a:tint val="75000"/>
+                  </a:schemeClr>
+                </a:solidFill>
+              </a:defRPr>
+            </a:lvl9pPr>
+          </a:lstStyle>
+          <a:p>
+            <a:pPr lvl="0"/>
+            <a:r>
+              <a:rPr lang="ru-RU"/>
+              <a:t>Образец текста</a:t>
+            </a:r>
+          </a:p>
+        </p:txBody>
+      </p:sp>
+      <p:sp>
+        <p:nvSpPr>
+          <p:cNvPr id="4" name="Date Placeholder 3"/>
+          <p:cNvSpPr>
+            <a:spLocks noGrp="1"/>
+          </p:cNvSpPr>
+          <p:nvPr>
+            <p:ph type="dt" sz="half" idx="10"/>
+          </p:nvPr>
+        </p:nvSpPr>
+        <p:spPr/>
+        <p:txBody>
+          <a:bodyPr/>
+          <a:lstStyle/>
+          <a:p>
+            <a:fld id="{F886A9BA-2745-4C55-825F-C5836507A704}" type="datetimeFigureOut">
+              <a:rPr lang="ru-RU" smtClean="0"/>
+              <a:t>15.11.2021</a:t>
+            </a:fld>
+            <a:endParaRPr lang="ru-RU" dirty="0"/>
+          </a:p>
+        </p:txBody>
+      </p:sp>
+      <p:sp>
+        <p:nvSpPr>
+          <p:cNvPr id="5" name="Footer Placeholder 4"/>
+          <p:cNvSpPr>
+            <a:spLocks noGrp="1"/>
+          </p:cNvSpPr>
+          <p:nvPr>
+            <p:ph type="ftr" sz="quarter" idx="11"/>
+          </p:nvPr>
+        </p:nvSpPr>
+        <p:spPr/>
+        <p:txBody>
+          <a:bodyPr/>
+          <a:lstStyle/>
+          <a:p>
+            <a:endParaRPr lang="ru-RU" dirty="0"/>
+          </a:p>
+        </p:txBody>
+      </p:sp>
+      <p:sp>
+        <p:nvSpPr>
+          <p:cNvPr id="6" name="Slide Number Placeholder 5"/>
+          <p:cNvSpPr>
+            <a:spLocks noGrp="1"/>
+          </p:cNvSpPr>
+          <p:nvPr>
+            <p:ph type="sldNum" sz="quarter" idx="12"/>
+          </p:nvPr>
+        </p:nvSpPr>
+        <p:spPr/>
+        <p:txBody>
+          <a:bodyPr/>
+          <a:lstStyle/>
+          <a:p>
+            <a:fld id="{1398CDC5-7493-46DD-933D-DE732978C7F7}" type="slidenum">
+              <a:rPr lang="ru-RU" smtClean="0"/>
+              <a:t>‹#›</a:t>
+            </a:fld>
+            <a:endParaRPr lang="ru-RU" dirty="0"/>
+          </a:p>
+        </p:txBody>
+      </p:sp>
+      <p:sp>
+        <p:nvSpPr>
+          <p:cNvPr id="20" name="TextBox 19"/>
+          <p:cNvSpPr txBox="1"/>
+          <p:nvPr/>
+        </p:nvSpPr>
+        <p:spPr>
+          <a:xfrm>
+            <a:off x="541870" y="790378"/>
+            <a:ext cx="609600" cy="584776"/>
+          </a:xfrm>
+          <a:prstGeom prst="rect">
+            <a:avLst/>
+          </a:prstGeom>
+        </p:spPr>
+        <p:txBody>
+          <a:bodyPr vert="horz" lIns="91440" tIns="45720" rIns="91440" bIns="45720" rtlCol="0" anchor="ctr">
+            <a:noAutofit/>
+          </a:bodyPr>
+          <a:lstStyle/>
+          <a:p>
+            <a:pPr lvl="0"/>
+            <a:r>
+              <a:rPr lang="en-US" sz="8000" baseline="0" dirty="0">
+                <a:ln w="3175" cmpd="sng">
+                  <a:noFill/>
+                </a:ln>
+                <a:solidFill>
+                  <a:schemeClr val="accent1">
+                    <a:lumMod val="60000"/>
+                    <a:lumOff val="40000"/>
+                  </a:schemeClr>
+                </a:solidFill>
+                <a:effectLst/>
+                <a:latin typeface="Arial"/>
+              </a:rPr>
+              <a:t>“</a:t>
+            </a:r>
+          </a:p>
+        </p:txBody>
+      </p:sp>
+      <p:sp>
+        <p:nvSpPr>
+          <p:cNvPr id="22" name="TextBox 21"/>
+          <p:cNvSpPr txBox="1"/>
+          <p:nvPr/>
+        </p:nvSpPr>
+        <p:spPr>
+          <a:xfrm>
+            <a:off x="8893011" y="2886556"/>
+            <a:ext cx="609600" cy="584776"/>
+          </a:xfrm>
+          <a:prstGeom prst="rect">
+            <a:avLst/>
+          </a:prstGeom>
+        </p:spPr>
+        <p:txBody>
+          <a:bodyPr vert="horz" lIns="91440" tIns="45720" rIns="91440" bIns="45720" rtlCol="0" anchor="ctr">
+            <a:noAutofit/>
+          </a:bodyPr>
+          <a:lstStyle/>
+          <a:p>
+            <a:pPr lvl="0"/>
+            <a:r>
+              <a:rPr lang="en-US" sz="8000" baseline="0" dirty="0">
+                <a:ln w="3175" cmpd="sng">
+                  <a:noFill/>
+                </a:ln>
+                <a:solidFill>
+                  <a:schemeClr val="accent1">
+                    <a:lumMod val="60000"/>
+                    <a:lumOff val="40000"/>
+                  </a:schemeClr>
+                </a:solidFill>
+                <a:latin typeface="Arial"/>
+              </a:rPr>
+              <a:t>”</a:t>
+            </a:r>
+            <a:endParaRPr lang="en-US" dirty="0">
+              <a:solidFill>
+                <a:schemeClr val="accent1">
+                  <a:lumMod val="60000"/>
+                  <a:lumOff val="40000"/>
+                </a:schemeClr>
+              </a:solidFill>
+              <a:latin typeface="Arial"/>
+            </a:endParaRPr>
+          </a:p>
+        </p:txBody>
+      </p:sp>
+    </p:spTree>
+    <p:extLst>
+      <p:ext uri="{BB962C8B-B14F-4D97-AF65-F5344CB8AC3E}">
+        <p14:creationId xmlns:p14="http://schemas.microsoft.com/office/powerpoint/2010/main" val="1859094704"/>
+      </p:ext>
+    </p:extLst>
+  </p:cSld>
+  <p:clrMapOvr>
+    <a:masterClrMapping/>
+  </p:clrMapOvr>
+</p:sldLayout>
+</file>
+
+<file path=ppt/slideLayouts/slideLayout12.xml><?xml version="1.0" encoding="utf-8"?>
+<p:sldLayout xmlns:a="http://schemas.openxmlformats.org/drawingml/2006/main" xmlns:r="http://schemas.openxmlformats.org/officeDocument/2006/relationships" xmlns:p="http://schemas.openxmlformats.org/presentationml/2006/main" preserve="1">
+  <p:cSld name="Карточка имени">
+    <p:spTree>
+      <p:nvGrpSpPr>
+        <p:cNvPr id="1" name=""/>
+        <p:cNvGrpSpPr/>
+        <p:nvPr/>
+      </p:nvGrpSpPr>
+      <p:grpSpPr>
+        <a:xfrm>
+          <a:off x="0" y="0"/>
+          <a:ext cx="0" cy="0"/>
+          <a:chOff x="0" y="0"/>
+          <a:chExt cx="0" cy="0"/>
+        </a:xfrm>
+      </p:grpSpPr>
+      <p:sp>
+        <p:nvSpPr>
+          <p:cNvPr id="2" name="Title 1"/>
+          <p:cNvSpPr>
+            <a:spLocks noGrp="1"/>
+          </p:cNvSpPr>
+          <p:nvPr>
+            <p:ph type="title"/>
+          </p:nvPr>
+        </p:nvSpPr>
+        <p:spPr>
+          <a:xfrm>
+            <a:off x="677335" y="1931988"/>
+            <a:ext cx="8596668" cy="2595460"/>
+          </a:xfrm>
+        </p:spPr>
+        <p:txBody>
+          <a:bodyPr anchor="b">
+            <a:normAutofit/>
+          </a:bodyPr>
+          <a:lstStyle>
+            <a:lvl1pPr algn="l">
+              <a:defRPr sz="4400" b="0" cap="none"/>
+            </a:lvl1pPr>
+          </a:lstStyle>
+          <a:p>
+            <a:r>
+              <a:rPr lang="ru-RU"/>
+              <a:t>Образец заголовка</a:t>
+            </a:r>
+            <a:endParaRPr lang="en-US" dirty="0"/>
+          </a:p>
+        </p:txBody>
+      </p:sp>
+      <p:sp>
+        <p:nvSpPr>
+          <p:cNvPr id="3" name="Text Placeholder 2"/>
+          <p:cNvSpPr>
+            <a:spLocks noGrp="1"/>
+          </p:cNvSpPr>
+          <p:nvPr>
+            <p:ph type="body" idx="1"/>
+          </p:nvPr>
+        </p:nvSpPr>
+        <p:spPr>
+          <a:xfrm>
+            <a:off x="677335" y="4527448"/>
+            <a:ext cx="8596668" cy="1513914"/>
+          </a:xfrm>
+        </p:spPr>
+        <p:txBody>
+          <a:bodyPr anchor="t">
+            <a:normAutofit/>
+          </a:bodyPr>
+          <a:lstStyle>
+            <a:lvl1pPr marL="0" indent="0" algn="l">
+              <a:buNone/>
+              <a:defRPr sz="1800">
+                <a:solidFill>
+                  <a:schemeClr val="tx1">
+                    <a:lumMod val="75000"/>
+                    <a:lumOff val="25000"/>
+                  </a:schemeClr>
+                </a:solidFill>
+              </a:defRPr>
+            </a:lvl1pPr>
+            <a:lvl2pPr marL="457200" indent="0">
+              <a:buNone/>
+              <a:defRPr sz="1800">
+                <a:solidFill>
+                  <a:schemeClr val="tx1">
+                    <a:tint val="75000"/>
+                  </a:schemeClr>
+                </a:solidFill>
+              </a:defRPr>
+            </a:lvl2pPr>
+            <a:lvl3pPr marL="914400" indent="0">
+              <a:buNone/>
+              <a:defRPr sz="1600">
+                <a:solidFill>
+                  <a:schemeClr val="tx1">
+                    <a:tint val="75000"/>
+                  </a:schemeClr>
+                </a:solidFill>
+              </a:defRPr>
+            </a:lvl3pPr>
+            <a:lvl4pPr marL="1371600" indent="0">
+              <a:buNone/>
+              <a:defRPr sz="1400">
+                <a:solidFill>
+                  <a:schemeClr val="tx1">
+                    <a:tint val="75000"/>
+                  </a:schemeClr>
+                </a:solidFill>
+              </a:defRPr>
+            </a:lvl4pPr>
+            <a:lvl5pPr marL="1828800" indent="0">
+              <a:buNone/>
+              <a:defRPr sz="1400">
+                <a:solidFill>
+                  <a:schemeClr val="tx1">
+                    <a:tint val="75000"/>
+                  </a:schemeClr>
+                </a:solidFill>
+              </a:defRPr>
+            </a:lvl5pPr>
+            <a:lvl6pPr marL="2286000" indent="0">
+              <a:buNone/>
+              <a:defRPr sz="1400">
+                <a:solidFill>
+                  <a:schemeClr val="tx1">
+                    <a:tint val="75000"/>
+                  </a:schemeClr>
+                </a:solidFill>
+              </a:defRPr>
+            </a:lvl6pPr>
+            <a:lvl7pPr marL="2743200" indent="0">
+              <a:buNone/>
+              <a:defRPr sz="1400">
+                <a:solidFill>
+                  <a:schemeClr val="tx1">
+                    <a:tint val="75000"/>
+                  </a:schemeClr>
+                </a:solidFill>
+              </a:defRPr>
+            </a:lvl7pPr>
+            <a:lvl8pPr marL="3200400" indent="0">
+              <a:buNone/>
+              <a:defRPr sz="1400">
+                <a:solidFill>
+                  <a:schemeClr val="tx1">
+                    <a:tint val="75000"/>
+                  </a:schemeClr>
+                </a:solidFill>
+              </a:defRPr>
+            </a:lvl8pPr>
+            <a:lvl9pPr marL="3657600" indent="0">
+              <a:buNone/>
+              <a:defRPr sz="1400">
+                <a:solidFill>
+                  <a:schemeClr val="tx1">
+                    <a:tint val="75000"/>
+                  </a:schemeClr>
+                </a:solidFill>
+              </a:defRPr>
+            </a:lvl9pPr>
+          </a:lstStyle>
+          <a:p>
+            <a:pPr lvl="0"/>
+            <a:r>
+              <a:rPr lang="ru-RU"/>
+              <a:t>Образец текста</a:t>
+            </a:r>
+          </a:p>
+        </p:txBody>
+      </p:sp>
+      <p:sp>
+        <p:nvSpPr>
+          <p:cNvPr id="4" name="Date Placeholder 3"/>
+          <p:cNvSpPr>
+            <a:spLocks noGrp="1"/>
+          </p:cNvSpPr>
+          <p:nvPr>
+            <p:ph type="dt" sz="half" idx="10"/>
+          </p:nvPr>
+        </p:nvSpPr>
+        <p:spPr/>
+        <p:txBody>
+          <a:bodyPr/>
+          <a:lstStyle/>
+          <a:p>
+            <a:fld id="{F886A9BA-2745-4C55-825F-C5836507A704}" type="datetimeFigureOut">
+              <a:rPr lang="ru-RU" smtClean="0"/>
+              <a:t>15.11.2021</a:t>
+            </a:fld>
+            <a:endParaRPr lang="ru-RU" dirty="0"/>
+          </a:p>
+        </p:txBody>
+      </p:sp>
+      <p:sp>
+        <p:nvSpPr>
+          <p:cNvPr id="5" name="Footer Placeholder 4"/>
+          <p:cNvSpPr>
+            <a:spLocks noGrp="1"/>
+          </p:cNvSpPr>
+          <p:nvPr>
+            <p:ph type="ftr" sz="quarter" idx="11"/>
+          </p:nvPr>
+        </p:nvSpPr>
+        <p:spPr/>
+        <p:txBody>
+          <a:bodyPr/>
+          <a:lstStyle/>
+          <a:p>
+            <a:endParaRPr lang="ru-RU" dirty="0"/>
+          </a:p>
+        </p:txBody>
+      </p:sp>
+      <p:sp>
+        <p:nvSpPr>
+          <p:cNvPr id="6" name="Slide Number Placeholder 5"/>
+          <p:cNvSpPr>
+            <a:spLocks noGrp="1"/>
+          </p:cNvSpPr>
+          <p:nvPr>
+            <p:ph type="sldNum" sz="quarter" idx="12"/>
+          </p:nvPr>
+        </p:nvSpPr>
+        <p:spPr/>
+        <p:txBody>
+          <a:bodyPr/>
+          <a:lstStyle/>
+          <a:p>
+            <a:fld id="{1398CDC5-7493-46DD-933D-DE732978C7F7}" type="slidenum">
+              <a:rPr lang="ru-RU" smtClean="0"/>
+              <a:t>‹#›</a:t>
+            </a:fld>
+            <a:endParaRPr lang="ru-RU" dirty="0"/>
+          </a:p>
+        </p:txBody>
+      </p:sp>
+    </p:spTree>
+    <p:extLst>
+      <p:ext uri="{BB962C8B-B14F-4D97-AF65-F5344CB8AC3E}">
+        <p14:creationId xmlns:p14="http://schemas.microsoft.com/office/powerpoint/2010/main" val="3488739102"/>
+      </p:ext>
+    </p:extLst>
+  </p:cSld>
+  <p:clrMapOvr>
+    <a:masterClrMapping/>
+  </p:clrMapOvr>
+</p:sldLayout>
+</file>
+
+<file path=ppt/slideLayouts/slideLayout13.xml><?xml version="1.0" encoding="utf-8"?>
+<p:sldLayout xmlns:a="http://schemas.openxmlformats.org/drawingml/2006/main" xmlns:r="http://schemas.openxmlformats.org/officeDocument/2006/relationships" xmlns:p="http://schemas.openxmlformats.org/presentationml/2006/main" preserve="1">
+  <p:cSld name="Цитата карточки имени">
+    <p:spTree>
+      <p:nvGrpSpPr>
+        <p:cNvPr id="1" name=""/>
+        <p:cNvGrpSpPr/>
+        <p:nvPr/>
+      </p:nvGrpSpPr>
+      <p:grpSpPr>
+        <a:xfrm>
+          <a:off x="0" y="0"/>
+          <a:ext cx="0" cy="0"/>
+          <a:chOff x="0" y="0"/>
+          <a:chExt cx="0" cy="0"/>
+        </a:xfrm>
+      </p:grpSpPr>
+      <p:sp>
+        <p:nvSpPr>
+          <p:cNvPr id="2" name="Title 1"/>
+          <p:cNvSpPr>
+            <a:spLocks noGrp="1"/>
+          </p:cNvSpPr>
+          <p:nvPr>
+            <p:ph type="title"/>
+          </p:nvPr>
+        </p:nvSpPr>
+        <p:spPr>
+          <a:xfrm>
+            <a:off x="931334" y="609600"/>
+            <a:ext cx="8094134" cy="3022600"/>
+          </a:xfrm>
+        </p:spPr>
+        <p:txBody>
+          <a:bodyPr anchor="ctr">
+            <a:normAutofit/>
+          </a:bodyPr>
+          <a:lstStyle>
+            <a:lvl1pPr algn="l">
+              <a:defRPr sz="4400" b="0" cap="none"/>
+            </a:lvl1pPr>
+          </a:lstStyle>
+          <a:p>
+            <a:r>
+              <a:rPr lang="ru-RU"/>
+              <a:t>Образец заголовка</a:t>
+            </a:r>
+            <a:endParaRPr lang="en-US" dirty="0"/>
+          </a:p>
+        </p:txBody>
+      </p:sp>
+      <p:sp>
+        <p:nvSpPr>
+          <p:cNvPr id="23" name="Text Placeholder 9"/>
+          <p:cNvSpPr>
+            <a:spLocks noGrp="1"/>
+          </p:cNvSpPr>
+          <p:nvPr>
+            <p:ph type="body" sz="quarter" idx="13"/>
+          </p:nvPr>
+        </p:nvSpPr>
+        <p:spPr>
+          <a:xfrm>
+            <a:off x="677332" y="4013200"/>
+            <a:ext cx="8596669" cy="514248"/>
+          </a:xfrm>
+        </p:spPr>
+        <p:txBody>
+          <a:bodyPr anchor="b">
+            <a:noAutofit/>
+          </a:bodyPr>
+          <a:lstStyle>
+            <a:lvl1pPr marL="0" indent="0">
+              <a:buFontTx/>
+              <a:buNone/>
+              <a:defRPr sz="2400">
+                <a:solidFill>
+                  <a:schemeClr val="tx1">
+                    <a:lumMod val="75000"/>
+                    <a:lumOff val="25000"/>
+                  </a:schemeClr>
+                </a:solidFill>
+              </a:defRPr>
+            </a:lvl1pPr>
+            <a:lvl2pPr marL="457200" indent="0">
+              <a:buFontTx/>
+              <a:buNone/>
+              <a:defRPr/>
+            </a:lvl2pPr>
+            <a:lvl3pPr marL="914400" indent="0">
+              <a:buFontTx/>
+              <a:buNone/>
+              <a:defRPr/>
+            </a:lvl3pPr>
+            <a:lvl4pPr marL="1371600" indent="0">
+              <a:buFontTx/>
+              <a:buNone/>
+              <a:defRPr/>
+            </a:lvl4pPr>
+            <a:lvl5pPr marL="1828800" indent="0">
+              <a:buFontTx/>
+              <a:buNone/>
+              <a:defRPr/>
+            </a:lvl5pPr>
+          </a:lstStyle>
+          <a:p>
+            <a:pPr lvl="0"/>
+            <a:r>
+              <a:rPr lang="ru-RU"/>
+              <a:t>Образец текста</a:t>
+            </a:r>
+          </a:p>
+        </p:txBody>
+      </p:sp>
+      <p:sp>
+        <p:nvSpPr>
+          <p:cNvPr id="3" name="Text Placeholder 2"/>
+          <p:cNvSpPr>
+            <a:spLocks noGrp="1"/>
+          </p:cNvSpPr>
+          <p:nvPr>
+            <p:ph type="body" idx="1"/>
+          </p:nvPr>
+        </p:nvSpPr>
+        <p:spPr>
+          <a:xfrm>
+            <a:off x="677335" y="4527448"/>
+            <a:ext cx="8596668" cy="1513914"/>
+          </a:xfrm>
+        </p:spPr>
+        <p:txBody>
+          <a:bodyPr anchor="t">
+            <a:normAutofit/>
+          </a:bodyPr>
+          <a:lstStyle>
+            <a:lvl1pPr marL="0" indent="0" algn="l">
+              <a:buNone/>
+              <a:defRPr sz="1800">
+                <a:solidFill>
+                  <a:schemeClr val="tx1">
+                    <a:lumMod val="50000"/>
+                    <a:lumOff val="50000"/>
+                  </a:schemeClr>
+                </a:solidFill>
+              </a:defRPr>
+            </a:lvl1pPr>
+            <a:lvl2pPr marL="457200" indent="0">
+              <a:buNone/>
+              <a:defRPr sz="1800">
+                <a:solidFill>
+                  <a:schemeClr val="tx1">
+                    <a:tint val="75000"/>
+                  </a:schemeClr>
+                </a:solidFill>
+              </a:defRPr>
+            </a:lvl2pPr>
+            <a:lvl3pPr marL="914400" indent="0">
+              <a:buNone/>
+              <a:defRPr sz="1600">
+                <a:solidFill>
+                  <a:schemeClr val="tx1">
+                    <a:tint val="75000"/>
+                  </a:schemeClr>
+                </a:solidFill>
+              </a:defRPr>
+            </a:lvl3pPr>
+            <a:lvl4pPr marL="1371600" indent="0">
+              <a:buNone/>
+              <a:defRPr sz="1400">
+                <a:solidFill>
+                  <a:schemeClr val="tx1">
+                    <a:tint val="75000"/>
+                  </a:schemeClr>
+                </a:solidFill>
+              </a:defRPr>
+            </a:lvl4pPr>
+            <a:lvl5pPr marL="1828800" indent="0">
+              <a:buNone/>
+              <a:defRPr sz="1400">
+                <a:solidFill>
+                  <a:schemeClr val="tx1">
+                    <a:tint val="75000"/>
+                  </a:schemeClr>
+                </a:solidFill>
+              </a:defRPr>
+            </a:lvl5pPr>
+            <a:lvl6pPr marL="2286000" indent="0">
+              <a:buNone/>
+              <a:defRPr sz="1400">
+                <a:solidFill>
+                  <a:schemeClr val="tx1">
+                    <a:tint val="75000"/>
+                  </a:schemeClr>
+                </a:solidFill>
+              </a:defRPr>
+            </a:lvl6pPr>
+            <a:lvl7pPr marL="2743200" indent="0">
+              <a:buNone/>
+              <a:defRPr sz="1400">
+                <a:solidFill>
+                  <a:schemeClr val="tx1">
+                    <a:tint val="75000"/>
+                  </a:schemeClr>
+                </a:solidFill>
+              </a:defRPr>
+            </a:lvl7pPr>
+            <a:lvl8pPr marL="3200400" indent="0">
+              <a:buNone/>
+              <a:defRPr sz="1400">
+                <a:solidFill>
+                  <a:schemeClr val="tx1">
+                    <a:tint val="75000"/>
+                  </a:schemeClr>
+                </a:solidFill>
+              </a:defRPr>
+            </a:lvl8pPr>
+            <a:lvl9pPr marL="3657600" indent="0">
+              <a:buNone/>
+              <a:defRPr sz="1400">
+                <a:solidFill>
+                  <a:schemeClr val="tx1">
+                    <a:tint val="75000"/>
+                  </a:schemeClr>
+                </a:solidFill>
+              </a:defRPr>
+            </a:lvl9pPr>
+          </a:lstStyle>
+          <a:p>
+            <a:pPr lvl="0"/>
+            <a:r>
+              <a:rPr lang="ru-RU"/>
+              <a:t>Образец текста</a:t>
+            </a:r>
+          </a:p>
+        </p:txBody>
+      </p:sp>
+      <p:sp>
+        <p:nvSpPr>
+          <p:cNvPr id="4" name="Date Placeholder 3"/>
+          <p:cNvSpPr>
+            <a:spLocks noGrp="1"/>
+          </p:cNvSpPr>
+          <p:nvPr>
+            <p:ph type="dt" sz="half" idx="10"/>
+          </p:nvPr>
+        </p:nvSpPr>
+        <p:spPr/>
+        <p:txBody>
+          <a:bodyPr/>
+          <a:lstStyle/>
+          <a:p>
+            <a:fld id="{F886A9BA-2745-4C55-825F-C5836507A704}" type="datetimeFigureOut">
+              <a:rPr lang="ru-RU" smtClean="0"/>
+              <a:t>15.11.2021</a:t>
+            </a:fld>
+            <a:endParaRPr lang="ru-RU" dirty="0"/>
+          </a:p>
+        </p:txBody>
+      </p:sp>
+      <p:sp>
+        <p:nvSpPr>
+          <p:cNvPr id="5" name="Footer Placeholder 4"/>
+          <p:cNvSpPr>
+            <a:spLocks noGrp="1"/>
+          </p:cNvSpPr>
+          <p:nvPr>
+            <p:ph type="ftr" sz="quarter" idx="11"/>
+          </p:nvPr>
+        </p:nvSpPr>
+        <p:spPr/>
+        <p:txBody>
+          <a:bodyPr/>
+          <a:lstStyle/>
+          <a:p>
+            <a:endParaRPr lang="ru-RU" dirty="0"/>
+          </a:p>
+        </p:txBody>
+      </p:sp>
+      <p:sp>
+        <p:nvSpPr>
+          <p:cNvPr id="6" name="Slide Number Placeholder 5"/>
+          <p:cNvSpPr>
+            <a:spLocks noGrp="1"/>
+          </p:cNvSpPr>
+          <p:nvPr>
+            <p:ph type="sldNum" sz="quarter" idx="12"/>
+          </p:nvPr>
+        </p:nvSpPr>
+        <p:spPr/>
+        <p:txBody>
+          <a:bodyPr/>
+          <a:lstStyle/>
+          <a:p>
+            <a:fld id="{1398CDC5-7493-46DD-933D-DE732978C7F7}" type="slidenum">
+              <a:rPr lang="ru-RU" smtClean="0"/>
+              <a:t>‹#›</a:t>
+            </a:fld>
+            <a:endParaRPr lang="ru-RU" dirty="0"/>
+          </a:p>
+        </p:txBody>
+      </p:sp>
+      <p:sp>
+        <p:nvSpPr>
+          <p:cNvPr id="24" name="TextBox 23"/>
+          <p:cNvSpPr txBox="1"/>
+          <p:nvPr/>
+        </p:nvSpPr>
+        <p:spPr>
+          <a:xfrm>
+            <a:off x="541870" y="790378"/>
+            <a:ext cx="609600" cy="584776"/>
+          </a:xfrm>
+          <a:prstGeom prst="rect">
+            <a:avLst/>
+          </a:prstGeom>
+        </p:spPr>
+        <p:txBody>
+          <a:bodyPr vert="horz" lIns="91440" tIns="45720" rIns="91440" bIns="45720" rtlCol="0" anchor="ctr">
+            <a:noAutofit/>
+          </a:bodyPr>
+          <a:lstStyle/>
+          <a:p>
+            <a:pPr lvl="0"/>
+            <a:r>
+              <a:rPr lang="en-US" sz="8000" baseline="0" dirty="0">
+                <a:ln w="3175" cmpd="sng">
+                  <a:noFill/>
+                </a:ln>
+                <a:solidFill>
+                  <a:schemeClr val="accent1">
+                    <a:lumMod val="60000"/>
+                    <a:lumOff val="40000"/>
+                  </a:schemeClr>
+                </a:solidFill>
+                <a:effectLst/>
+                <a:latin typeface="Arial"/>
+              </a:rPr>
+              <a:t>“</a:t>
+            </a:r>
+          </a:p>
+        </p:txBody>
+      </p:sp>
+      <p:sp>
+        <p:nvSpPr>
+          <p:cNvPr id="25" name="TextBox 24"/>
+          <p:cNvSpPr txBox="1"/>
+          <p:nvPr/>
+        </p:nvSpPr>
+        <p:spPr>
+          <a:xfrm>
+            <a:off x="8893011" y="2886556"/>
+            <a:ext cx="609600" cy="584776"/>
+          </a:xfrm>
+          <a:prstGeom prst="rect">
+            <a:avLst/>
+          </a:prstGeom>
+        </p:spPr>
+        <p:txBody>
+          <a:bodyPr vert="horz" lIns="91440" tIns="45720" rIns="91440" bIns="45720" rtlCol="0" anchor="ctr">
+            <a:noAutofit/>
+          </a:bodyPr>
+          <a:lstStyle/>
+          <a:p>
+            <a:pPr lvl="0"/>
+            <a:r>
+              <a:rPr lang="en-US" sz="8000" baseline="0" dirty="0">
+                <a:ln w="3175" cmpd="sng">
+                  <a:noFill/>
+                </a:ln>
+                <a:solidFill>
+                  <a:schemeClr val="accent1">
+                    <a:lumMod val="60000"/>
+                    <a:lumOff val="40000"/>
+                  </a:schemeClr>
+                </a:solidFill>
+                <a:effectLst/>
+                <a:latin typeface="Arial"/>
+              </a:rPr>
+              <a:t>”</a:t>
+            </a:r>
+          </a:p>
+        </p:txBody>
+      </p:sp>
+    </p:spTree>
+    <p:extLst>
+      <p:ext uri="{BB962C8B-B14F-4D97-AF65-F5344CB8AC3E}">
+        <p14:creationId xmlns:p14="http://schemas.microsoft.com/office/powerpoint/2010/main" val="1122089490"/>
+      </p:ext>
+    </p:extLst>
+  </p:cSld>
+  <p:clrMapOvr>
+    <a:masterClrMapping/>
+  </p:clrMapOvr>
+</p:sldLayout>
+</file>
+
+<file path=ppt/slideLayouts/slideLayout14.xml><?xml version="1.0" encoding="utf-8"?>
+<p:sldLayout xmlns:a="http://schemas.openxmlformats.org/drawingml/2006/main" xmlns:r="http://schemas.openxmlformats.org/officeDocument/2006/relationships" xmlns:p="http://schemas.openxmlformats.org/presentationml/2006/main" preserve="1">
+  <p:cSld name="Истина или ложь">
+    <p:spTree>
+      <p:nvGrpSpPr>
+        <p:cNvPr id="1" name=""/>
+        <p:cNvGrpSpPr/>
+        <p:nvPr/>
+      </p:nvGrpSpPr>
+      <p:grpSpPr>
+        <a:xfrm>
+          <a:off x="0" y="0"/>
+          <a:ext cx="0" cy="0"/>
+          <a:chOff x="0" y="0"/>
+          <a:chExt cx="0" cy="0"/>
+        </a:xfrm>
+      </p:grpSpPr>
+      <p:sp>
+        <p:nvSpPr>
+          <p:cNvPr id="2" name="Title 1"/>
+          <p:cNvSpPr>
+            <a:spLocks noGrp="1"/>
+          </p:cNvSpPr>
+          <p:nvPr>
+            <p:ph type="title"/>
+          </p:nvPr>
+        </p:nvSpPr>
+        <p:spPr>
+          <a:xfrm>
+            <a:off x="685799" y="609600"/>
+            <a:ext cx="8588203" cy="3022600"/>
+          </a:xfrm>
+        </p:spPr>
+        <p:txBody>
+          <a:bodyPr anchor="ctr">
+            <a:normAutofit/>
+          </a:bodyPr>
+          <a:lstStyle>
+            <a:lvl1pPr algn="l">
+              <a:defRPr sz="4400" b="0" cap="none"/>
+            </a:lvl1pPr>
+          </a:lstStyle>
+          <a:p>
+            <a:r>
+              <a:rPr lang="ru-RU"/>
+              <a:t>Образец заголовка</a:t>
+            </a:r>
+            <a:endParaRPr lang="en-US" dirty="0"/>
+          </a:p>
+        </p:txBody>
+      </p:sp>
+      <p:sp>
+        <p:nvSpPr>
+          <p:cNvPr id="23" name="Text Placeholder 9"/>
+          <p:cNvSpPr>
+            <a:spLocks noGrp="1"/>
+          </p:cNvSpPr>
+          <p:nvPr>
+            <p:ph type="body" sz="quarter" idx="13"/>
+          </p:nvPr>
+        </p:nvSpPr>
+        <p:spPr>
+          <a:xfrm>
+            <a:off x="677332" y="4013200"/>
+            <a:ext cx="8596669" cy="514248"/>
+          </a:xfrm>
+        </p:spPr>
+        <p:txBody>
+          <a:bodyPr anchor="b">
+            <a:noAutofit/>
+          </a:bodyPr>
+          <a:lstStyle>
+            <a:lvl1pPr marL="0" indent="0">
+              <a:buFontTx/>
+              <a:buNone/>
+              <a:defRPr sz="2400">
+                <a:solidFill>
+                  <a:schemeClr val="accent1"/>
+                </a:solidFill>
+              </a:defRPr>
+            </a:lvl1pPr>
+            <a:lvl2pPr marL="457200" indent="0">
+              <a:buFontTx/>
+              <a:buNone/>
+              <a:defRPr/>
+            </a:lvl2pPr>
+            <a:lvl3pPr marL="914400" indent="0">
+              <a:buFontTx/>
+              <a:buNone/>
+              <a:defRPr/>
+            </a:lvl3pPr>
+            <a:lvl4pPr marL="1371600" indent="0">
+              <a:buFontTx/>
+              <a:buNone/>
+              <a:defRPr/>
+            </a:lvl4pPr>
+            <a:lvl5pPr marL="1828800" indent="0">
+              <a:buFontTx/>
+              <a:buNone/>
+              <a:defRPr/>
+            </a:lvl5pPr>
+          </a:lstStyle>
+          <a:p>
+            <a:pPr lvl="0"/>
+            <a:r>
+              <a:rPr lang="ru-RU"/>
+              <a:t>Образец текста</a:t>
+            </a:r>
+          </a:p>
+        </p:txBody>
+      </p:sp>
+      <p:sp>
+        <p:nvSpPr>
+          <p:cNvPr id="3" name="Text Placeholder 2"/>
+          <p:cNvSpPr>
+            <a:spLocks noGrp="1"/>
+          </p:cNvSpPr>
+          <p:nvPr>
+            <p:ph type="body" idx="1"/>
+          </p:nvPr>
+        </p:nvSpPr>
+        <p:spPr>
+          <a:xfrm>
+            <a:off x="677335" y="4527448"/>
+            <a:ext cx="8596668" cy="1513914"/>
+          </a:xfrm>
+        </p:spPr>
+        <p:txBody>
+          <a:bodyPr anchor="t">
+            <a:normAutofit/>
+          </a:bodyPr>
+          <a:lstStyle>
+            <a:lvl1pPr marL="0" indent="0" algn="l">
+              <a:buNone/>
+              <a:defRPr sz="1800">
+                <a:solidFill>
+                  <a:schemeClr val="tx1">
+                    <a:lumMod val="50000"/>
+                    <a:lumOff val="50000"/>
+                  </a:schemeClr>
+                </a:solidFill>
+              </a:defRPr>
+            </a:lvl1pPr>
+            <a:lvl2pPr marL="457200" indent="0">
+              <a:buNone/>
+              <a:defRPr sz="1800">
+                <a:solidFill>
+                  <a:schemeClr val="tx1">
+                    <a:tint val="75000"/>
+                  </a:schemeClr>
+                </a:solidFill>
+              </a:defRPr>
+            </a:lvl2pPr>
+            <a:lvl3pPr marL="914400" indent="0">
+              <a:buNone/>
+              <a:defRPr sz="1600">
+                <a:solidFill>
+                  <a:schemeClr val="tx1">
+                    <a:tint val="75000"/>
+                  </a:schemeClr>
+                </a:solidFill>
+              </a:defRPr>
+            </a:lvl3pPr>
+            <a:lvl4pPr marL="1371600" indent="0">
+              <a:buNone/>
+              <a:defRPr sz="1400">
+                <a:solidFill>
+                  <a:schemeClr val="tx1">
+                    <a:tint val="75000"/>
+                  </a:schemeClr>
+                </a:solidFill>
+              </a:defRPr>
+            </a:lvl4pPr>
+            <a:lvl5pPr marL="1828800" indent="0">
+              <a:buNone/>
+              <a:defRPr sz="1400">
+                <a:solidFill>
+                  <a:schemeClr val="tx1">
+                    <a:tint val="75000"/>
+                  </a:schemeClr>
+                </a:solidFill>
+              </a:defRPr>
+            </a:lvl5pPr>
+            <a:lvl6pPr marL="2286000" indent="0">
+              <a:buNone/>
+              <a:defRPr sz="1400">
+                <a:solidFill>
+                  <a:schemeClr val="tx1">
+                    <a:tint val="75000"/>
+                  </a:schemeClr>
+                </a:solidFill>
+              </a:defRPr>
+            </a:lvl6pPr>
+            <a:lvl7pPr marL="2743200" indent="0">
+              <a:buNone/>
+              <a:defRPr sz="1400">
+                <a:solidFill>
+                  <a:schemeClr val="tx1">
+                    <a:tint val="75000"/>
+                  </a:schemeClr>
+                </a:solidFill>
+              </a:defRPr>
+            </a:lvl7pPr>
+            <a:lvl8pPr marL="3200400" indent="0">
+              <a:buNone/>
+              <a:defRPr sz="1400">
+                <a:solidFill>
+                  <a:schemeClr val="tx1">
+                    <a:tint val="75000"/>
+                  </a:schemeClr>
+                </a:solidFill>
+              </a:defRPr>
+            </a:lvl8pPr>
+            <a:lvl9pPr marL="3657600" indent="0">
+              <a:buNone/>
+              <a:defRPr sz="1400">
+                <a:solidFill>
+                  <a:schemeClr val="tx1">
+                    <a:tint val="75000"/>
+                  </a:schemeClr>
+                </a:solidFill>
+              </a:defRPr>
+            </a:lvl9pPr>
+          </a:lstStyle>
+          <a:p>
+            <a:pPr lvl="0"/>
+            <a:r>
+              <a:rPr lang="ru-RU"/>
+              <a:t>Образец текста</a:t>
+            </a:r>
+          </a:p>
+        </p:txBody>
+      </p:sp>
+      <p:sp>
+        <p:nvSpPr>
+          <p:cNvPr id="4" name="Date Placeholder 3"/>
+          <p:cNvSpPr>
+            <a:spLocks noGrp="1"/>
+          </p:cNvSpPr>
+          <p:nvPr>
+            <p:ph type="dt" sz="half" idx="10"/>
+          </p:nvPr>
+        </p:nvSpPr>
+        <p:spPr/>
+        <p:txBody>
+          <a:bodyPr/>
+          <a:lstStyle/>
+          <a:p>
+            <a:fld id="{F886A9BA-2745-4C55-825F-C5836507A704}" type="datetimeFigureOut">
+              <a:rPr lang="ru-RU" smtClean="0"/>
+              <a:t>15.11.2021</a:t>
+            </a:fld>
+            <a:endParaRPr lang="ru-RU" dirty="0"/>
+          </a:p>
+        </p:txBody>
+      </p:sp>
+      <p:sp>
+        <p:nvSpPr>
+          <p:cNvPr id="5" name="Footer Placeholder 4"/>
+          <p:cNvSpPr>
+            <a:spLocks noGrp="1"/>
+          </p:cNvSpPr>
+          <p:nvPr>
+            <p:ph type="ftr" sz="quarter" idx="11"/>
+          </p:nvPr>
+        </p:nvSpPr>
+        <p:spPr/>
+        <p:txBody>
+          <a:bodyPr/>
+          <a:lstStyle/>
+          <a:p>
+            <a:endParaRPr lang="ru-RU" dirty="0"/>
+          </a:p>
+        </p:txBody>
+      </p:sp>
+      <p:sp>
+        <p:nvSpPr>
+          <p:cNvPr id="6" name="Slide Number Placeholder 5"/>
+          <p:cNvSpPr>
+            <a:spLocks noGrp="1"/>
+          </p:cNvSpPr>
+          <p:nvPr>
+            <p:ph type="sldNum" sz="quarter" idx="12"/>
+          </p:nvPr>
+        </p:nvSpPr>
+        <p:spPr/>
+        <p:txBody>
+          <a:bodyPr/>
+          <a:lstStyle/>
+          <a:p>
+            <a:fld id="{1398CDC5-7493-46DD-933D-DE732978C7F7}" type="slidenum">
+              <a:rPr lang="ru-RU" smtClean="0"/>
+              <a:t>‹#›</a:t>
+            </a:fld>
+            <a:endParaRPr lang="ru-RU" dirty="0"/>
+          </a:p>
+        </p:txBody>
+      </p:sp>
+    </p:spTree>
+    <p:extLst>
+      <p:ext uri="{BB962C8B-B14F-4D97-AF65-F5344CB8AC3E}">
+        <p14:creationId xmlns:p14="http://schemas.microsoft.com/office/powerpoint/2010/main" val="3687115160"/>
+      </p:ext>
+    </p:extLst>
+  </p:cSld>
+  <p:clrMapOvr>
+    <a:masterClrMapping/>
+  </p:clrMapOvr>
+</p:sldLayout>
+</file>
+
+<file path=ppt/slideLayouts/slideLayout15.xml><?xml version="1.0" encoding="utf-8"?>
 <p:sldLayout xmlns:a="http://schemas.openxmlformats.org/drawingml/2006/main" xmlns:r="http://schemas.openxmlformats.org/officeDocument/2006/relationships" xmlns:p="http://schemas.openxmlformats.org/presentationml/2006/main" type="vertTx" preserve="1">
   <p:cSld name="Заголовок и вертикальный текст">
     <p:spTree>
@@ -346,13 +2531,7 @@
       </p:grpSpPr>
       <p:sp>
         <p:nvSpPr>
-          <p:cNvPr id="2" name="Заголовок 1">
-            <a:extLst>
-              <a:ext uri="{FF2B5EF4-FFF2-40B4-BE49-F238E27FC236}">
-                <a16:creationId xmlns:a16="http://schemas.microsoft.com/office/drawing/2014/main" id="{6B920F98-8C39-4581-9261-91590A4D5DD0}"/>
-              </a:ext>
-            </a:extLst>
-          </p:cNvPr>
+          <p:cNvPr id="2" name="Title 1"/>
           <p:cNvSpPr>
             <a:spLocks noGrp="1"/>
           </p:cNvSpPr>
@@ -369,18 +2548,13 @@
               <a:rPr lang="ru-RU"/>
               <a:t>Образец заголовка</a:t>
             </a:r>
-          </a:p>
-        </p:txBody>
-      </p:sp>
-      <p:sp>
-        <p:nvSpPr>
-          <p:cNvPr id="3" name="Вертикальный текст 2">
-            <a:extLst>
-              <a:ext uri="{FF2B5EF4-FFF2-40B4-BE49-F238E27FC236}">
-                <a16:creationId xmlns:a16="http://schemas.microsoft.com/office/drawing/2014/main" id="{1CF3535B-8168-4F83-A42F-BF936D0C96E1}"/>
-              </a:ext>
-            </a:extLst>
-          </p:cNvPr>
+            <a:endParaRPr lang="en-US" dirty="0"/>
+          </a:p>
+        </p:txBody>
+      </p:sp>
+      <p:sp>
+        <p:nvSpPr>
+          <p:cNvPr id="3" name="Vertical Text Placeholder 2"/>
           <p:cNvSpPr>
             <a:spLocks noGrp="1"/>
           </p:cNvSpPr>
@@ -426,18 +2600,13 @@
               <a:rPr lang="ru-RU"/>
               <a:t>Пятый уровень</a:t>
             </a:r>
-          </a:p>
-        </p:txBody>
-      </p:sp>
-      <p:sp>
-        <p:nvSpPr>
-          <p:cNvPr id="4" name="Дата 3">
-            <a:extLst>
-              <a:ext uri="{FF2B5EF4-FFF2-40B4-BE49-F238E27FC236}">
-                <a16:creationId xmlns:a16="http://schemas.microsoft.com/office/drawing/2014/main" id="{4C639600-B1AE-4DDF-AC1A-30734401936E}"/>
-              </a:ext>
-            </a:extLst>
-          </p:cNvPr>
+            <a:endParaRPr lang="en-US" dirty="0"/>
+          </a:p>
+        </p:txBody>
+      </p:sp>
+      <p:sp>
+        <p:nvSpPr>
+          <p:cNvPr id="4" name="Date Placeholder 3"/>
           <p:cNvSpPr>
             <a:spLocks noGrp="1"/>
           </p:cNvSpPr>
@@ -452,21 +2621,15 @@
           <a:p>
             <a:fld id="{F886A9BA-2745-4C55-825F-C5836507A704}" type="datetimeFigureOut">
               <a:rPr lang="ru-RU" smtClean="0"/>
-              <a:t>08.11.2021</a:t>
+              <a:t>15.11.2021</a:t>
             </a:fld>
-            <a:endParaRPr lang="ru-RU"/>
-          </a:p>
-        </p:txBody>
-      </p:sp>
-      <p:sp>
-        <p:nvSpPr>
-          <p:cNvPr id="5" name="Нижний колонтитул 4">
-            <a:extLst>
-              <a:ext uri="{FF2B5EF4-FFF2-40B4-BE49-F238E27FC236}">
-                <a16:creationId xmlns:a16="http://schemas.microsoft.com/office/drawing/2014/main" id="{3D900D22-2AB2-42BF-9F8D-F1A770B1F288}"/>
-              </a:ext>
-            </a:extLst>
-          </p:cNvPr>
+            <a:endParaRPr lang="ru-RU" dirty="0"/>
+          </a:p>
+        </p:txBody>
+      </p:sp>
+      <p:sp>
+        <p:nvSpPr>
+          <p:cNvPr id="5" name="Footer Placeholder 4"/>
           <p:cNvSpPr>
             <a:spLocks noGrp="1"/>
           </p:cNvSpPr>
@@ -479,19 +2642,13 @@
           <a:bodyPr/>
           <a:lstStyle/>
           <a:p>
-            <a:endParaRPr lang="ru-RU"/>
-          </a:p>
-        </p:txBody>
-      </p:sp>
-      <p:sp>
-        <p:nvSpPr>
-          <p:cNvPr id="6" name="Номер слайда 5">
-            <a:extLst>
-              <a:ext uri="{FF2B5EF4-FFF2-40B4-BE49-F238E27FC236}">
-                <a16:creationId xmlns:a16="http://schemas.microsoft.com/office/drawing/2014/main" id="{04EA50CC-50DD-4CEA-B97A-404AFD4F9E24}"/>
-              </a:ext>
-            </a:extLst>
-          </p:cNvPr>
+            <a:endParaRPr lang="ru-RU" dirty="0"/>
+          </a:p>
+        </p:txBody>
+      </p:sp>
+      <p:sp>
+        <p:nvSpPr>
+          <p:cNvPr id="6" name="Slide Number Placeholder 5"/>
           <p:cNvSpPr>
             <a:spLocks noGrp="1"/>
           </p:cNvSpPr>
@@ -508,14 +2665,14 @@
               <a:rPr lang="ru-RU" smtClean="0"/>
               <a:t>‹#›</a:t>
             </a:fld>
-            <a:endParaRPr lang="ru-RU"/>
+            <a:endParaRPr lang="ru-RU" dirty="0"/>
           </a:p>
         </p:txBody>
       </p:sp>
     </p:spTree>
     <p:extLst>
       <p:ext uri="{BB962C8B-B14F-4D97-AF65-F5344CB8AC3E}">
-        <p14:creationId xmlns:p14="http://schemas.microsoft.com/office/powerpoint/2010/main" val="3012608147"/>
+        <p14:creationId xmlns:p14="http://schemas.microsoft.com/office/powerpoint/2010/main" val="1031158860"/>
       </p:ext>
     </p:extLst>
   </p:cSld>
@@ -525,7 +2682,7 @@
 </p:sldLayout>
 </file>
 
-<file path=ppt/slideLayouts/slideLayout11.xml><?xml version="1.0" encoding="utf-8"?>
+<file path=ppt/slideLayouts/slideLayout16.xml><?xml version="1.0" encoding="utf-8"?>
 <p:sldLayout xmlns:a="http://schemas.openxmlformats.org/drawingml/2006/main" xmlns:r="http://schemas.openxmlformats.org/officeDocument/2006/relationships" xmlns:p="http://schemas.openxmlformats.org/presentationml/2006/main" type="vertTitleAndTx" preserve="1">
   <p:cSld name="Вертикальный заголовок и текст">
     <p:spTree>
@@ -544,13 +2701,7 @@
       </p:grpSpPr>
       <p:sp>
         <p:nvSpPr>
-          <p:cNvPr id="2" name="Вертикальный заголовок 1">
-            <a:extLst>
-              <a:ext uri="{FF2B5EF4-FFF2-40B4-BE49-F238E27FC236}">
-                <a16:creationId xmlns:a16="http://schemas.microsoft.com/office/drawing/2014/main" id="{51FFA647-10BB-4DD2-B82F-7EA313E5238C}"/>
-              </a:ext>
-            </a:extLst>
-          </p:cNvPr>
+          <p:cNvPr id="2" name="Vertical Title 1"/>
           <p:cNvSpPr>
             <a:spLocks noGrp="1"/>
           </p:cNvSpPr>
@@ -560,30 +2711,25 @@
         </p:nvSpPr>
         <p:spPr>
           <a:xfrm>
-            <a:off x="8724900" y="365125"/>
-            <a:ext cx="2628900" cy="5811838"/>
+            <a:off x="7967673" y="609599"/>
+            <a:ext cx="1304743" cy="5251451"/>
           </a:xfrm>
         </p:spPr>
         <p:txBody>
-          <a:bodyPr vert="eaVert"/>
+          <a:bodyPr vert="eaVert" anchor="ctr"/>
           <a:lstStyle/>
           <a:p>
             <a:r>
               <a:rPr lang="ru-RU"/>
               <a:t>Образец заголовка</a:t>
             </a:r>
-          </a:p>
-        </p:txBody>
-      </p:sp>
-      <p:sp>
-        <p:nvSpPr>
-          <p:cNvPr id="3" name="Вертикальный текст 2">
-            <a:extLst>
-              <a:ext uri="{FF2B5EF4-FFF2-40B4-BE49-F238E27FC236}">
-                <a16:creationId xmlns:a16="http://schemas.microsoft.com/office/drawing/2014/main" id="{620DEF1E-94E4-4FE0-A56E-8D619D3BCABE}"/>
-              </a:ext>
-            </a:extLst>
-          </p:cNvPr>
+            <a:endParaRPr lang="en-US" dirty="0"/>
+          </a:p>
+        </p:txBody>
+      </p:sp>
+      <p:sp>
+        <p:nvSpPr>
+          <p:cNvPr id="3" name="Vertical Text Placeholder 2"/>
           <p:cNvSpPr>
             <a:spLocks noGrp="1"/>
           </p:cNvSpPr>
@@ -593,8 +2739,8 @@
         </p:nvSpPr>
         <p:spPr>
           <a:xfrm>
-            <a:off x="838200" y="365125"/>
-            <a:ext cx="7734300" cy="5811838"/>
+            <a:off x="677335" y="609600"/>
+            <a:ext cx="7060150" cy="5251450"/>
           </a:xfrm>
         </p:spPr>
         <p:txBody>
@@ -634,18 +2780,13 @@
               <a:rPr lang="ru-RU"/>
               <a:t>Пятый уровень</a:t>
             </a:r>
-          </a:p>
-        </p:txBody>
-      </p:sp>
-      <p:sp>
-        <p:nvSpPr>
-          <p:cNvPr id="4" name="Дата 3">
-            <a:extLst>
-              <a:ext uri="{FF2B5EF4-FFF2-40B4-BE49-F238E27FC236}">
-                <a16:creationId xmlns:a16="http://schemas.microsoft.com/office/drawing/2014/main" id="{BFFD64B2-C514-4854-AB2C-A6F624D08CBD}"/>
-              </a:ext>
-            </a:extLst>
-          </p:cNvPr>
+            <a:endParaRPr lang="en-US" dirty="0"/>
+          </a:p>
+        </p:txBody>
+      </p:sp>
+      <p:sp>
+        <p:nvSpPr>
+          <p:cNvPr id="4" name="Date Placeholder 3"/>
           <p:cNvSpPr>
             <a:spLocks noGrp="1"/>
           </p:cNvSpPr>
@@ -660,21 +2801,15 @@
           <a:p>
             <a:fld id="{F886A9BA-2745-4C55-825F-C5836507A704}" type="datetimeFigureOut">
               <a:rPr lang="ru-RU" smtClean="0"/>
-              <a:t>08.11.2021</a:t>
+              <a:t>15.11.2021</a:t>
             </a:fld>
-            <a:endParaRPr lang="ru-RU"/>
-          </a:p>
-        </p:txBody>
-      </p:sp>
-      <p:sp>
-        <p:nvSpPr>
-          <p:cNvPr id="5" name="Нижний колонтитул 4">
-            <a:extLst>
-              <a:ext uri="{FF2B5EF4-FFF2-40B4-BE49-F238E27FC236}">
-                <a16:creationId xmlns:a16="http://schemas.microsoft.com/office/drawing/2014/main" id="{3B28716E-4978-43B5-A65E-E217EE40BB48}"/>
-              </a:ext>
-            </a:extLst>
-          </p:cNvPr>
+            <a:endParaRPr lang="ru-RU" dirty="0"/>
+          </a:p>
+        </p:txBody>
+      </p:sp>
+      <p:sp>
+        <p:nvSpPr>
+          <p:cNvPr id="5" name="Footer Placeholder 4"/>
           <p:cNvSpPr>
             <a:spLocks noGrp="1"/>
           </p:cNvSpPr>
@@ -687,19 +2822,13 @@
           <a:bodyPr/>
           <a:lstStyle/>
           <a:p>
-            <a:endParaRPr lang="ru-RU"/>
-          </a:p>
-        </p:txBody>
-      </p:sp>
-      <p:sp>
-        <p:nvSpPr>
-          <p:cNvPr id="6" name="Номер слайда 5">
-            <a:extLst>
-              <a:ext uri="{FF2B5EF4-FFF2-40B4-BE49-F238E27FC236}">
-                <a16:creationId xmlns:a16="http://schemas.microsoft.com/office/drawing/2014/main" id="{C1A32ACE-23DB-40D5-88DA-F28AE8371B37}"/>
-              </a:ext>
-            </a:extLst>
-          </p:cNvPr>
+            <a:endParaRPr lang="ru-RU" dirty="0"/>
+          </a:p>
+        </p:txBody>
+      </p:sp>
+      <p:sp>
+        <p:nvSpPr>
+          <p:cNvPr id="6" name="Slide Number Placeholder 5"/>
           <p:cNvSpPr>
             <a:spLocks noGrp="1"/>
           </p:cNvSpPr>
@@ -716,14 +2845,14 @@
               <a:rPr lang="ru-RU" smtClean="0"/>
               <a:t>‹#›</a:t>
             </a:fld>
-            <a:endParaRPr lang="ru-RU"/>
+            <a:endParaRPr lang="ru-RU" dirty="0"/>
           </a:p>
         </p:txBody>
       </p:sp>
     </p:spTree>
     <p:extLst>
       <p:ext uri="{BB962C8B-B14F-4D97-AF65-F5344CB8AC3E}">
-        <p14:creationId xmlns:p14="http://schemas.microsoft.com/office/powerpoint/2010/main" val="4087396921"/>
+        <p14:creationId xmlns:p14="http://schemas.microsoft.com/office/powerpoint/2010/main" val="1594474508"/>
       </p:ext>
     </p:extLst>
   </p:cSld>
@@ -752,13 +2881,7 @@
       </p:grpSpPr>
       <p:sp>
         <p:nvSpPr>
-          <p:cNvPr id="2" name="Заголовок 1">
-            <a:extLst>
-              <a:ext uri="{FF2B5EF4-FFF2-40B4-BE49-F238E27FC236}">
-                <a16:creationId xmlns:a16="http://schemas.microsoft.com/office/drawing/2014/main" id="{92943884-B972-4941-B118-FE3F378BC2BF}"/>
-              </a:ext>
-            </a:extLst>
-          </p:cNvPr>
+          <p:cNvPr id="2" name="Title 1"/>
           <p:cNvSpPr>
             <a:spLocks noGrp="1"/>
           </p:cNvSpPr>
@@ -768,37 +2891,38 @@
         </p:nvSpPr>
         <p:spPr/>
         <p:txBody>
+          <a:bodyPr>
+            <a:normAutofit/>
+          </a:bodyPr>
+          <a:lstStyle>
+            <a:lvl1pPr>
+              <a:defRPr sz="3600"/>
+            </a:lvl1pPr>
+          </a:lstStyle>
+          <a:p>
+            <a:r>
+              <a:rPr lang="ru-RU"/>
+              <a:t>Образец заголовка</a:t>
+            </a:r>
+            <a:endParaRPr lang="en-US" dirty="0"/>
+          </a:p>
+        </p:txBody>
+      </p:sp>
+      <p:sp>
+        <p:nvSpPr>
+          <p:cNvPr id="3" name="Content Placeholder 2"/>
+          <p:cNvSpPr>
+            <a:spLocks noGrp="1"/>
+          </p:cNvSpPr>
+          <p:nvPr>
+            <p:ph idx="1"/>
+          </p:nvPr>
+        </p:nvSpPr>
+        <p:spPr/>
+        <p:txBody>
           <a:bodyPr/>
           <a:lstStyle/>
           <a:p>
-            <a:r>
-              <a:rPr lang="ru-RU"/>
-              <a:t>Образец заголовка</a:t>
-            </a:r>
-          </a:p>
-        </p:txBody>
-      </p:sp>
-      <p:sp>
-        <p:nvSpPr>
-          <p:cNvPr id="3" name="Объект 2">
-            <a:extLst>
-              <a:ext uri="{FF2B5EF4-FFF2-40B4-BE49-F238E27FC236}">
-                <a16:creationId xmlns:a16="http://schemas.microsoft.com/office/drawing/2014/main" id="{1D0D0453-2927-4649-AFC1-7B51DDA07220}"/>
-              </a:ext>
-            </a:extLst>
-          </p:cNvPr>
-          <p:cNvSpPr>
-            <a:spLocks noGrp="1"/>
-          </p:cNvSpPr>
-          <p:nvPr>
-            <p:ph idx="1"/>
-          </p:nvPr>
-        </p:nvSpPr>
-        <p:spPr/>
-        <p:txBody>
-          <a:bodyPr/>
-          <a:lstStyle/>
-          <a:p>
             <a:pPr lvl="0"/>
             <a:r>
               <a:rPr lang="ru-RU"/>
@@ -832,18 +2956,13 @@
               <a:rPr lang="ru-RU"/>
               <a:t>Пятый уровень</a:t>
             </a:r>
-          </a:p>
-        </p:txBody>
-      </p:sp>
-      <p:sp>
-        <p:nvSpPr>
-          <p:cNvPr id="4" name="Дата 3">
-            <a:extLst>
-              <a:ext uri="{FF2B5EF4-FFF2-40B4-BE49-F238E27FC236}">
-                <a16:creationId xmlns:a16="http://schemas.microsoft.com/office/drawing/2014/main" id="{AE38794F-8AC8-4F5B-9E05-B4057C6ABFA8}"/>
-              </a:ext>
-            </a:extLst>
-          </p:cNvPr>
+            <a:endParaRPr lang="en-US" dirty="0"/>
+          </a:p>
+        </p:txBody>
+      </p:sp>
+      <p:sp>
+        <p:nvSpPr>
+          <p:cNvPr id="4" name="Date Placeholder 3"/>
           <p:cNvSpPr>
             <a:spLocks noGrp="1"/>
           </p:cNvSpPr>
@@ -858,21 +2977,15 @@
           <a:p>
             <a:fld id="{F886A9BA-2745-4C55-825F-C5836507A704}" type="datetimeFigureOut">
               <a:rPr lang="ru-RU" smtClean="0"/>
-              <a:t>08.11.2021</a:t>
+              <a:t>15.11.2021</a:t>
             </a:fld>
-            <a:endParaRPr lang="ru-RU"/>
-          </a:p>
-        </p:txBody>
-      </p:sp>
-      <p:sp>
-        <p:nvSpPr>
-          <p:cNvPr id="5" name="Нижний колонтитул 4">
-            <a:extLst>
-              <a:ext uri="{FF2B5EF4-FFF2-40B4-BE49-F238E27FC236}">
-                <a16:creationId xmlns:a16="http://schemas.microsoft.com/office/drawing/2014/main" id="{361FF5B7-3CA0-4372-9FC3-C87CF9DF1E9C}"/>
-              </a:ext>
-            </a:extLst>
-          </p:cNvPr>
+            <a:endParaRPr lang="ru-RU" dirty="0"/>
+          </a:p>
+        </p:txBody>
+      </p:sp>
+      <p:sp>
+        <p:nvSpPr>
+          <p:cNvPr id="5" name="Footer Placeholder 4"/>
           <p:cNvSpPr>
             <a:spLocks noGrp="1"/>
           </p:cNvSpPr>
@@ -885,19 +2998,13 @@
           <a:bodyPr/>
           <a:lstStyle/>
           <a:p>
-            <a:endParaRPr lang="ru-RU"/>
-          </a:p>
-        </p:txBody>
-      </p:sp>
-      <p:sp>
-        <p:nvSpPr>
-          <p:cNvPr id="6" name="Номер слайда 5">
-            <a:extLst>
-              <a:ext uri="{FF2B5EF4-FFF2-40B4-BE49-F238E27FC236}">
-                <a16:creationId xmlns:a16="http://schemas.microsoft.com/office/drawing/2014/main" id="{D3167357-3B3A-48D4-9F59-925A2DD4976F}"/>
-              </a:ext>
-            </a:extLst>
-          </p:cNvPr>
+            <a:endParaRPr lang="ru-RU" dirty="0"/>
+          </a:p>
+        </p:txBody>
+      </p:sp>
+      <p:sp>
+        <p:nvSpPr>
+          <p:cNvPr id="6" name="Slide Number Placeholder 5"/>
           <p:cNvSpPr>
             <a:spLocks noGrp="1"/>
           </p:cNvSpPr>
@@ -914,14 +3021,14 @@
               <a:rPr lang="ru-RU" smtClean="0"/>
               <a:t>‹#›</a:t>
             </a:fld>
-            <a:endParaRPr lang="ru-RU"/>
+            <a:endParaRPr lang="ru-RU" dirty="0"/>
           </a:p>
         </p:txBody>
       </p:sp>
     </p:spTree>
     <p:extLst>
       <p:ext uri="{BB962C8B-B14F-4D97-AF65-F5344CB8AC3E}">
-        <p14:creationId xmlns:p14="http://schemas.microsoft.com/office/powerpoint/2010/main" val="7824726"/>
+        <p14:creationId xmlns:p14="http://schemas.microsoft.com/office/powerpoint/2010/main" val="32026841"/>
       </p:ext>
     </p:extLst>
   </p:cSld>
@@ -950,13 +3057,7 @@
       </p:grpSpPr>
       <p:sp>
         <p:nvSpPr>
-          <p:cNvPr id="2" name="Заголовок 1">
-            <a:extLst>
-              <a:ext uri="{FF2B5EF4-FFF2-40B4-BE49-F238E27FC236}">
-                <a16:creationId xmlns:a16="http://schemas.microsoft.com/office/drawing/2014/main" id="{FF3FD3F2-ED5E-45DA-9F4B-00F33A6A2B95}"/>
-              </a:ext>
-            </a:extLst>
-          </p:cNvPr>
+          <p:cNvPr id="2" name="Title 1"/>
           <p:cNvSpPr>
             <a:spLocks noGrp="1"/>
           </p:cNvSpPr>
@@ -966,15 +3067,15 @@
         </p:nvSpPr>
         <p:spPr>
           <a:xfrm>
-            <a:off x="831850" y="1709738"/>
-            <a:ext cx="10515600" cy="2852737"/>
+            <a:off x="677335" y="2700867"/>
+            <a:ext cx="8596668" cy="1826581"/>
           </a:xfrm>
         </p:spPr>
         <p:txBody>
           <a:bodyPr anchor="b"/>
           <a:lstStyle>
-            <a:lvl1pPr>
-              <a:defRPr sz="6000"/>
+            <a:lvl1pPr algn="l">
+              <a:defRPr sz="4000" b="0" cap="none"/>
             </a:lvl1pPr>
           </a:lstStyle>
           <a:p>
@@ -982,18 +3083,13 @@
               <a:rPr lang="ru-RU"/>
               <a:t>Образец заголовка</a:t>
             </a:r>
-          </a:p>
-        </p:txBody>
-      </p:sp>
-      <p:sp>
-        <p:nvSpPr>
-          <p:cNvPr id="3" name="Текст 2">
-            <a:extLst>
-              <a:ext uri="{FF2B5EF4-FFF2-40B4-BE49-F238E27FC236}">
-                <a16:creationId xmlns:a16="http://schemas.microsoft.com/office/drawing/2014/main" id="{1B3CDE1F-DBFA-4FE4-B7D2-E47A3EECE491}"/>
-              </a:ext>
-            </a:extLst>
-          </p:cNvPr>
+            <a:endParaRPr lang="en-US" dirty="0"/>
+          </a:p>
+        </p:txBody>
+      </p:sp>
+      <p:sp>
+        <p:nvSpPr>
+          <p:cNvPr id="3" name="Text Placeholder 2"/>
           <p:cNvSpPr>
             <a:spLocks noGrp="1"/>
           </p:cNvSpPr>
@@ -1003,26 +3099,27 @@
         </p:nvSpPr>
         <p:spPr>
           <a:xfrm>
-            <a:off x="831850" y="4589463"/>
-            <a:ext cx="10515600" cy="1500187"/>
+            <a:off x="677335" y="4527448"/>
+            <a:ext cx="8596668" cy="860400"/>
           </a:xfrm>
         </p:spPr>
         <p:txBody>
-          <a:bodyPr/>
+          <a:bodyPr anchor="t"/>
           <a:lstStyle>
-            <a:lvl1pPr marL="0" indent="0">
-              <a:buNone/>
-              <a:defRPr sz="2400">
-                <a:solidFill>
-                  <a:schemeClr val="tx1">
-                    <a:tint val="75000"/>
+            <a:lvl1pPr marL="0" indent="0" algn="l">
+              <a:buNone/>
+              <a:defRPr sz="2000">
+                <a:solidFill>
+                  <a:schemeClr val="tx1">
+                    <a:lumMod val="50000"/>
+                    <a:lumOff val="50000"/>
                   </a:schemeClr>
                 </a:solidFill>
               </a:defRPr>
             </a:lvl1pPr>
             <a:lvl2pPr marL="457200" indent="0">
               <a:buNone/>
-              <a:defRPr sz="2000">
+              <a:defRPr sz="1800">
                 <a:solidFill>
                   <a:schemeClr val="tx1">
                     <a:tint val="75000"/>
@@ -1032,7 +3129,7 @@
             </a:lvl2pPr>
             <a:lvl3pPr marL="914400" indent="0">
               <a:buNone/>
-              <a:defRPr sz="1800">
+              <a:defRPr sz="1600">
                 <a:solidFill>
                   <a:schemeClr val="tx1">
                     <a:tint val="75000"/>
@@ -1042,7 +3139,7 @@
             </a:lvl3pPr>
             <a:lvl4pPr marL="1371600" indent="0">
               <a:buNone/>
-              <a:defRPr sz="1600">
+              <a:defRPr sz="1400">
                 <a:solidFill>
                   <a:schemeClr val="tx1">
                     <a:tint val="75000"/>
@@ -1052,7 +3149,7 @@
             </a:lvl4pPr>
             <a:lvl5pPr marL="1828800" indent="0">
               <a:buNone/>
-              <a:defRPr sz="1600">
+              <a:defRPr sz="1400">
                 <a:solidFill>
                   <a:schemeClr val="tx1">
                     <a:tint val="75000"/>
@@ -1062,7 +3159,7 @@
             </a:lvl5pPr>
             <a:lvl6pPr marL="2286000" indent="0">
               <a:buNone/>
-              <a:defRPr sz="1600">
+              <a:defRPr sz="1400">
                 <a:solidFill>
                   <a:schemeClr val="tx1">
                     <a:tint val="75000"/>
@@ -1072,7 +3169,7 @@
             </a:lvl6pPr>
             <a:lvl7pPr marL="2743200" indent="0">
               <a:buNone/>
-              <a:defRPr sz="1600">
+              <a:defRPr sz="1400">
                 <a:solidFill>
                   <a:schemeClr val="tx1">
                     <a:tint val="75000"/>
@@ -1082,7 +3179,7 @@
             </a:lvl7pPr>
             <a:lvl8pPr marL="3200400" indent="0">
               <a:buNone/>
-              <a:defRPr sz="1600">
+              <a:defRPr sz="1400">
                 <a:solidFill>
                   <a:schemeClr val="tx1">
                     <a:tint val="75000"/>
@@ -1092,7 +3189,7 @@
             </a:lvl8pPr>
             <a:lvl9pPr marL="3657600" indent="0">
               <a:buNone/>
-              <a:defRPr sz="1600">
+              <a:defRPr sz="1400">
                 <a:solidFill>
                   <a:schemeClr val="tx1">
                     <a:tint val="75000"/>
@@ -1112,13 +3209,7 @@
       </p:sp>
       <p:sp>
         <p:nvSpPr>
-          <p:cNvPr id="4" name="Дата 3">
-            <a:extLst>
-              <a:ext uri="{FF2B5EF4-FFF2-40B4-BE49-F238E27FC236}">
-                <a16:creationId xmlns:a16="http://schemas.microsoft.com/office/drawing/2014/main" id="{2D56A92F-768D-4F57-850B-EE37D2F26C15}"/>
-              </a:ext>
-            </a:extLst>
-          </p:cNvPr>
+          <p:cNvPr id="4" name="Date Placeholder 3"/>
           <p:cNvSpPr>
             <a:spLocks noGrp="1"/>
           </p:cNvSpPr>
@@ -1133,21 +3224,15 @@
           <a:p>
             <a:fld id="{F886A9BA-2745-4C55-825F-C5836507A704}" type="datetimeFigureOut">
               <a:rPr lang="ru-RU" smtClean="0"/>
-              <a:t>08.11.2021</a:t>
+              <a:t>15.11.2021</a:t>
             </a:fld>
-            <a:endParaRPr lang="ru-RU"/>
-          </a:p>
-        </p:txBody>
-      </p:sp>
-      <p:sp>
-        <p:nvSpPr>
-          <p:cNvPr id="5" name="Нижний колонтитул 4">
-            <a:extLst>
-              <a:ext uri="{FF2B5EF4-FFF2-40B4-BE49-F238E27FC236}">
-                <a16:creationId xmlns:a16="http://schemas.microsoft.com/office/drawing/2014/main" id="{9F0B14A1-E3D4-4460-9340-807D34C4C794}"/>
-              </a:ext>
-            </a:extLst>
-          </p:cNvPr>
+            <a:endParaRPr lang="ru-RU" dirty="0"/>
+          </a:p>
+        </p:txBody>
+      </p:sp>
+      <p:sp>
+        <p:nvSpPr>
+          <p:cNvPr id="5" name="Footer Placeholder 4"/>
           <p:cNvSpPr>
             <a:spLocks noGrp="1"/>
           </p:cNvSpPr>
@@ -1160,19 +3245,13 @@
           <a:bodyPr/>
           <a:lstStyle/>
           <a:p>
-            <a:endParaRPr lang="ru-RU"/>
-          </a:p>
-        </p:txBody>
-      </p:sp>
-      <p:sp>
-        <p:nvSpPr>
-          <p:cNvPr id="6" name="Номер слайда 5">
-            <a:extLst>
-              <a:ext uri="{FF2B5EF4-FFF2-40B4-BE49-F238E27FC236}">
-                <a16:creationId xmlns:a16="http://schemas.microsoft.com/office/drawing/2014/main" id="{D339AE8C-1636-4249-BCA2-673D05024E67}"/>
-              </a:ext>
-            </a:extLst>
-          </p:cNvPr>
+            <a:endParaRPr lang="ru-RU" dirty="0"/>
+          </a:p>
+        </p:txBody>
+      </p:sp>
+      <p:sp>
+        <p:nvSpPr>
+          <p:cNvPr id="6" name="Slide Number Placeholder 5"/>
           <p:cNvSpPr>
             <a:spLocks noGrp="1"/>
           </p:cNvSpPr>
@@ -1189,14 +3268,14 @@
               <a:rPr lang="ru-RU" smtClean="0"/>
               <a:t>‹#›</a:t>
             </a:fld>
-            <a:endParaRPr lang="ru-RU"/>
+            <a:endParaRPr lang="ru-RU" dirty="0"/>
           </a:p>
         </p:txBody>
       </p:sp>
     </p:spTree>
     <p:extLst>
       <p:ext uri="{BB962C8B-B14F-4D97-AF65-F5344CB8AC3E}">
-        <p14:creationId xmlns:p14="http://schemas.microsoft.com/office/powerpoint/2010/main" val="882534025"/>
+        <p14:creationId xmlns:p14="http://schemas.microsoft.com/office/powerpoint/2010/main" val="670205842"/>
       </p:ext>
     </p:extLst>
   </p:cSld>
@@ -1225,13 +3304,7 @@
       </p:grpSpPr>
       <p:sp>
         <p:nvSpPr>
-          <p:cNvPr id="2" name="Заголовок 1">
-            <a:extLst>
-              <a:ext uri="{FF2B5EF4-FFF2-40B4-BE49-F238E27FC236}">
-                <a16:creationId xmlns:a16="http://schemas.microsoft.com/office/drawing/2014/main" id="{901FCBC1-A0ED-4BFF-ADD2-A109F3F6312B}"/>
-              </a:ext>
-            </a:extLst>
-          </p:cNvPr>
+          <p:cNvPr id="2" name="Title 1"/>
           <p:cNvSpPr>
             <a:spLocks noGrp="1"/>
           </p:cNvSpPr>
@@ -1248,18 +3321,13 @@
               <a:rPr lang="ru-RU"/>
               <a:t>Образец заголовка</a:t>
             </a:r>
-          </a:p>
-        </p:txBody>
-      </p:sp>
-      <p:sp>
-        <p:nvSpPr>
-          <p:cNvPr id="3" name="Объект 2">
-            <a:extLst>
-              <a:ext uri="{FF2B5EF4-FFF2-40B4-BE49-F238E27FC236}">
-                <a16:creationId xmlns:a16="http://schemas.microsoft.com/office/drawing/2014/main" id="{A4F577BF-12BF-4732-95AD-AF32142F401C}"/>
-              </a:ext>
-            </a:extLst>
-          </p:cNvPr>
+            <a:endParaRPr lang="en-US" dirty="0"/>
+          </a:p>
+        </p:txBody>
+      </p:sp>
+      <p:sp>
+        <p:nvSpPr>
+          <p:cNvPr id="3" name="Content Placeholder 2"/>
           <p:cNvSpPr>
             <a:spLocks noGrp="1"/>
           </p:cNvSpPr>
@@ -1269,8 +3337,8 @@
         </p:nvSpPr>
         <p:spPr>
           <a:xfrm>
-            <a:off x="838200" y="1825625"/>
-            <a:ext cx="5181600" cy="4351338"/>
+            <a:off x="677334" y="2160589"/>
+            <a:ext cx="4184035" cy="3880772"/>
           </a:xfrm>
         </p:spPr>
         <p:txBody>
@@ -1310,18 +3378,13 @@
               <a:rPr lang="ru-RU"/>
               <a:t>Пятый уровень</a:t>
             </a:r>
-          </a:p>
-        </p:txBody>
-      </p:sp>
-      <p:sp>
-        <p:nvSpPr>
-          <p:cNvPr id="4" name="Объект 3">
-            <a:extLst>
-              <a:ext uri="{FF2B5EF4-FFF2-40B4-BE49-F238E27FC236}">
-                <a16:creationId xmlns:a16="http://schemas.microsoft.com/office/drawing/2014/main" id="{10BE5882-08EB-4305-8DD8-F965531B1350}"/>
-              </a:ext>
-            </a:extLst>
-          </p:cNvPr>
+            <a:endParaRPr lang="en-US" dirty="0"/>
+          </a:p>
+        </p:txBody>
+      </p:sp>
+      <p:sp>
+        <p:nvSpPr>
+          <p:cNvPr id="4" name="Content Placeholder 3"/>
           <p:cNvSpPr>
             <a:spLocks noGrp="1"/>
           </p:cNvSpPr>
@@ -1331,8 +3394,8 @@
         </p:nvSpPr>
         <p:spPr>
           <a:xfrm>
-            <a:off x="6172200" y="1825625"/>
-            <a:ext cx="5181600" cy="4351338"/>
+            <a:off x="5089970" y="2160589"/>
+            <a:ext cx="4184034" cy="3880773"/>
           </a:xfrm>
         </p:spPr>
         <p:txBody>
@@ -1372,18 +3435,13 @@
               <a:rPr lang="ru-RU"/>
               <a:t>Пятый уровень</a:t>
             </a:r>
-          </a:p>
-        </p:txBody>
-      </p:sp>
-      <p:sp>
-        <p:nvSpPr>
-          <p:cNvPr id="5" name="Дата 4">
-            <a:extLst>
-              <a:ext uri="{FF2B5EF4-FFF2-40B4-BE49-F238E27FC236}">
-                <a16:creationId xmlns:a16="http://schemas.microsoft.com/office/drawing/2014/main" id="{2D5DB776-F5F9-481E-B3D5-02D87D848A50}"/>
-              </a:ext>
-            </a:extLst>
-          </p:cNvPr>
+            <a:endParaRPr lang="en-US" dirty="0"/>
+          </a:p>
+        </p:txBody>
+      </p:sp>
+      <p:sp>
+        <p:nvSpPr>
+          <p:cNvPr id="5" name="Date Placeholder 4"/>
           <p:cNvSpPr>
             <a:spLocks noGrp="1"/>
           </p:cNvSpPr>
@@ -1398,21 +3456,15 @@
           <a:p>
             <a:fld id="{F886A9BA-2745-4C55-825F-C5836507A704}" type="datetimeFigureOut">
               <a:rPr lang="ru-RU" smtClean="0"/>
-              <a:t>08.11.2021</a:t>
+              <a:t>15.11.2021</a:t>
             </a:fld>
-            <a:endParaRPr lang="ru-RU"/>
-          </a:p>
-        </p:txBody>
-      </p:sp>
-      <p:sp>
-        <p:nvSpPr>
-          <p:cNvPr id="6" name="Нижний колонтитул 5">
-            <a:extLst>
-              <a:ext uri="{FF2B5EF4-FFF2-40B4-BE49-F238E27FC236}">
-                <a16:creationId xmlns:a16="http://schemas.microsoft.com/office/drawing/2014/main" id="{A11AE4BF-D394-421B-A12A-E083A14C5A8C}"/>
-              </a:ext>
-            </a:extLst>
-          </p:cNvPr>
+            <a:endParaRPr lang="ru-RU" dirty="0"/>
+          </a:p>
+        </p:txBody>
+      </p:sp>
+      <p:sp>
+        <p:nvSpPr>
+          <p:cNvPr id="6" name="Footer Placeholder 5"/>
           <p:cNvSpPr>
             <a:spLocks noGrp="1"/>
           </p:cNvSpPr>
@@ -1425,19 +3477,13 @@
           <a:bodyPr/>
           <a:lstStyle/>
           <a:p>
-            <a:endParaRPr lang="ru-RU"/>
-          </a:p>
-        </p:txBody>
-      </p:sp>
-      <p:sp>
-        <p:nvSpPr>
-          <p:cNvPr id="7" name="Номер слайда 6">
-            <a:extLst>
-              <a:ext uri="{FF2B5EF4-FFF2-40B4-BE49-F238E27FC236}">
-                <a16:creationId xmlns:a16="http://schemas.microsoft.com/office/drawing/2014/main" id="{31141FC1-6F30-45E7-8009-1B4C8CB0B950}"/>
-              </a:ext>
-            </a:extLst>
-          </p:cNvPr>
+            <a:endParaRPr lang="ru-RU" dirty="0"/>
+          </a:p>
+        </p:txBody>
+      </p:sp>
+      <p:sp>
+        <p:nvSpPr>
+          <p:cNvPr id="7" name="Slide Number Placeholder 6"/>
           <p:cNvSpPr>
             <a:spLocks noGrp="1"/>
           </p:cNvSpPr>
@@ -1454,14 +3500,14 @@
               <a:rPr lang="ru-RU" smtClean="0"/>
               <a:t>‹#›</a:t>
             </a:fld>
-            <a:endParaRPr lang="ru-RU"/>
+            <a:endParaRPr lang="ru-RU" dirty="0"/>
           </a:p>
         </p:txBody>
       </p:sp>
     </p:spTree>
     <p:extLst>
       <p:ext uri="{BB962C8B-B14F-4D97-AF65-F5344CB8AC3E}">
-        <p14:creationId xmlns:p14="http://schemas.microsoft.com/office/powerpoint/2010/main" val="1296522605"/>
+        <p14:creationId xmlns:p14="http://schemas.microsoft.com/office/powerpoint/2010/main" val="1079739504"/>
       </p:ext>
     </p:extLst>
   </p:cSld>
@@ -1490,65 +3536,55 @@
       </p:grpSpPr>
       <p:sp>
         <p:nvSpPr>
-          <p:cNvPr id="2" name="Заголовок 1">
-            <a:extLst>
-              <a:ext uri="{FF2B5EF4-FFF2-40B4-BE49-F238E27FC236}">
-                <a16:creationId xmlns:a16="http://schemas.microsoft.com/office/drawing/2014/main" id="{8F565620-D09F-4782-9395-05C95E487EAE}"/>
-              </a:ext>
-            </a:extLst>
-          </p:cNvPr>
+          <p:cNvPr id="2" name="Title 1"/>
           <p:cNvSpPr>
             <a:spLocks noGrp="1"/>
           </p:cNvSpPr>
           <p:nvPr>
             <p:ph type="title"/>
+          </p:nvPr>
+        </p:nvSpPr>
+        <p:spPr/>
+        <p:txBody>
+          <a:bodyPr/>
+          <a:lstStyle>
+            <a:lvl1pPr>
+              <a:defRPr/>
+            </a:lvl1pPr>
+          </a:lstStyle>
+          <a:p>
+            <a:r>
+              <a:rPr lang="ru-RU"/>
+              <a:t>Образец заголовка</a:t>
+            </a:r>
+            <a:endParaRPr lang="en-US" dirty="0"/>
+          </a:p>
+        </p:txBody>
+      </p:sp>
+      <p:sp>
+        <p:nvSpPr>
+          <p:cNvPr id="3" name="Text Placeholder 2"/>
+          <p:cNvSpPr>
+            <a:spLocks noGrp="1"/>
+          </p:cNvSpPr>
+          <p:nvPr>
+            <p:ph type="body" idx="1"/>
           </p:nvPr>
         </p:nvSpPr>
         <p:spPr>
           <a:xfrm>
-            <a:off x="839788" y="365125"/>
-            <a:ext cx="10515600" cy="1325563"/>
+            <a:off x="675745" y="2160983"/>
+            <a:ext cx="4185623" cy="576262"/>
           </a:xfrm>
         </p:spPr>
         <p:txBody>
-          <a:bodyPr/>
-          <a:lstStyle/>
-          <a:p>
-            <a:r>
-              <a:rPr lang="ru-RU"/>
-              <a:t>Образец заголовка</a:t>
-            </a:r>
-          </a:p>
-        </p:txBody>
-      </p:sp>
-      <p:sp>
-        <p:nvSpPr>
-          <p:cNvPr id="3" name="Текст 2">
-            <a:extLst>
-              <a:ext uri="{FF2B5EF4-FFF2-40B4-BE49-F238E27FC236}">
-                <a16:creationId xmlns:a16="http://schemas.microsoft.com/office/drawing/2014/main" id="{7032B76E-8731-4B51-A0FA-3A2959AD7045}"/>
-              </a:ext>
-            </a:extLst>
-          </p:cNvPr>
-          <p:cNvSpPr>
-            <a:spLocks noGrp="1"/>
-          </p:cNvSpPr>
-          <p:nvPr>
-            <p:ph type="body" idx="1"/>
-          </p:nvPr>
-        </p:nvSpPr>
-        <p:spPr>
-          <a:xfrm>
-            <a:off x="839788" y="1681163"/>
-            <a:ext cx="5157787" cy="823912"/>
-          </a:xfrm>
-        </p:spPr>
-        <p:txBody>
-          <a:bodyPr anchor="b"/>
+          <a:bodyPr anchor="b">
+            <a:noAutofit/>
+          </a:bodyPr>
           <a:lstStyle>
             <a:lvl1pPr marL="0" indent="0">
               <a:buNone/>
-              <a:defRPr sz="2400" b="1"/>
+              <a:defRPr sz="2400" b="0"/>
             </a:lvl1pPr>
             <a:lvl2pPr marL="457200" indent="0">
               <a:buNone/>
@@ -1594,13 +3630,7 @@
       </p:sp>
       <p:sp>
         <p:nvSpPr>
-          <p:cNvPr id="4" name="Объект 3">
-            <a:extLst>
-              <a:ext uri="{FF2B5EF4-FFF2-40B4-BE49-F238E27FC236}">
-                <a16:creationId xmlns:a16="http://schemas.microsoft.com/office/drawing/2014/main" id="{55F777F7-7780-4BAC-9CFD-25CA937A6743}"/>
-              </a:ext>
-            </a:extLst>
-          </p:cNvPr>
+          <p:cNvPr id="4" name="Content Placeholder 3"/>
           <p:cNvSpPr>
             <a:spLocks noGrp="1"/>
           </p:cNvSpPr>
@@ -1610,12 +3640,14 @@
         </p:nvSpPr>
         <p:spPr>
           <a:xfrm>
-            <a:off x="839788" y="2505075"/>
-            <a:ext cx="5157787" cy="3684588"/>
+            <a:off x="675745" y="2737245"/>
+            <a:ext cx="4185623" cy="3304117"/>
           </a:xfrm>
         </p:spPr>
         <p:txBody>
-          <a:bodyPr/>
+          <a:bodyPr>
+            <a:normAutofit/>
+          </a:bodyPr>
           <a:lstStyle/>
           <a:p>
             <a:pPr lvl="0"/>
@@ -1651,18 +3683,13 @@
               <a:rPr lang="ru-RU"/>
               <a:t>Пятый уровень</a:t>
             </a:r>
-          </a:p>
-        </p:txBody>
-      </p:sp>
-      <p:sp>
-        <p:nvSpPr>
-          <p:cNvPr id="5" name="Текст 4">
-            <a:extLst>
-              <a:ext uri="{FF2B5EF4-FFF2-40B4-BE49-F238E27FC236}">
-                <a16:creationId xmlns:a16="http://schemas.microsoft.com/office/drawing/2014/main" id="{72092885-9FEE-42C0-BC2B-445D5DF41051}"/>
-              </a:ext>
-            </a:extLst>
-          </p:cNvPr>
+            <a:endParaRPr lang="en-US" dirty="0"/>
+          </a:p>
+        </p:txBody>
+      </p:sp>
+      <p:sp>
+        <p:nvSpPr>
+          <p:cNvPr id="5" name="Text Placeholder 4"/>
           <p:cNvSpPr>
             <a:spLocks noGrp="1"/>
           </p:cNvSpPr>
@@ -1672,16 +3699,18 @@
         </p:nvSpPr>
         <p:spPr>
           <a:xfrm>
-            <a:off x="6172200" y="1681163"/>
-            <a:ext cx="5183188" cy="823912"/>
+            <a:off x="5088383" y="2160983"/>
+            <a:ext cx="4185618" cy="576262"/>
           </a:xfrm>
         </p:spPr>
         <p:txBody>
-          <a:bodyPr anchor="b"/>
+          <a:bodyPr anchor="b">
+            <a:noAutofit/>
+          </a:bodyPr>
           <a:lstStyle>
             <a:lvl1pPr marL="0" indent="0">
               <a:buNone/>
-              <a:defRPr sz="2400" b="1"/>
+              <a:defRPr sz="2400" b="0"/>
             </a:lvl1pPr>
             <a:lvl2pPr marL="457200" indent="0">
               <a:buNone/>
@@ -1727,13 +3756,7 @@
       </p:sp>
       <p:sp>
         <p:nvSpPr>
-          <p:cNvPr id="6" name="Объект 5">
-            <a:extLst>
-              <a:ext uri="{FF2B5EF4-FFF2-40B4-BE49-F238E27FC236}">
-                <a16:creationId xmlns:a16="http://schemas.microsoft.com/office/drawing/2014/main" id="{DE7D2514-99F9-4B77-8482-C7D98E9EB6ED}"/>
-              </a:ext>
-            </a:extLst>
-          </p:cNvPr>
+          <p:cNvPr id="6" name="Content Placeholder 5"/>
           <p:cNvSpPr>
             <a:spLocks noGrp="1"/>
           </p:cNvSpPr>
@@ -1743,12 +3766,14 @@
         </p:nvSpPr>
         <p:spPr>
           <a:xfrm>
-            <a:off x="6172200" y="2505075"/>
-            <a:ext cx="5183188" cy="3684588"/>
+            <a:off x="5088384" y="2737245"/>
+            <a:ext cx="4185617" cy="3304117"/>
           </a:xfrm>
         </p:spPr>
         <p:txBody>
-          <a:bodyPr/>
+          <a:bodyPr>
+            <a:normAutofit/>
+          </a:bodyPr>
           <a:lstStyle/>
           <a:p>
             <a:pPr lvl="0"/>
@@ -1784,18 +3809,13 @@
               <a:rPr lang="ru-RU"/>
               <a:t>Пятый уровень</a:t>
             </a:r>
-          </a:p>
-        </p:txBody>
-      </p:sp>
-      <p:sp>
-        <p:nvSpPr>
-          <p:cNvPr id="7" name="Дата 6">
-            <a:extLst>
-              <a:ext uri="{FF2B5EF4-FFF2-40B4-BE49-F238E27FC236}">
-                <a16:creationId xmlns:a16="http://schemas.microsoft.com/office/drawing/2014/main" id="{2D699E40-3066-42BD-888E-86360EC1BB6A}"/>
-              </a:ext>
-            </a:extLst>
-          </p:cNvPr>
+            <a:endParaRPr lang="en-US" dirty="0"/>
+          </a:p>
+        </p:txBody>
+      </p:sp>
+      <p:sp>
+        <p:nvSpPr>
+          <p:cNvPr id="7" name="Date Placeholder 6"/>
           <p:cNvSpPr>
             <a:spLocks noGrp="1"/>
           </p:cNvSpPr>
@@ -1810,21 +3830,15 @@
           <a:p>
             <a:fld id="{F886A9BA-2745-4C55-825F-C5836507A704}" type="datetimeFigureOut">
               <a:rPr lang="ru-RU" smtClean="0"/>
-              <a:t>08.11.2021</a:t>
+              <a:t>15.11.2021</a:t>
             </a:fld>
-            <a:endParaRPr lang="ru-RU"/>
-          </a:p>
-        </p:txBody>
-      </p:sp>
-      <p:sp>
-        <p:nvSpPr>
-          <p:cNvPr id="8" name="Нижний колонтитул 7">
-            <a:extLst>
-              <a:ext uri="{FF2B5EF4-FFF2-40B4-BE49-F238E27FC236}">
-                <a16:creationId xmlns:a16="http://schemas.microsoft.com/office/drawing/2014/main" id="{79182C02-051F-4D1A-AABD-9C5D1BAE8728}"/>
-              </a:ext>
-            </a:extLst>
-          </p:cNvPr>
+            <a:endParaRPr lang="ru-RU" dirty="0"/>
+          </a:p>
+        </p:txBody>
+      </p:sp>
+      <p:sp>
+        <p:nvSpPr>
+          <p:cNvPr id="8" name="Footer Placeholder 7"/>
           <p:cNvSpPr>
             <a:spLocks noGrp="1"/>
           </p:cNvSpPr>
@@ -1837,19 +3851,13 @@
           <a:bodyPr/>
           <a:lstStyle/>
           <a:p>
-            <a:endParaRPr lang="ru-RU"/>
-          </a:p>
-        </p:txBody>
-      </p:sp>
-      <p:sp>
-        <p:nvSpPr>
-          <p:cNvPr id="9" name="Номер слайда 8">
-            <a:extLst>
-              <a:ext uri="{FF2B5EF4-FFF2-40B4-BE49-F238E27FC236}">
-                <a16:creationId xmlns:a16="http://schemas.microsoft.com/office/drawing/2014/main" id="{E9C220D2-ABD3-484D-8AFA-BB40F82B8F69}"/>
-              </a:ext>
-            </a:extLst>
-          </p:cNvPr>
+            <a:endParaRPr lang="ru-RU" dirty="0"/>
+          </a:p>
+        </p:txBody>
+      </p:sp>
+      <p:sp>
+        <p:nvSpPr>
+          <p:cNvPr id="9" name="Slide Number Placeholder 8"/>
           <p:cNvSpPr>
             <a:spLocks noGrp="1"/>
           </p:cNvSpPr>
@@ -1866,14 +3874,14 @@
               <a:rPr lang="ru-RU" smtClean="0"/>
               <a:t>‹#›</a:t>
             </a:fld>
-            <a:endParaRPr lang="ru-RU"/>
+            <a:endParaRPr lang="ru-RU" dirty="0"/>
           </a:p>
         </p:txBody>
       </p:sp>
     </p:spTree>
     <p:extLst>
       <p:ext uri="{BB962C8B-B14F-4D97-AF65-F5344CB8AC3E}">
-        <p14:creationId xmlns:p14="http://schemas.microsoft.com/office/powerpoint/2010/main" val="4080990857"/>
+        <p14:creationId xmlns:p14="http://schemas.microsoft.com/office/powerpoint/2010/main" val="333992388"/>
       </p:ext>
     </p:extLst>
   </p:cSld>
@@ -1902,13 +3910,7 @@
       </p:grpSpPr>
       <p:sp>
         <p:nvSpPr>
-          <p:cNvPr id="2" name="Заголовок 1">
-            <a:extLst>
-              <a:ext uri="{FF2B5EF4-FFF2-40B4-BE49-F238E27FC236}">
-                <a16:creationId xmlns:a16="http://schemas.microsoft.com/office/drawing/2014/main" id="{EF66D2AC-4A41-4874-ADB4-B77C0413A786}"/>
-              </a:ext>
-            </a:extLst>
-          </p:cNvPr>
+          <p:cNvPr id="2" name="Title 1"/>
           <p:cNvSpPr>
             <a:spLocks noGrp="1"/>
           </p:cNvSpPr>
@@ -1916,7 +3918,12 @@
             <p:ph type="title"/>
           </p:nvPr>
         </p:nvSpPr>
-        <p:spPr/>
+        <p:spPr>
+          <a:xfrm>
+            <a:off x="677334" y="609600"/>
+            <a:ext cx="8596668" cy="1320800"/>
+          </a:xfrm>
+        </p:spPr>
         <p:txBody>
           <a:bodyPr/>
           <a:lstStyle/>
@@ -1925,18 +3932,13 @@
               <a:rPr lang="ru-RU"/>
               <a:t>Образец заголовка</a:t>
             </a:r>
-          </a:p>
-        </p:txBody>
-      </p:sp>
-      <p:sp>
-        <p:nvSpPr>
-          <p:cNvPr id="3" name="Дата 2">
-            <a:extLst>
-              <a:ext uri="{FF2B5EF4-FFF2-40B4-BE49-F238E27FC236}">
-                <a16:creationId xmlns:a16="http://schemas.microsoft.com/office/drawing/2014/main" id="{D477E424-3C60-432D-A6A3-F4BE1C8C4332}"/>
-              </a:ext>
-            </a:extLst>
-          </p:cNvPr>
+            <a:endParaRPr lang="en-US" dirty="0"/>
+          </a:p>
+        </p:txBody>
+      </p:sp>
+      <p:sp>
+        <p:nvSpPr>
+          <p:cNvPr id="3" name="Date Placeholder 2"/>
           <p:cNvSpPr>
             <a:spLocks noGrp="1"/>
           </p:cNvSpPr>
@@ -1951,21 +3953,15 @@
           <a:p>
             <a:fld id="{F886A9BA-2745-4C55-825F-C5836507A704}" type="datetimeFigureOut">
               <a:rPr lang="ru-RU" smtClean="0"/>
-              <a:t>08.11.2021</a:t>
+              <a:t>15.11.2021</a:t>
             </a:fld>
-            <a:endParaRPr lang="ru-RU"/>
-          </a:p>
-        </p:txBody>
-      </p:sp>
-      <p:sp>
-        <p:nvSpPr>
-          <p:cNvPr id="4" name="Нижний колонтитул 3">
-            <a:extLst>
-              <a:ext uri="{FF2B5EF4-FFF2-40B4-BE49-F238E27FC236}">
-                <a16:creationId xmlns:a16="http://schemas.microsoft.com/office/drawing/2014/main" id="{263423F4-6F64-4327-BF58-02E4092D1E91}"/>
-              </a:ext>
-            </a:extLst>
-          </p:cNvPr>
+            <a:endParaRPr lang="ru-RU" dirty="0"/>
+          </a:p>
+        </p:txBody>
+      </p:sp>
+      <p:sp>
+        <p:nvSpPr>
+          <p:cNvPr id="4" name="Footer Placeholder 3"/>
           <p:cNvSpPr>
             <a:spLocks noGrp="1"/>
           </p:cNvSpPr>
@@ -1978,19 +3974,13 @@
           <a:bodyPr/>
           <a:lstStyle/>
           <a:p>
-            <a:endParaRPr lang="ru-RU"/>
-          </a:p>
-        </p:txBody>
-      </p:sp>
-      <p:sp>
-        <p:nvSpPr>
-          <p:cNvPr id="5" name="Номер слайда 4">
-            <a:extLst>
-              <a:ext uri="{FF2B5EF4-FFF2-40B4-BE49-F238E27FC236}">
-                <a16:creationId xmlns:a16="http://schemas.microsoft.com/office/drawing/2014/main" id="{DA0D2294-953C-4141-8DA8-3FE6DAB24981}"/>
-              </a:ext>
-            </a:extLst>
-          </p:cNvPr>
+            <a:endParaRPr lang="ru-RU" dirty="0"/>
+          </a:p>
+        </p:txBody>
+      </p:sp>
+      <p:sp>
+        <p:nvSpPr>
+          <p:cNvPr id="5" name="Slide Number Placeholder 4"/>
           <p:cNvSpPr>
             <a:spLocks noGrp="1"/>
           </p:cNvSpPr>
@@ -2007,14 +3997,14 @@
               <a:rPr lang="ru-RU" smtClean="0"/>
               <a:t>‹#›</a:t>
             </a:fld>
-            <a:endParaRPr lang="ru-RU"/>
+            <a:endParaRPr lang="ru-RU" dirty="0"/>
           </a:p>
         </p:txBody>
       </p:sp>
     </p:spTree>
     <p:extLst>
       <p:ext uri="{BB962C8B-B14F-4D97-AF65-F5344CB8AC3E}">
-        <p14:creationId xmlns:p14="http://schemas.microsoft.com/office/powerpoint/2010/main" val="4053686058"/>
+        <p14:creationId xmlns:p14="http://schemas.microsoft.com/office/powerpoint/2010/main" val="2605030679"/>
       </p:ext>
     </p:extLst>
   </p:cSld>
@@ -2043,13 +4033,7 @@
       </p:grpSpPr>
       <p:sp>
         <p:nvSpPr>
-          <p:cNvPr id="2" name="Дата 1">
-            <a:extLst>
-              <a:ext uri="{FF2B5EF4-FFF2-40B4-BE49-F238E27FC236}">
-                <a16:creationId xmlns:a16="http://schemas.microsoft.com/office/drawing/2014/main" id="{51923E29-B897-4DBB-AF8F-768918DB02BF}"/>
-              </a:ext>
-            </a:extLst>
-          </p:cNvPr>
+          <p:cNvPr id="2" name="Date Placeholder 1"/>
           <p:cNvSpPr>
             <a:spLocks noGrp="1"/>
           </p:cNvSpPr>
@@ -2064,21 +4048,15 @@
           <a:p>
             <a:fld id="{F886A9BA-2745-4C55-825F-C5836507A704}" type="datetimeFigureOut">
               <a:rPr lang="ru-RU" smtClean="0"/>
-              <a:t>08.11.2021</a:t>
+              <a:t>15.11.2021</a:t>
             </a:fld>
-            <a:endParaRPr lang="ru-RU"/>
-          </a:p>
-        </p:txBody>
-      </p:sp>
-      <p:sp>
-        <p:nvSpPr>
-          <p:cNvPr id="3" name="Нижний колонтитул 2">
-            <a:extLst>
-              <a:ext uri="{FF2B5EF4-FFF2-40B4-BE49-F238E27FC236}">
-                <a16:creationId xmlns:a16="http://schemas.microsoft.com/office/drawing/2014/main" id="{B41FDBC6-CB09-4764-9B21-065800A3021C}"/>
-              </a:ext>
-            </a:extLst>
-          </p:cNvPr>
+            <a:endParaRPr lang="ru-RU" dirty="0"/>
+          </a:p>
+        </p:txBody>
+      </p:sp>
+      <p:sp>
+        <p:nvSpPr>
+          <p:cNvPr id="3" name="Footer Placeholder 2"/>
           <p:cNvSpPr>
             <a:spLocks noGrp="1"/>
           </p:cNvSpPr>
@@ -2091,19 +4069,13 @@
           <a:bodyPr/>
           <a:lstStyle/>
           <a:p>
-            <a:endParaRPr lang="ru-RU"/>
-          </a:p>
-        </p:txBody>
-      </p:sp>
-      <p:sp>
-        <p:nvSpPr>
-          <p:cNvPr id="4" name="Номер слайда 3">
-            <a:extLst>
-              <a:ext uri="{FF2B5EF4-FFF2-40B4-BE49-F238E27FC236}">
-                <a16:creationId xmlns:a16="http://schemas.microsoft.com/office/drawing/2014/main" id="{13CAFBD2-62C6-44E3-B336-2304890305F6}"/>
-              </a:ext>
-            </a:extLst>
-          </p:cNvPr>
+            <a:endParaRPr lang="ru-RU" dirty="0"/>
+          </a:p>
+        </p:txBody>
+      </p:sp>
+      <p:sp>
+        <p:nvSpPr>
+          <p:cNvPr id="4" name="Slide Number Placeholder 3"/>
           <p:cNvSpPr>
             <a:spLocks noGrp="1"/>
           </p:cNvSpPr>
@@ -2120,14 +4092,14 @@
               <a:rPr lang="ru-RU" smtClean="0"/>
               <a:t>‹#›</a:t>
             </a:fld>
-            <a:endParaRPr lang="ru-RU"/>
+            <a:endParaRPr lang="ru-RU" dirty="0"/>
           </a:p>
         </p:txBody>
       </p:sp>
     </p:spTree>
     <p:extLst>
       <p:ext uri="{BB962C8B-B14F-4D97-AF65-F5344CB8AC3E}">
-        <p14:creationId xmlns:p14="http://schemas.microsoft.com/office/powerpoint/2010/main" val="4288567758"/>
+        <p14:creationId xmlns:p14="http://schemas.microsoft.com/office/powerpoint/2010/main" val="4010008728"/>
       </p:ext>
     </p:extLst>
   </p:cSld>
@@ -2156,13 +4128,7 @@
       </p:grpSpPr>
       <p:sp>
         <p:nvSpPr>
-          <p:cNvPr id="2" name="Заголовок 1">
-            <a:extLst>
-              <a:ext uri="{FF2B5EF4-FFF2-40B4-BE49-F238E27FC236}">
-                <a16:creationId xmlns:a16="http://schemas.microsoft.com/office/drawing/2014/main" id="{6E53792B-4035-4091-B9EA-764685F692C1}"/>
-              </a:ext>
-            </a:extLst>
-          </p:cNvPr>
+          <p:cNvPr id="2" name="Title 1"/>
           <p:cNvSpPr>
             <a:spLocks noGrp="1"/>
           </p:cNvSpPr>
@@ -2172,15 +4138,17 @@
         </p:nvSpPr>
         <p:spPr>
           <a:xfrm>
-            <a:off x="839788" y="457200"/>
-            <a:ext cx="3932237" cy="1600200"/>
+            <a:off x="677334" y="1498604"/>
+            <a:ext cx="3854528" cy="1278466"/>
           </a:xfrm>
         </p:spPr>
         <p:txBody>
-          <a:bodyPr anchor="b"/>
+          <a:bodyPr anchor="b">
+            <a:normAutofit/>
+          </a:bodyPr>
           <a:lstStyle>
             <a:lvl1pPr>
-              <a:defRPr sz="3200"/>
+              <a:defRPr sz="2000"/>
             </a:lvl1pPr>
           </a:lstStyle>
           <a:p>
@@ -2188,18 +4156,13 @@
               <a:rPr lang="ru-RU"/>
               <a:t>Образец заголовка</a:t>
             </a:r>
-          </a:p>
-        </p:txBody>
-      </p:sp>
-      <p:sp>
-        <p:nvSpPr>
-          <p:cNvPr id="3" name="Объект 2">
-            <a:extLst>
-              <a:ext uri="{FF2B5EF4-FFF2-40B4-BE49-F238E27FC236}">
-                <a16:creationId xmlns:a16="http://schemas.microsoft.com/office/drawing/2014/main" id="{8B6EF37B-6362-4BE6-BF87-8A8EF259BA8A}"/>
-              </a:ext>
-            </a:extLst>
-          </p:cNvPr>
+            <a:endParaRPr lang="en-US" dirty="0"/>
+          </a:p>
+        </p:txBody>
+      </p:sp>
+      <p:sp>
+        <p:nvSpPr>
+          <p:cNvPr id="3" name="Content Placeholder 2"/>
           <p:cNvSpPr>
             <a:spLocks noGrp="1"/>
           </p:cNvSpPr>
@@ -2209,41 +4172,15 @@
         </p:nvSpPr>
         <p:spPr>
           <a:xfrm>
-            <a:off x="5183188" y="987425"/>
-            <a:ext cx="6172200" cy="4873625"/>
+            <a:off x="4760461" y="514924"/>
+            <a:ext cx="4513541" cy="5526437"/>
           </a:xfrm>
         </p:spPr>
         <p:txBody>
-          <a:bodyPr/>
-          <a:lstStyle>
-            <a:lvl1pPr>
-              <a:defRPr sz="3200"/>
-            </a:lvl1pPr>
-            <a:lvl2pPr>
-              <a:defRPr sz="2800"/>
-            </a:lvl2pPr>
-            <a:lvl3pPr>
-              <a:defRPr sz="2400"/>
-            </a:lvl3pPr>
-            <a:lvl4pPr>
-              <a:defRPr sz="2000"/>
-            </a:lvl4pPr>
-            <a:lvl5pPr>
-              <a:defRPr sz="2000"/>
-            </a:lvl5pPr>
-            <a:lvl6pPr>
-              <a:defRPr sz="2000"/>
-            </a:lvl6pPr>
-            <a:lvl7pPr>
-              <a:defRPr sz="2000"/>
-            </a:lvl7pPr>
-            <a:lvl8pPr>
-              <a:defRPr sz="2000"/>
-            </a:lvl8pPr>
-            <a:lvl9pPr>
-              <a:defRPr sz="2000"/>
-            </a:lvl9pPr>
-          </a:lstStyle>
+          <a:bodyPr>
+            <a:normAutofit/>
+          </a:bodyPr>
+          <a:lstStyle/>
           <a:p>
             <a:pPr lvl="0"/>
             <a:r>
@@ -2278,18 +4215,13 @@
               <a:rPr lang="ru-RU"/>
               <a:t>Пятый уровень</a:t>
             </a:r>
-          </a:p>
-        </p:txBody>
-      </p:sp>
-      <p:sp>
-        <p:nvSpPr>
-          <p:cNvPr id="4" name="Текст 3">
-            <a:extLst>
-              <a:ext uri="{FF2B5EF4-FFF2-40B4-BE49-F238E27FC236}">
-                <a16:creationId xmlns:a16="http://schemas.microsoft.com/office/drawing/2014/main" id="{34F09DA7-54BB-452B-AAAB-C3D1F677DC21}"/>
-              </a:ext>
-            </a:extLst>
-          </p:cNvPr>
+            <a:endParaRPr lang="en-US" dirty="0"/>
+          </a:p>
+        </p:txBody>
+      </p:sp>
+      <p:sp>
+        <p:nvSpPr>
+          <p:cNvPr id="4" name="Text Placeholder 3"/>
           <p:cNvSpPr>
             <a:spLocks noGrp="1"/>
           </p:cNvSpPr>
@@ -2299,46 +4231,48 @@
         </p:nvSpPr>
         <p:spPr>
           <a:xfrm>
-            <a:off x="839788" y="2057400"/>
-            <a:ext cx="3932237" cy="3811588"/>
+            <a:off x="677334" y="2777069"/>
+            <a:ext cx="3854528" cy="2584449"/>
           </a:xfrm>
         </p:spPr>
         <p:txBody>
-          <a:bodyPr/>
+          <a:bodyPr>
+            <a:normAutofit/>
+          </a:bodyPr>
           <a:lstStyle>
             <a:lvl1pPr marL="0" indent="0">
               <a:buNone/>
-              <a:defRPr sz="1600"/>
+              <a:defRPr sz="1400"/>
             </a:lvl1pPr>
-            <a:lvl2pPr marL="457200" indent="0">
+            <a:lvl2pPr marL="457063" indent="0">
               <a:buNone/>
               <a:defRPr sz="1400"/>
             </a:lvl2pPr>
-            <a:lvl3pPr marL="914400" indent="0">
+            <a:lvl3pPr marL="914126" indent="0">
               <a:buNone/>
               <a:defRPr sz="1200"/>
             </a:lvl3pPr>
-            <a:lvl4pPr marL="1371600" indent="0">
+            <a:lvl4pPr marL="1371189" indent="0">
               <a:buNone/>
               <a:defRPr sz="1000"/>
             </a:lvl4pPr>
-            <a:lvl5pPr marL="1828800" indent="0">
+            <a:lvl5pPr marL="1828251" indent="0">
               <a:buNone/>
               <a:defRPr sz="1000"/>
             </a:lvl5pPr>
-            <a:lvl6pPr marL="2286000" indent="0">
+            <a:lvl6pPr marL="2285314" indent="0">
               <a:buNone/>
               <a:defRPr sz="1000"/>
             </a:lvl6pPr>
-            <a:lvl7pPr marL="2743200" indent="0">
+            <a:lvl7pPr marL="2742377" indent="0">
               <a:buNone/>
               <a:defRPr sz="1000"/>
             </a:lvl7pPr>
-            <a:lvl8pPr marL="3200400" indent="0">
+            <a:lvl8pPr marL="3199440" indent="0">
               <a:buNone/>
               <a:defRPr sz="1000"/>
             </a:lvl8pPr>
-            <a:lvl9pPr marL="3657600" indent="0">
+            <a:lvl9pPr marL="3656503" indent="0">
               <a:buNone/>
               <a:defRPr sz="1000"/>
             </a:lvl9pPr>
@@ -2354,13 +4288,7 @@
       </p:sp>
       <p:sp>
         <p:nvSpPr>
-          <p:cNvPr id="5" name="Дата 4">
-            <a:extLst>
-              <a:ext uri="{FF2B5EF4-FFF2-40B4-BE49-F238E27FC236}">
-                <a16:creationId xmlns:a16="http://schemas.microsoft.com/office/drawing/2014/main" id="{8C75404C-87AC-4566-BAC7-9EDC1DD679A9}"/>
-              </a:ext>
-            </a:extLst>
-          </p:cNvPr>
+          <p:cNvPr id="5" name="Date Placeholder 4"/>
           <p:cNvSpPr>
             <a:spLocks noGrp="1"/>
           </p:cNvSpPr>
@@ -2375,21 +4303,15 @@
           <a:p>
             <a:fld id="{F886A9BA-2745-4C55-825F-C5836507A704}" type="datetimeFigureOut">
               <a:rPr lang="ru-RU" smtClean="0"/>
-              <a:t>08.11.2021</a:t>
+              <a:t>15.11.2021</a:t>
             </a:fld>
-            <a:endParaRPr lang="ru-RU"/>
-          </a:p>
-        </p:txBody>
-      </p:sp>
-      <p:sp>
-        <p:nvSpPr>
-          <p:cNvPr id="6" name="Нижний колонтитул 5">
-            <a:extLst>
-              <a:ext uri="{FF2B5EF4-FFF2-40B4-BE49-F238E27FC236}">
-                <a16:creationId xmlns:a16="http://schemas.microsoft.com/office/drawing/2014/main" id="{345D5B43-0A05-442A-B3CF-F402AFFD7B91}"/>
-              </a:ext>
-            </a:extLst>
-          </p:cNvPr>
+            <a:endParaRPr lang="ru-RU" dirty="0"/>
+          </a:p>
+        </p:txBody>
+      </p:sp>
+      <p:sp>
+        <p:nvSpPr>
+          <p:cNvPr id="6" name="Footer Placeholder 5"/>
           <p:cNvSpPr>
             <a:spLocks noGrp="1"/>
           </p:cNvSpPr>
@@ -2402,19 +4324,13 @@
           <a:bodyPr/>
           <a:lstStyle/>
           <a:p>
-            <a:endParaRPr lang="ru-RU"/>
-          </a:p>
-        </p:txBody>
-      </p:sp>
-      <p:sp>
-        <p:nvSpPr>
-          <p:cNvPr id="7" name="Номер слайда 6">
-            <a:extLst>
-              <a:ext uri="{FF2B5EF4-FFF2-40B4-BE49-F238E27FC236}">
-                <a16:creationId xmlns:a16="http://schemas.microsoft.com/office/drawing/2014/main" id="{4BD0EB9A-DC05-4AD5-AF61-5FD3769A2601}"/>
-              </a:ext>
-            </a:extLst>
-          </p:cNvPr>
+            <a:endParaRPr lang="ru-RU" dirty="0"/>
+          </a:p>
+        </p:txBody>
+      </p:sp>
+      <p:sp>
+        <p:nvSpPr>
+          <p:cNvPr id="7" name="Slide Number Placeholder 6"/>
           <p:cNvSpPr>
             <a:spLocks noGrp="1"/>
           </p:cNvSpPr>
@@ -2431,14 +4347,14 @@
               <a:rPr lang="ru-RU" smtClean="0"/>
               <a:t>‹#›</a:t>
             </a:fld>
-            <a:endParaRPr lang="ru-RU"/>
+            <a:endParaRPr lang="ru-RU" dirty="0"/>
           </a:p>
         </p:txBody>
       </p:sp>
     </p:spTree>
     <p:extLst>
       <p:ext uri="{BB962C8B-B14F-4D97-AF65-F5344CB8AC3E}">
-        <p14:creationId xmlns:p14="http://schemas.microsoft.com/office/powerpoint/2010/main" val="1881563315"/>
+        <p14:creationId xmlns:p14="http://schemas.microsoft.com/office/powerpoint/2010/main" val="1660235896"/>
       </p:ext>
     </p:extLst>
   </p:cSld>
@@ -2467,13 +4383,7 @@
       </p:grpSpPr>
       <p:sp>
         <p:nvSpPr>
-          <p:cNvPr id="2" name="Заголовок 1">
-            <a:extLst>
-              <a:ext uri="{FF2B5EF4-FFF2-40B4-BE49-F238E27FC236}">
-                <a16:creationId xmlns:a16="http://schemas.microsoft.com/office/drawing/2014/main" id="{27919ADB-070A-4D9E-9826-D5E0346A3FC9}"/>
-              </a:ext>
-            </a:extLst>
-          </p:cNvPr>
+          <p:cNvPr id="2" name="Title 1"/>
           <p:cNvSpPr>
             <a:spLocks noGrp="1"/>
           </p:cNvSpPr>
@@ -2483,15 +4393,17 @@
         </p:nvSpPr>
         <p:spPr>
           <a:xfrm>
-            <a:off x="839788" y="457200"/>
-            <a:ext cx="3932237" cy="1600200"/>
+            <a:off x="677334" y="4800600"/>
+            <a:ext cx="8596667" cy="566738"/>
           </a:xfrm>
         </p:spPr>
         <p:txBody>
-          <a:bodyPr anchor="b"/>
+          <a:bodyPr anchor="b">
+            <a:normAutofit/>
+          </a:bodyPr>
           <a:lstStyle>
-            <a:lvl1pPr>
-              <a:defRPr sz="3200"/>
+            <a:lvl1pPr algn="l">
+              <a:defRPr sz="2400" b="0"/>
             </a:lvl1pPr>
           </a:lstStyle>
           <a:p>
@@ -2499,20 +4411,15 @@
               <a:rPr lang="ru-RU"/>
               <a:t>Образец заголовка</a:t>
             </a:r>
-          </a:p>
-        </p:txBody>
-      </p:sp>
-      <p:sp>
-        <p:nvSpPr>
-          <p:cNvPr id="3" name="Рисунок 2">
-            <a:extLst>
-              <a:ext uri="{FF2B5EF4-FFF2-40B4-BE49-F238E27FC236}">
-                <a16:creationId xmlns:a16="http://schemas.microsoft.com/office/drawing/2014/main" id="{AEF6E3CB-2CE2-4D4D-A13B-A5D2620050A7}"/>
-              </a:ext>
-            </a:extLst>
-          </p:cNvPr>
-          <p:cNvSpPr>
-            <a:spLocks noGrp="1"/>
+            <a:endParaRPr lang="en-US" dirty="0"/>
+          </a:p>
+        </p:txBody>
+      </p:sp>
+      <p:sp>
+        <p:nvSpPr>
+          <p:cNvPr id="3" name="Picture Placeholder 2"/>
+          <p:cNvSpPr>
+            <a:spLocks noGrp="1" noChangeAspect="1"/>
           </p:cNvSpPr>
           <p:nvPr>
             <p:ph type="pic" idx="1"/>
@@ -2520,118 +4427,120 @@
         </p:nvSpPr>
         <p:spPr>
           <a:xfrm>
-            <a:off x="5183188" y="987425"/>
-            <a:ext cx="6172200" cy="4873625"/>
+            <a:off x="677334" y="609600"/>
+            <a:ext cx="8596668" cy="3845718"/>
           </a:xfrm>
         </p:spPr>
         <p:txBody>
-          <a:bodyPr/>
+          <a:bodyPr anchor="t">
+            <a:normAutofit/>
+          </a:bodyPr>
           <a:lstStyle>
-            <a:lvl1pPr marL="0" indent="0">
-              <a:buNone/>
-              <a:defRPr sz="3200"/>
-            </a:lvl1pPr>
-            <a:lvl2pPr marL="457200" indent="0">
-              <a:buNone/>
-              <a:defRPr sz="2800"/>
-            </a:lvl2pPr>
-            <a:lvl3pPr marL="914400" indent="0">
-              <a:buNone/>
-              <a:defRPr sz="2400"/>
-            </a:lvl3pPr>
-            <a:lvl4pPr marL="1371600" indent="0">
-              <a:buNone/>
-              <a:defRPr sz="2000"/>
-            </a:lvl4pPr>
-            <a:lvl5pPr marL="1828800" indent="0">
-              <a:buNone/>
-              <a:defRPr sz="2000"/>
-            </a:lvl5pPr>
-            <a:lvl6pPr marL="2286000" indent="0">
-              <a:buNone/>
-              <a:defRPr sz="2000"/>
-            </a:lvl6pPr>
-            <a:lvl7pPr marL="2743200" indent="0">
-              <a:buNone/>
-              <a:defRPr sz="2000"/>
-            </a:lvl7pPr>
-            <a:lvl8pPr marL="3200400" indent="0">
-              <a:buNone/>
-              <a:defRPr sz="2000"/>
-            </a:lvl8pPr>
-            <a:lvl9pPr marL="3657600" indent="0">
-              <a:buNone/>
-              <a:defRPr sz="2000"/>
-            </a:lvl9pPr>
-          </a:lstStyle>
-          <a:p>
-            <a:endParaRPr lang="ru-RU"/>
-          </a:p>
-        </p:txBody>
-      </p:sp>
-      <p:sp>
-        <p:nvSpPr>
-          <p:cNvPr id="4" name="Текст 3">
-            <a:extLst>
-              <a:ext uri="{FF2B5EF4-FFF2-40B4-BE49-F238E27FC236}">
-                <a16:creationId xmlns:a16="http://schemas.microsoft.com/office/drawing/2014/main" id="{1DCA3A37-1E87-4F64-B52D-557C610315A7}"/>
-              </a:ext>
-            </a:extLst>
-          </p:cNvPr>
-          <p:cNvSpPr>
-            <a:spLocks noGrp="1"/>
-          </p:cNvSpPr>
-          <p:nvPr>
-            <p:ph type="body" sz="half" idx="2"/>
-          </p:nvPr>
-        </p:nvSpPr>
-        <p:spPr>
-          <a:xfrm>
-            <a:off x="839788" y="2057400"/>
-            <a:ext cx="3932237" cy="3811588"/>
-          </a:xfrm>
-        </p:spPr>
-        <p:txBody>
-          <a:bodyPr/>
-          <a:lstStyle>
-            <a:lvl1pPr marL="0" indent="0">
+            <a:lvl1pPr marL="0" indent="0" algn="ctr">
               <a:buNone/>
               <a:defRPr sz="1600"/>
             </a:lvl1pPr>
             <a:lvl2pPr marL="457200" indent="0">
               <a:buNone/>
-              <a:defRPr sz="1400"/>
+              <a:defRPr sz="1600"/>
             </a:lvl2pPr>
             <a:lvl3pPr marL="914400" indent="0">
               <a:buNone/>
-              <a:defRPr sz="1200"/>
+              <a:defRPr sz="1600"/>
             </a:lvl3pPr>
             <a:lvl4pPr marL="1371600" indent="0">
               <a:buNone/>
-              <a:defRPr sz="1000"/>
+              <a:defRPr sz="1600"/>
             </a:lvl4pPr>
             <a:lvl5pPr marL="1828800" indent="0">
               <a:buNone/>
-              <a:defRPr sz="1000"/>
+              <a:defRPr sz="1600"/>
             </a:lvl5pPr>
             <a:lvl6pPr marL="2286000" indent="0">
               <a:buNone/>
-              <a:defRPr sz="1000"/>
+              <a:defRPr sz="1600"/>
             </a:lvl6pPr>
             <a:lvl7pPr marL="2743200" indent="0">
               <a:buNone/>
-              <a:defRPr sz="1000"/>
+              <a:defRPr sz="1600"/>
             </a:lvl7pPr>
             <a:lvl8pPr marL="3200400" indent="0">
               <a:buNone/>
-              <a:defRPr sz="1000"/>
+              <a:defRPr sz="1600"/>
             </a:lvl8pPr>
             <a:lvl9pPr marL="3657600" indent="0">
               <a:buNone/>
-              <a:defRPr sz="1000"/>
+              <a:defRPr sz="1600"/>
             </a:lvl9pPr>
           </a:lstStyle>
           <a:p>
+            <a:r>
+              <a:rPr lang="ru-RU"/>
+              <a:t>Вставка рисунка</a:t>
+            </a:r>
+            <a:endParaRPr lang="en-US" dirty="0"/>
+          </a:p>
+        </p:txBody>
+      </p:sp>
+      <p:sp>
+        <p:nvSpPr>
+          <p:cNvPr id="4" name="Text Placeholder 3"/>
+          <p:cNvSpPr>
+            <a:spLocks noGrp="1"/>
+          </p:cNvSpPr>
+          <p:nvPr>
+            <p:ph type="body" sz="half" idx="2"/>
+          </p:nvPr>
+        </p:nvSpPr>
+        <p:spPr>
+          <a:xfrm>
+            <a:off x="677334" y="5367338"/>
+            <a:ext cx="8596667" cy="674024"/>
+          </a:xfrm>
+        </p:spPr>
+        <p:txBody>
+          <a:bodyPr>
+            <a:normAutofit/>
+          </a:bodyPr>
+          <a:lstStyle>
+            <a:lvl1pPr marL="0" indent="0">
+              <a:buNone/>
+              <a:defRPr sz="1200"/>
+            </a:lvl1pPr>
+            <a:lvl2pPr marL="457200" indent="0">
+              <a:buNone/>
+              <a:defRPr sz="1200"/>
+            </a:lvl2pPr>
+            <a:lvl3pPr marL="914400" indent="0">
+              <a:buNone/>
+              <a:defRPr sz="1000"/>
+            </a:lvl3pPr>
+            <a:lvl4pPr marL="1371600" indent="0">
+              <a:buNone/>
+              <a:defRPr sz="900"/>
+            </a:lvl4pPr>
+            <a:lvl5pPr marL="1828800" indent="0">
+              <a:buNone/>
+              <a:defRPr sz="900"/>
+            </a:lvl5pPr>
+            <a:lvl6pPr marL="2286000" indent="0">
+              <a:buNone/>
+              <a:defRPr sz="900"/>
+            </a:lvl6pPr>
+            <a:lvl7pPr marL="2743200" indent="0">
+              <a:buNone/>
+              <a:defRPr sz="900"/>
+            </a:lvl7pPr>
+            <a:lvl8pPr marL="3200400" indent="0">
+              <a:buNone/>
+              <a:defRPr sz="900"/>
+            </a:lvl8pPr>
+            <a:lvl9pPr marL="3657600" indent="0">
+              <a:buNone/>
+              <a:defRPr sz="900"/>
+            </a:lvl9pPr>
+          </a:lstStyle>
+          <a:p>
             <a:pPr lvl="0"/>
             <a:r>
               <a:rPr lang="ru-RU"/>
@@ -2642,13 +4551,7 @@
       </p:sp>
       <p:sp>
         <p:nvSpPr>
-          <p:cNvPr id="5" name="Дата 4">
-            <a:extLst>
-              <a:ext uri="{FF2B5EF4-FFF2-40B4-BE49-F238E27FC236}">
-                <a16:creationId xmlns:a16="http://schemas.microsoft.com/office/drawing/2014/main" id="{20037762-6217-46FF-B6B1-D4D335A5C831}"/>
-              </a:ext>
-            </a:extLst>
-          </p:cNvPr>
+          <p:cNvPr id="5" name="Date Placeholder 4"/>
           <p:cNvSpPr>
             <a:spLocks noGrp="1"/>
           </p:cNvSpPr>
@@ -2663,21 +4566,15 @@
           <a:p>
             <a:fld id="{F886A9BA-2745-4C55-825F-C5836507A704}" type="datetimeFigureOut">
               <a:rPr lang="ru-RU" smtClean="0"/>
-              <a:t>08.11.2021</a:t>
+              <a:t>15.11.2021</a:t>
             </a:fld>
-            <a:endParaRPr lang="ru-RU"/>
-          </a:p>
-        </p:txBody>
-      </p:sp>
-      <p:sp>
-        <p:nvSpPr>
-          <p:cNvPr id="6" name="Нижний колонтитул 5">
-            <a:extLst>
-              <a:ext uri="{FF2B5EF4-FFF2-40B4-BE49-F238E27FC236}">
-                <a16:creationId xmlns:a16="http://schemas.microsoft.com/office/drawing/2014/main" id="{94F63CBC-B180-4846-AD1E-48B30593FD7E}"/>
-              </a:ext>
-            </a:extLst>
-          </p:cNvPr>
+            <a:endParaRPr lang="ru-RU" dirty="0"/>
+          </a:p>
+        </p:txBody>
+      </p:sp>
+      <p:sp>
+        <p:nvSpPr>
+          <p:cNvPr id="6" name="Footer Placeholder 5"/>
           <p:cNvSpPr>
             <a:spLocks noGrp="1"/>
           </p:cNvSpPr>
@@ -2690,19 +4587,13 @@
           <a:bodyPr/>
           <a:lstStyle/>
           <a:p>
-            <a:endParaRPr lang="ru-RU"/>
-          </a:p>
-        </p:txBody>
-      </p:sp>
-      <p:sp>
-        <p:nvSpPr>
-          <p:cNvPr id="7" name="Номер слайда 6">
-            <a:extLst>
-              <a:ext uri="{FF2B5EF4-FFF2-40B4-BE49-F238E27FC236}">
-                <a16:creationId xmlns:a16="http://schemas.microsoft.com/office/drawing/2014/main" id="{67020BD9-163B-44A0-A6F9-3E409258537E}"/>
-              </a:ext>
-            </a:extLst>
-          </p:cNvPr>
+            <a:endParaRPr lang="ru-RU" dirty="0"/>
+          </a:p>
+        </p:txBody>
+      </p:sp>
+      <p:sp>
+        <p:nvSpPr>
+          <p:cNvPr id="7" name="Slide Number Placeholder 6"/>
           <p:cNvSpPr>
             <a:spLocks noGrp="1"/>
           </p:cNvSpPr>
@@ -2719,14 +4610,14 @@
               <a:rPr lang="ru-RU" smtClean="0"/>
               <a:t>‹#›</a:t>
             </a:fld>
-            <a:endParaRPr lang="ru-RU"/>
+            <a:endParaRPr lang="ru-RU" dirty="0"/>
           </a:p>
         </p:txBody>
       </p:sp>
     </p:spTree>
     <p:extLst>
       <p:ext uri="{BB962C8B-B14F-4D97-AF65-F5344CB8AC3E}">
-        <p14:creationId xmlns:p14="http://schemas.microsoft.com/office/powerpoint/2010/main" val="4221890690"/>
+        <p14:creationId xmlns:p14="http://schemas.microsoft.com/office/powerpoint/2010/main" val="2077057290"/>
       </p:ext>
     </p:extLst>
   </p:cSld>
@@ -2758,15 +4649,539 @@
           <a:chExt cx="0" cy="0"/>
         </a:xfrm>
       </p:grpSpPr>
-      <p:sp>
-        <p:nvSpPr>
-          <p:cNvPr id="2" name="Заголовок 1">
-            <a:extLst>
-              <a:ext uri="{FF2B5EF4-FFF2-40B4-BE49-F238E27FC236}">
-                <a16:creationId xmlns:a16="http://schemas.microsoft.com/office/drawing/2014/main" id="{86B5F30E-F489-4CAA-AD5A-3B0E097282CD}"/>
-              </a:ext>
-            </a:extLst>
-          </p:cNvPr>
+      <p:grpSp>
+        <p:nvGrpSpPr>
+          <p:cNvPr id="7" name="Group 6"/>
+          <p:cNvGrpSpPr/>
+          <p:nvPr/>
+        </p:nvGrpSpPr>
+        <p:grpSpPr>
+          <a:xfrm>
+            <a:off x="0" y="-8467"/>
+            <a:ext cx="12192000" cy="6866467"/>
+            <a:chOff x="0" y="-8467"/>
+            <a:chExt cx="12192000" cy="6866467"/>
+          </a:xfrm>
+        </p:grpSpPr>
+        <p:cxnSp>
+          <p:nvCxnSpPr>
+            <p:cNvPr id="20" name="Straight Connector 19"/>
+            <p:cNvCxnSpPr/>
+            <p:nvPr/>
+          </p:nvCxnSpPr>
+          <p:spPr>
+            <a:xfrm>
+              <a:off x="9371012" y="0"/>
+              <a:ext cx="1219200" cy="6858000"/>
+            </a:xfrm>
+            <a:prstGeom prst="line">
+              <a:avLst/>
+            </a:prstGeom>
+            <a:ln w="9525">
+              <a:solidFill>
+                <a:schemeClr val="bg1">
+                  <a:lumMod val="75000"/>
+                </a:schemeClr>
+              </a:solidFill>
+            </a:ln>
+          </p:spPr>
+          <p:style>
+            <a:lnRef idx="2">
+              <a:schemeClr val="accent1"/>
+            </a:lnRef>
+            <a:fillRef idx="0">
+              <a:schemeClr val="accent1"/>
+            </a:fillRef>
+            <a:effectRef idx="1">
+              <a:schemeClr val="accent1"/>
+            </a:effectRef>
+            <a:fontRef idx="minor">
+              <a:schemeClr val="tx1"/>
+            </a:fontRef>
+          </p:style>
+        </p:cxnSp>
+        <p:cxnSp>
+          <p:nvCxnSpPr>
+            <p:cNvPr id="21" name="Straight Connector 20"/>
+            <p:cNvCxnSpPr/>
+            <p:nvPr/>
+          </p:nvCxnSpPr>
+          <p:spPr>
+            <a:xfrm flipH="1">
+              <a:off x="7425267" y="3681413"/>
+              <a:ext cx="4763558" cy="3176587"/>
+            </a:xfrm>
+            <a:prstGeom prst="line">
+              <a:avLst/>
+            </a:prstGeom>
+            <a:ln w="9525">
+              <a:solidFill>
+                <a:schemeClr val="bg1">
+                  <a:lumMod val="85000"/>
+                </a:schemeClr>
+              </a:solidFill>
+            </a:ln>
+          </p:spPr>
+          <p:style>
+            <a:lnRef idx="2">
+              <a:schemeClr val="accent1"/>
+            </a:lnRef>
+            <a:fillRef idx="0">
+              <a:schemeClr val="accent1"/>
+            </a:fillRef>
+            <a:effectRef idx="1">
+              <a:schemeClr val="accent1"/>
+            </a:effectRef>
+            <a:fontRef idx="minor">
+              <a:schemeClr val="tx1"/>
+            </a:fontRef>
+          </p:style>
+        </p:cxnSp>
+        <p:sp>
+          <p:nvSpPr>
+            <p:cNvPr id="22" name="Rectangle 23"/>
+            <p:cNvSpPr/>
+            <p:nvPr/>
+          </p:nvSpPr>
+          <p:spPr>
+            <a:xfrm>
+              <a:off x="9181476" y="-8467"/>
+              <a:ext cx="3007349" cy="6866467"/>
+            </a:xfrm>
+            <a:custGeom>
+              <a:avLst/>
+              <a:gdLst/>
+              <a:ahLst/>
+              <a:cxnLst/>
+              <a:rect l="l" t="t" r="r" b="b"/>
+              <a:pathLst>
+                <a:path w="3007349" h="6866467">
+                  <a:moveTo>
+                    <a:pt x="2045532" y="0"/>
+                  </a:moveTo>
+                  <a:lnTo>
+                    <a:pt x="3007349" y="0"/>
+                  </a:lnTo>
+                  <a:lnTo>
+                    <a:pt x="3007349" y="6866467"/>
+                  </a:lnTo>
+                  <a:lnTo>
+                    <a:pt x="0" y="6866467"/>
+                  </a:lnTo>
+                  <a:lnTo>
+                    <a:pt x="2045532" y="0"/>
+                  </a:lnTo>
+                  <a:close/>
+                </a:path>
+              </a:pathLst>
+            </a:custGeom>
+            <a:solidFill>
+              <a:schemeClr val="accent1">
+                <a:alpha val="30000"/>
+              </a:schemeClr>
+            </a:solidFill>
+            <a:ln>
+              <a:noFill/>
+            </a:ln>
+            <a:effectLst/>
+          </p:spPr>
+          <p:style>
+            <a:lnRef idx="1">
+              <a:schemeClr val="accent1"/>
+            </a:lnRef>
+            <a:fillRef idx="3">
+              <a:schemeClr val="accent1"/>
+            </a:fillRef>
+            <a:effectRef idx="2">
+              <a:schemeClr val="accent1"/>
+            </a:effectRef>
+            <a:fontRef idx="minor">
+              <a:schemeClr val="lt1"/>
+            </a:fontRef>
+          </p:style>
+        </p:sp>
+        <p:sp>
+          <p:nvSpPr>
+            <p:cNvPr id="23" name="Rectangle 25"/>
+            <p:cNvSpPr/>
+            <p:nvPr/>
+          </p:nvSpPr>
+          <p:spPr>
+            <a:xfrm>
+              <a:off x="9603442" y="-8467"/>
+              <a:ext cx="2588558" cy="6866467"/>
+            </a:xfrm>
+            <a:custGeom>
+              <a:avLst/>
+              <a:gdLst/>
+              <a:ahLst/>
+              <a:cxnLst/>
+              <a:rect l="l" t="t" r="r" b="b"/>
+              <a:pathLst>
+                <a:path w="2573311" h="6866467">
+                  <a:moveTo>
+                    <a:pt x="0" y="0"/>
+                  </a:moveTo>
+                  <a:lnTo>
+                    <a:pt x="2573311" y="0"/>
+                  </a:lnTo>
+                  <a:lnTo>
+                    <a:pt x="2573311" y="6866467"/>
+                  </a:lnTo>
+                  <a:lnTo>
+                    <a:pt x="1202336" y="6866467"/>
+                  </a:lnTo>
+                  <a:lnTo>
+                    <a:pt x="0" y="0"/>
+                  </a:lnTo>
+                  <a:close/>
+                </a:path>
+              </a:pathLst>
+            </a:custGeom>
+            <a:solidFill>
+              <a:schemeClr val="accent1">
+                <a:alpha val="20000"/>
+              </a:schemeClr>
+            </a:solidFill>
+            <a:ln>
+              <a:noFill/>
+            </a:ln>
+            <a:effectLst/>
+          </p:spPr>
+          <p:style>
+            <a:lnRef idx="1">
+              <a:schemeClr val="accent1"/>
+            </a:lnRef>
+            <a:fillRef idx="3">
+              <a:schemeClr val="accent1"/>
+            </a:fillRef>
+            <a:effectRef idx="2">
+              <a:schemeClr val="accent1"/>
+            </a:effectRef>
+            <a:fontRef idx="minor">
+              <a:schemeClr val="lt1"/>
+            </a:fontRef>
+          </p:style>
+        </p:sp>
+        <p:sp>
+          <p:nvSpPr>
+            <p:cNvPr id="24" name="Isosceles Triangle 23"/>
+            <p:cNvSpPr/>
+            <p:nvPr/>
+          </p:nvSpPr>
+          <p:spPr>
+            <a:xfrm>
+              <a:off x="8932333" y="3048000"/>
+              <a:ext cx="3259667" cy="3810000"/>
+            </a:xfrm>
+            <a:prstGeom prst="triangle">
+              <a:avLst>
+                <a:gd name="adj" fmla="val 100000"/>
+              </a:avLst>
+            </a:prstGeom>
+            <a:solidFill>
+              <a:schemeClr val="accent2">
+                <a:alpha val="72000"/>
+              </a:schemeClr>
+            </a:solidFill>
+            <a:ln>
+              <a:noFill/>
+            </a:ln>
+            <a:effectLst/>
+          </p:spPr>
+          <p:style>
+            <a:lnRef idx="1">
+              <a:schemeClr val="accent1"/>
+            </a:lnRef>
+            <a:fillRef idx="3">
+              <a:schemeClr val="accent1"/>
+            </a:fillRef>
+            <a:effectRef idx="2">
+              <a:schemeClr val="accent1"/>
+            </a:effectRef>
+            <a:fontRef idx="minor">
+              <a:schemeClr val="lt1"/>
+            </a:fontRef>
+          </p:style>
+        </p:sp>
+        <p:sp>
+          <p:nvSpPr>
+            <p:cNvPr id="25" name="Rectangle 27"/>
+            <p:cNvSpPr/>
+            <p:nvPr/>
+          </p:nvSpPr>
+          <p:spPr>
+            <a:xfrm>
+              <a:off x="9334500" y="-8467"/>
+              <a:ext cx="2854326" cy="6866467"/>
+            </a:xfrm>
+            <a:custGeom>
+              <a:avLst/>
+              <a:gdLst/>
+              <a:ahLst/>
+              <a:cxnLst/>
+              <a:rect l="l" t="t" r="r" b="b"/>
+              <a:pathLst>
+                <a:path w="2858013" h="6866467">
+                  <a:moveTo>
+                    <a:pt x="0" y="0"/>
+                  </a:moveTo>
+                  <a:lnTo>
+                    <a:pt x="2858013" y="0"/>
+                  </a:lnTo>
+                  <a:lnTo>
+                    <a:pt x="2858013" y="6866467"/>
+                  </a:lnTo>
+                  <a:lnTo>
+                    <a:pt x="2473942" y="6866467"/>
+                  </a:lnTo>
+                  <a:lnTo>
+                    <a:pt x="0" y="0"/>
+                  </a:lnTo>
+                  <a:close/>
+                </a:path>
+              </a:pathLst>
+            </a:custGeom>
+            <a:solidFill>
+              <a:schemeClr val="accent2">
+                <a:lumMod val="75000"/>
+                <a:alpha val="70000"/>
+              </a:schemeClr>
+            </a:solidFill>
+            <a:ln>
+              <a:noFill/>
+            </a:ln>
+            <a:effectLst/>
+          </p:spPr>
+          <p:style>
+            <a:lnRef idx="1">
+              <a:schemeClr val="accent1"/>
+            </a:lnRef>
+            <a:fillRef idx="3">
+              <a:schemeClr val="accent1"/>
+            </a:fillRef>
+            <a:effectRef idx="2">
+              <a:schemeClr val="accent1"/>
+            </a:effectRef>
+            <a:fontRef idx="minor">
+              <a:schemeClr val="lt1"/>
+            </a:fontRef>
+          </p:style>
+        </p:sp>
+        <p:sp>
+          <p:nvSpPr>
+            <p:cNvPr id="26" name="Rectangle 28"/>
+            <p:cNvSpPr/>
+            <p:nvPr/>
+          </p:nvSpPr>
+          <p:spPr>
+            <a:xfrm>
+              <a:off x="10898730" y="-8467"/>
+              <a:ext cx="1290094" cy="6866467"/>
+            </a:xfrm>
+            <a:custGeom>
+              <a:avLst/>
+              <a:gdLst/>
+              <a:ahLst/>
+              <a:cxnLst/>
+              <a:rect l="l" t="t" r="r" b="b"/>
+              <a:pathLst>
+                <a:path w="1290094" h="6858000">
+                  <a:moveTo>
+                    <a:pt x="1019735" y="0"/>
+                  </a:moveTo>
+                  <a:lnTo>
+                    <a:pt x="1290094" y="0"/>
+                  </a:lnTo>
+                  <a:lnTo>
+                    <a:pt x="1290094" y="6858000"/>
+                  </a:lnTo>
+                  <a:lnTo>
+                    <a:pt x="0" y="6858000"/>
+                  </a:lnTo>
+                  <a:lnTo>
+                    <a:pt x="1019735" y="0"/>
+                  </a:lnTo>
+                  <a:close/>
+                </a:path>
+              </a:pathLst>
+            </a:custGeom>
+            <a:solidFill>
+              <a:schemeClr val="accent1">
+                <a:lumMod val="60000"/>
+                <a:lumOff val="40000"/>
+                <a:alpha val="70000"/>
+              </a:schemeClr>
+            </a:solidFill>
+            <a:ln>
+              <a:noFill/>
+            </a:ln>
+            <a:effectLst/>
+          </p:spPr>
+          <p:style>
+            <a:lnRef idx="1">
+              <a:schemeClr val="accent1"/>
+            </a:lnRef>
+            <a:fillRef idx="3">
+              <a:schemeClr val="accent1"/>
+            </a:fillRef>
+            <a:effectRef idx="2">
+              <a:schemeClr val="accent1"/>
+            </a:effectRef>
+            <a:fontRef idx="minor">
+              <a:schemeClr val="lt1"/>
+            </a:fontRef>
+          </p:style>
+        </p:sp>
+        <p:sp>
+          <p:nvSpPr>
+            <p:cNvPr id="27" name="Rectangle 29"/>
+            <p:cNvSpPr/>
+            <p:nvPr/>
+          </p:nvSpPr>
+          <p:spPr>
+            <a:xfrm>
+              <a:off x="10938999" y="-8467"/>
+              <a:ext cx="1249825" cy="6866467"/>
+            </a:xfrm>
+            <a:custGeom>
+              <a:avLst/>
+              <a:gdLst/>
+              <a:ahLst/>
+              <a:cxnLst/>
+              <a:rect l="l" t="t" r="r" b="b"/>
+              <a:pathLst>
+                <a:path w="1249825" h="6858000">
+                  <a:moveTo>
+                    <a:pt x="0" y="0"/>
+                  </a:moveTo>
+                  <a:lnTo>
+                    <a:pt x="1249825" y="0"/>
+                  </a:lnTo>
+                  <a:lnTo>
+                    <a:pt x="1249825" y="6858000"/>
+                  </a:lnTo>
+                  <a:lnTo>
+                    <a:pt x="1109382" y="6858000"/>
+                  </a:lnTo>
+                  <a:lnTo>
+                    <a:pt x="0" y="0"/>
+                  </a:lnTo>
+                  <a:close/>
+                </a:path>
+              </a:pathLst>
+            </a:custGeom>
+            <a:solidFill>
+              <a:schemeClr val="accent1">
+                <a:alpha val="65000"/>
+              </a:schemeClr>
+            </a:solidFill>
+            <a:ln>
+              <a:noFill/>
+            </a:ln>
+            <a:effectLst/>
+          </p:spPr>
+          <p:style>
+            <a:lnRef idx="1">
+              <a:schemeClr val="accent1"/>
+            </a:lnRef>
+            <a:fillRef idx="3">
+              <a:schemeClr val="accent1"/>
+            </a:fillRef>
+            <a:effectRef idx="2">
+              <a:schemeClr val="accent1"/>
+            </a:effectRef>
+            <a:fontRef idx="minor">
+              <a:schemeClr val="lt1"/>
+            </a:fontRef>
+          </p:style>
+        </p:sp>
+        <p:sp>
+          <p:nvSpPr>
+            <p:cNvPr id="28" name="Isosceles Triangle 27"/>
+            <p:cNvSpPr/>
+            <p:nvPr/>
+          </p:nvSpPr>
+          <p:spPr>
+            <a:xfrm>
+              <a:off x="10371666" y="3589867"/>
+              <a:ext cx="1817159" cy="3268133"/>
+            </a:xfrm>
+            <a:prstGeom prst="triangle">
+              <a:avLst>
+                <a:gd name="adj" fmla="val 100000"/>
+              </a:avLst>
+            </a:prstGeom>
+            <a:solidFill>
+              <a:schemeClr val="accent1">
+                <a:alpha val="80000"/>
+              </a:schemeClr>
+            </a:solidFill>
+            <a:ln>
+              <a:noFill/>
+            </a:ln>
+            <a:effectLst/>
+          </p:spPr>
+          <p:style>
+            <a:lnRef idx="1">
+              <a:schemeClr val="accent1"/>
+            </a:lnRef>
+            <a:fillRef idx="3">
+              <a:schemeClr val="accent1"/>
+            </a:fillRef>
+            <a:effectRef idx="2">
+              <a:schemeClr val="accent1"/>
+            </a:effectRef>
+            <a:fontRef idx="minor">
+              <a:schemeClr val="lt1"/>
+            </a:fontRef>
+          </p:style>
+        </p:sp>
+        <p:sp>
+          <p:nvSpPr>
+            <p:cNvPr id="29" name="Isosceles Triangle 28"/>
+            <p:cNvSpPr/>
+            <p:nvPr/>
+          </p:nvSpPr>
+          <p:spPr>
+            <a:xfrm>
+              <a:off x="0" y="4013200"/>
+              <a:ext cx="448733" cy="2844800"/>
+            </a:xfrm>
+            <a:prstGeom prst="triangle">
+              <a:avLst>
+                <a:gd name="adj" fmla="val 0"/>
+              </a:avLst>
+            </a:prstGeom>
+            <a:solidFill>
+              <a:schemeClr val="accent1">
+                <a:alpha val="85000"/>
+              </a:schemeClr>
+            </a:solidFill>
+            <a:ln>
+              <a:noFill/>
+            </a:ln>
+            <a:effectLst/>
+          </p:spPr>
+          <p:style>
+            <a:lnRef idx="1">
+              <a:schemeClr val="accent1"/>
+            </a:lnRef>
+            <a:fillRef idx="3">
+              <a:schemeClr val="accent1"/>
+            </a:fillRef>
+            <a:effectRef idx="2">
+              <a:schemeClr val="accent1"/>
+            </a:effectRef>
+            <a:fontRef idx="minor">
+              <a:schemeClr val="lt1"/>
+            </a:fontRef>
+          </p:style>
+        </p:sp>
+      </p:grpSp>
+      <p:sp>
+        <p:nvSpPr>
+          <p:cNvPr id="2" name="Title Placeholder 1"/>
           <p:cNvSpPr>
             <a:spLocks noGrp="1"/>
           </p:cNvSpPr>
@@ -2776,15 +5191,15 @@
         </p:nvSpPr>
         <p:spPr>
           <a:xfrm>
-            <a:off x="838200" y="365125"/>
-            <a:ext cx="10515600" cy="1325563"/>
+            <a:off x="677334" y="609600"/>
+            <a:ext cx="8596668" cy="1320800"/>
           </a:xfrm>
           <a:prstGeom prst="rect">
             <a:avLst/>
           </a:prstGeom>
         </p:spPr>
         <p:txBody>
-          <a:bodyPr vert="horz" lIns="91440" tIns="45720" rIns="91440" bIns="45720" rtlCol="0" anchor="ctr">
+          <a:bodyPr vert="horz" lIns="91440" tIns="45720" rIns="91440" bIns="45720" rtlCol="0" anchor="t">
             <a:normAutofit/>
           </a:bodyPr>
           <a:lstStyle/>
@@ -2793,18 +5208,13 @@
               <a:rPr lang="ru-RU"/>
               <a:t>Образец заголовка</a:t>
             </a:r>
-          </a:p>
-        </p:txBody>
-      </p:sp>
-      <p:sp>
-        <p:nvSpPr>
-          <p:cNvPr id="3" name="Текст 2">
-            <a:extLst>
-              <a:ext uri="{FF2B5EF4-FFF2-40B4-BE49-F238E27FC236}">
-                <a16:creationId xmlns:a16="http://schemas.microsoft.com/office/drawing/2014/main" id="{668267DF-B0CF-4202-99DC-AAEA89597E89}"/>
-              </a:ext>
-            </a:extLst>
-          </p:cNvPr>
+            <a:endParaRPr lang="en-US" dirty="0"/>
+          </a:p>
+        </p:txBody>
+      </p:sp>
+      <p:sp>
+        <p:nvSpPr>
+          <p:cNvPr id="3" name="Text Placeholder 2"/>
           <p:cNvSpPr>
             <a:spLocks noGrp="1"/>
           </p:cNvSpPr>
@@ -2814,8 +5224,8 @@
         </p:nvSpPr>
         <p:spPr>
           <a:xfrm>
-            <a:off x="838200" y="1825625"/>
-            <a:ext cx="10515600" cy="4351338"/>
+            <a:off x="677334" y="2160589"/>
+            <a:ext cx="8596668" cy="3880773"/>
           </a:xfrm>
           <a:prstGeom prst="rect">
             <a:avLst/>
@@ -2860,18 +5270,13 @@
               <a:rPr lang="ru-RU"/>
               <a:t>Пятый уровень</a:t>
             </a:r>
-          </a:p>
-        </p:txBody>
-      </p:sp>
-      <p:sp>
-        <p:nvSpPr>
-          <p:cNvPr id="4" name="Дата 3">
-            <a:extLst>
-              <a:ext uri="{FF2B5EF4-FFF2-40B4-BE49-F238E27FC236}">
-                <a16:creationId xmlns:a16="http://schemas.microsoft.com/office/drawing/2014/main" id="{F6100FA7-D632-4309-A4D3-284CFC65BDE9}"/>
-              </a:ext>
-            </a:extLst>
-          </p:cNvPr>
+            <a:endParaRPr lang="en-US" dirty="0"/>
+          </a:p>
+        </p:txBody>
+      </p:sp>
+      <p:sp>
+        <p:nvSpPr>
+          <p:cNvPr id="4" name="Date Placeholder 3"/>
           <p:cNvSpPr>
             <a:spLocks noGrp="1"/>
           </p:cNvSpPr>
@@ -2881,8 +5286,8 @@
         </p:nvSpPr>
         <p:spPr>
           <a:xfrm>
-            <a:off x="838200" y="6356350"/>
-            <a:ext cx="2743200" cy="365125"/>
+            <a:off x="7205133" y="6041362"/>
+            <a:ext cx="911939" cy="365125"/>
           </a:xfrm>
           <a:prstGeom prst="rect">
             <a:avLst/>
@@ -2891,8 +5296,8 @@
         <p:txBody>
           <a:bodyPr vert="horz" lIns="91440" tIns="45720" rIns="91440" bIns="45720" rtlCol="0" anchor="ctr"/>
           <a:lstStyle>
-            <a:lvl1pPr algn="l">
-              <a:defRPr sz="1200">
+            <a:lvl1pPr algn="r">
+              <a:defRPr sz="900">
                 <a:solidFill>
                   <a:schemeClr val="tx1">
                     <a:tint val="75000"/>
@@ -2904,21 +5309,15 @@
           <a:p>
             <a:fld id="{F886A9BA-2745-4C55-825F-C5836507A704}" type="datetimeFigureOut">
               <a:rPr lang="ru-RU" smtClean="0"/>
-              <a:t>08.11.2021</a:t>
+              <a:t>15.11.2021</a:t>
             </a:fld>
-            <a:endParaRPr lang="ru-RU"/>
-          </a:p>
-        </p:txBody>
-      </p:sp>
-      <p:sp>
-        <p:nvSpPr>
-          <p:cNvPr id="5" name="Нижний колонтитул 4">
-            <a:extLst>
-              <a:ext uri="{FF2B5EF4-FFF2-40B4-BE49-F238E27FC236}">
-                <a16:creationId xmlns:a16="http://schemas.microsoft.com/office/drawing/2014/main" id="{557492D4-04BD-48AC-A122-9C339B122766}"/>
-              </a:ext>
-            </a:extLst>
-          </p:cNvPr>
+            <a:endParaRPr lang="ru-RU" dirty="0"/>
+          </a:p>
+        </p:txBody>
+      </p:sp>
+      <p:sp>
+        <p:nvSpPr>
+          <p:cNvPr id="5" name="Footer Placeholder 4"/>
           <p:cNvSpPr>
             <a:spLocks noGrp="1"/>
           </p:cNvSpPr>
@@ -2928,8 +5327,8 @@
         </p:nvSpPr>
         <p:spPr>
           <a:xfrm>
-            <a:off x="4038600" y="6356350"/>
-            <a:ext cx="4114800" cy="365125"/>
+            <a:off x="677334" y="6041362"/>
+            <a:ext cx="6297612" cy="365125"/>
           </a:xfrm>
           <a:prstGeom prst="rect">
             <a:avLst/>
@@ -2938,8 +5337,8 @@
         <p:txBody>
           <a:bodyPr vert="horz" lIns="91440" tIns="45720" rIns="91440" bIns="45720" rtlCol="0" anchor="ctr"/>
           <a:lstStyle>
-            <a:lvl1pPr algn="ctr">
-              <a:defRPr sz="1200">
+            <a:lvl1pPr algn="l">
+              <a:defRPr sz="900">
                 <a:solidFill>
                   <a:schemeClr val="tx1">
                     <a:tint val="75000"/>
@@ -2949,19 +5348,13 @@
             </a:lvl1pPr>
           </a:lstStyle>
           <a:p>
-            <a:endParaRPr lang="ru-RU"/>
-          </a:p>
-        </p:txBody>
-      </p:sp>
-      <p:sp>
-        <p:nvSpPr>
-          <p:cNvPr id="6" name="Номер слайда 5">
-            <a:extLst>
-              <a:ext uri="{FF2B5EF4-FFF2-40B4-BE49-F238E27FC236}">
-                <a16:creationId xmlns:a16="http://schemas.microsoft.com/office/drawing/2014/main" id="{FE23284E-AE39-4428-9EDD-78E02E7AADFC}"/>
-              </a:ext>
-            </a:extLst>
-          </p:cNvPr>
+            <a:endParaRPr lang="ru-RU" dirty="0"/>
+          </a:p>
+        </p:txBody>
+      </p:sp>
+      <p:sp>
+        <p:nvSpPr>
+          <p:cNvPr id="6" name="Slide Number Placeholder 5"/>
           <p:cNvSpPr>
             <a:spLocks noGrp="1"/>
           </p:cNvSpPr>
@@ -2971,8 +5364,8 @@
         </p:nvSpPr>
         <p:spPr>
           <a:xfrm>
-            <a:off x="8610600" y="6356350"/>
-            <a:ext cx="2743200" cy="365125"/>
+            <a:off x="8590663" y="6041362"/>
+            <a:ext cx="683339" cy="365125"/>
           </a:xfrm>
           <a:prstGeom prst="rect">
             <a:avLst/>
@@ -2982,11 +5375,9 @@
           <a:bodyPr vert="horz" lIns="91440" tIns="45720" rIns="91440" bIns="45720" rtlCol="0" anchor="ctr"/>
           <a:lstStyle>
             <a:lvl1pPr algn="r">
-              <a:defRPr sz="1200">
-                <a:solidFill>
-                  <a:schemeClr val="tx1">
-                    <a:tint val="75000"/>
-                  </a:schemeClr>
+              <a:defRPr sz="900">
+                <a:solidFill>
+                  <a:schemeClr val="accent1"/>
                 </a:solidFill>
               </a:defRPr>
             </a:lvl1pPr>
@@ -2996,62 +5387,342 @@
               <a:rPr lang="ru-RU" smtClean="0"/>
               <a:t>‹#›</a:t>
             </a:fld>
-            <a:endParaRPr lang="ru-RU"/>
+            <a:endParaRPr lang="ru-RU" dirty="0"/>
           </a:p>
         </p:txBody>
       </p:sp>
     </p:spTree>
     <p:extLst>
       <p:ext uri="{BB962C8B-B14F-4D97-AF65-F5344CB8AC3E}">
-        <p14:creationId xmlns:p14="http://schemas.microsoft.com/office/powerpoint/2010/main" val="3363255781"/>
+        <p14:creationId xmlns:p14="http://schemas.microsoft.com/office/powerpoint/2010/main" val="536894138"/>
       </p:ext>
     </p:extLst>
   </p:cSld>
   <p:clrMap bg1="lt1" tx1="dk1" bg2="lt2" tx2="dk2" accent1="accent1" accent2="accent2" accent3="accent3" accent4="accent4" accent5="accent5" accent6="accent6" hlink="hlink" folHlink="folHlink"/>
   <p:sldLayoutIdLst>
-    <p:sldLayoutId id="2147483649" r:id="rId1"/>
-    <p:sldLayoutId id="2147483650" r:id="rId2"/>
-    <p:sldLayoutId id="2147483651" r:id="rId3"/>
-    <p:sldLayoutId id="2147483652" r:id="rId4"/>
-    <p:sldLayoutId id="2147483653" r:id="rId5"/>
-    <p:sldLayoutId id="2147483654" r:id="rId6"/>
-    <p:sldLayoutId id="2147483655" r:id="rId7"/>
-    <p:sldLayoutId id="2147483656" r:id="rId8"/>
-    <p:sldLayoutId id="2147483657" r:id="rId9"/>
-    <p:sldLayoutId id="2147483658" r:id="rId10"/>
-    <p:sldLayoutId id="2147483659" r:id="rId11"/>
+    <p:sldLayoutId id="2147483661" r:id="rId1"/>
+    <p:sldLayoutId id="2147483662" r:id="rId2"/>
+    <p:sldLayoutId id="2147483663" r:id="rId3"/>
+    <p:sldLayoutId id="2147483664" r:id="rId4"/>
+    <p:sldLayoutId id="2147483665" r:id="rId5"/>
+    <p:sldLayoutId id="2147483666" r:id="rId6"/>
+    <p:sldLayoutId id="2147483667" r:id="rId7"/>
+    <p:sldLayoutId id="2147483668" r:id="rId8"/>
+    <p:sldLayoutId id="2147483669" r:id="rId9"/>
+    <p:sldLayoutId id="2147483670" r:id="rId10"/>
+    <p:sldLayoutId id="2147483671" r:id="rId11"/>
+    <p:sldLayoutId id="2147483672" r:id="rId12"/>
+    <p:sldLayoutId id="2147483673" r:id="rId13"/>
+    <p:sldLayoutId id="2147483674" r:id="rId14"/>
+    <p:sldLayoutId id="2147483675" r:id="rId15"/>
+    <p:sldLayoutId id="2147483676" r:id="rId16"/>
   </p:sldLayoutIdLst>
   <p:txStyles>
     <p:titleStyle>
-      <a:lvl1pPr algn="l" defTabSz="914400" rtl="0" eaLnBrk="1" latinLnBrk="0" hangingPunct="1">
-        <a:lnSpc>
-          <a:spcPct val="90000"/>
-        </a:lnSpc>
+      <a:lvl1pPr algn="l" defTabSz="457200" rtl="0" eaLnBrk="1" latinLnBrk="0" hangingPunct="1">
         <a:spcBef>
           <a:spcPct val="0"/>
         </a:spcBef>
         <a:buNone/>
-        <a:defRPr sz="4400" kern="1200">
+        <a:defRPr sz="3600" kern="1200">
           <a:solidFill>
-            <a:schemeClr val="tx1"/>
+            <a:schemeClr val="accent1"/>
           </a:solidFill>
           <a:latin typeface="+mj-lt"/>
           <a:ea typeface="+mj-ea"/>
           <a:cs typeface="+mj-cs"/>
         </a:defRPr>
       </a:lvl1pPr>
+      <a:lvl2pPr eaLnBrk="1" hangingPunct="1">
+        <a:defRPr>
+          <a:solidFill>
+            <a:schemeClr val="tx2"/>
+          </a:solidFill>
+        </a:defRPr>
+      </a:lvl2pPr>
+      <a:lvl3pPr eaLnBrk="1" hangingPunct="1">
+        <a:defRPr>
+          <a:solidFill>
+            <a:schemeClr val="tx2"/>
+          </a:solidFill>
+        </a:defRPr>
+      </a:lvl3pPr>
+      <a:lvl4pPr eaLnBrk="1" hangingPunct="1">
+        <a:defRPr>
+          <a:solidFill>
+            <a:schemeClr val="tx2"/>
+          </a:solidFill>
+        </a:defRPr>
+      </a:lvl4pPr>
+      <a:lvl5pPr eaLnBrk="1" hangingPunct="1">
+        <a:defRPr>
+          <a:solidFill>
+            <a:schemeClr val="tx2"/>
+          </a:solidFill>
+        </a:defRPr>
+      </a:lvl5pPr>
+      <a:lvl6pPr eaLnBrk="1" hangingPunct="1">
+        <a:defRPr>
+          <a:solidFill>
+            <a:schemeClr val="tx2"/>
+          </a:solidFill>
+        </a:defRPr>
+      </a:lvl6pPr>
+      <a:lvl7pPr eaLnBrk="1" hangingPunct="1">
+        <a:defRPr>
+          <a:solidFill>
+            <a:schemeClr val="tx2"/>
+          </a:solidFill>
+        </a:defRPr>
+      </a:lvl7pPr>
+      <a:lvl8pPr eaLnBrk="1" hangingPunct="1">
+        <a:defRPr>
+          <a:solidFill>
+            <a:schemeClr val="tx2"/>
+          </a:solidFill>
+        </a:defRPr>
+      </a:lvl8pPr>
+      <a:lvl9pPr eaLnBrk="1" hangingPunct="1">
+        <a:defRPr>
+          <a:solidFill>
+            <a:schemeClr val="tx2"/>
+          </a:solidFill>
+        </a:defRPr>
+      </a:lvl9pPr>
     </p:titleStyle>
     <p:bodyStyle>
-      <a:lvl1pPr marL="228600" indent="-228600" algn="l" defTabSz="914400" rtl="0" eaLnBrk="1" latinLnBrk="0" hangingPunct="1">
-        <a:lnSpc>
-          <a:spcPct val="90000"/>
-        </a:lnSpc>
+      <a:lvl1pPr marL="342900" indent="-342900" algn="l" defTabSz="457200" rtl="0" eaLnBrk="1" latinLnBrk="0" hangingPunct="1">
         <a:spcBef>
           <a:spcPts val="1000"/>
         </a:spcBef>
-        <a:buFont typeface="Arial" panose="020B0604020202020204" pitchFamily="34" charset="0"/>
-        <a:buChar char="•"/>
-        <a:defRPr sz="2800" kern="1200">
+        <a:spcAft>
+          <a:spcPts val="0"/>
+        </a:spcAft>
+        <a:buClr>
+          <a:schemeClr val="accent1"/>
+        </a:buClr>
+        <a:buSzPct val="80000"/>
+        <a:buFont typeface="Wingdings 3" charset="2"/>
+        <a:buChar char=""/>
+        <a:defRPr sz="1800" kern="1200">
+          <a:solidFill>
+            <a:schemeClr val="tx1">
+              <a:lumMod val="75000"/>
+              <a:lumOff val="25000"/>
+            </a:schemeClr>
+          </a:solidFill>
+          <a:latin typeface="+mn-lt"/>
+          <a:ea typeface="+mn-ea"/>
+          <a:cs typeface="+mn-cs"/>
+        </a:defRPr>
+      </a:lvl1pPr>
+      <a:lvl2pPr marL="742950" indent="-285750" algn="l" defTabSz="457200" rtl="0" eaLnBrk="1" latinLnBrk="0" hangingPunct="1">
+        <a:spcBef>
+          <a:spcPts val="1000"/>
+        </a:spcBef>
+        <a:spcAft>
+          <a:spcPts val="0"/>
+        </a:spcAft>
+        <a:buClr>
+          <a:schemeClr val="accent1"/>
+        </a:buClr>
+        <a:buSzPct val="80000"/>
+        <a:buFont typeface="Wingdings 3" charset="2"/>
+        <a:buChar char=""/>
+        <a:defRPr sz="1600" kern="1200">
+          <a:solidFill>
+            <a:schemeClr val="tx1">
+              <a:lumMod val="75000"/>
+              <a:lumOff val="25000"/>
+            </a:schemeClr>
+          </a:solidFill>
+          <a:latin typeface="+mn-lt"/>
+          <a:ea typeface="+mn-ea"/>
+          <a:cs typeface="+mn-cs"/>
+        </a:defRPr>
+      </a:lvl2pPr>
+      <a:lvl3pPr marL="1143000" indent="-228600" algn="l" defTabSz="457200" rtl="0" eaLnBrk="1" latinLnBrk="0" hangingPunct="1">
+        <a:spcBef>
+          <a:spcPts val="1000"/>
+        </a:spcBef>
+        <a:spcAft>
+          <a:spcPts val="0"/>
+        </a:spcAft>
+        <a:buClr>
+          <a:schemeClr val="accent1"/>
+        </a:buClr>
+        <a:buSzPct val="80000"/>
+        <a:buFont typeface="Wingdings 3" charset="2"/>
+        <a:buChar char=""/>
+        <a:defRPr sz="1400" kern="1200">
+          <a:solidFill>
+            <a:schemeClr val="tx1">
+              <a:lumMod val="75000"/>
+              <a:lumOff val="25000"/>
+            </a:schemeClr>
+          </a:solidFill>
+          <a:latin typeface="+mn-lt"/>
+          <a:ea typeface="+mn-ea"/>
+          <a:cs typeface="+mn-cs"/>
+        </a:defRPr>
+      </a:lvl3pPr>
+      <a:lvl4pPr marL="1600200" indent="-228600" algn="l" defTabSz="457200" rtl="0" eaLnBrk="1" latinLnBrk="0" hangingPunct="1">
+        <a:spcBef>
+          <a:spcPts val="1000"/>
+        </a:spcBef>
+        <a:spcAft>
+          <a:spcPts val="0"/>
+        </a:spcAft>
+        <a:buClr>
+          <a:schemeClr val="accent1"/>
+        </a:buClr>
+        <a:buSzPct val="80000"/>
+        <a:buFont typeface="Wingdings 3" charset="2"/>
+        <a:buChar char=""/>
+        <a:defRPr sz="1200" kern="1200">
+          <a:solidFill>
+            <a:schemeClr val="tx1">
+              <a:lumMod val="75000"/>
+              <a:lumOff val="25000"/>
+            </a:schemeClr>
+          </a:solidFill>
+          <a:latin typeface="+mn-lt"/>
+          <a:ea typeface="+mn-ea"/>
+          <a:cs typeface="+mn-cs"/>
+        </a:defRPr>
+      </a:lvl4pPr>
+      <a:lvl5pPr marL="2057400" indent="-228600" algn="l" defTabSz="457200" rtl="0" eaLnBrk="1" latinLnBrk="0" hangingPunct="1">
+        <a:spcBef>
+          <a:spcPts val="1000"/>
+        </a:spcBef>
+        <a:spcAft>
+          <a:spcPts val="0"/>
+        </a:spcAft>
+        <a:buClr>
+          <a:schemeClr val="accent1"/>
+        </a:buClr>
+        <a:buSzPct val="80000"/>
+        <a:buFont typeface="Wingdings 3" charset="2"/>
+        <a:buChar char=""/>
+        <a:defRPr sz="1200" kern="1200">
+          <a:solidFill>
+            <a:schemeClr val="tx1">
+              <a:lumMod val="75000"/>
+              <a:lumOff val="25000"/>
+            </a:schemeClr>
+          </a:solidFill>
+          <a:latin typeface="+mn-lt"/>
+          <a:ea typeface="+mn-ea"/>
+          <a:cs typeface="+mn-cs"/>
+        </a:defRPr>
+      </a:lvl5pPr>
+      <a:lvl6pPr marL="2514600" indent="-228600" algn="l" defTabSz="457200" rtl="0" eaLnBrk="1" latinLnBrk="0" hangingPunct="1">
+        <a:spcBef>
+          <a:spcPts val="1000"/>
+        </a:spcBef>
+        <a:spcAft>
+          <a:spcPts val="0"/>
+        </a:spcAft>
+        <a:buClr>
+          <a:schemeClr val="accent1"/>
+        </a:buClr>
+        <a:buSzPct val="80000"/>
+        <a:buFont typeface="Wingdings 3" charset="2"/>
+        <a:buChar char=""/>
+        <a:defRPr sz="1200" kern="1200">
+          <a:solidFill>
+            <a:schemeClr val="tx1">
+              <a:lumMod val="75000"/>
+              <a:lumOff val="25000"/>
+            </a:schemeClr>
+          </a:solidFill>
+          <a:latin typeface="+mn-lt"/>
+          <a:ea typeface="+mn-ea"/>
+          <a:cs typeface="+mn-cs"/>
+        </a:defRPr>
+      </a:lvl6pPr>
+      <a:lvl7pPr marL="2971800" indent="-228600" algn="l" defTabSz="457200" rtl="0" eaLnBrk="1" latinLnBrk="0" hangingPunct="1">
+        <a:spcBef>
+          <a:spcPts val="1000"/>
+        </a:spcBef>
+        <a:spcAft>
+          <a:spcPts val="0"/>
+        </a:spcAft>
+        <a:buClr>
+          <a:schemeClr val="accent1"/>
+        </a:buClr>
+        <a:buSzPct val="80000"/>
+        <a:buFont typeface="Wingdings 3" charset="2"/>
+        <a:buChar char=""/>
+        <a:defRPr sz="1200" kern="1200">
+          <a:solidFill>
+            <a:schemeClr val="tx1">
+              <a:lumMod val="75000"/>
+              <a:lumOff val="25000"/>
+            </a:schemeClr>
+          </a:solidFill>
+          <a:latin typeface="+mn-lt"/>
+          <a:ea typeface="+mn-ea"/>
+          <a:cs typeface="+mn-cs"/>
+        </a:defRPr>
+      </a:lvl7pPr>
+      <a:lvl8pPr marL="3429000" indent="-228600" algn="l" defTabSz="457200" rtl="0" eaLnBrk="1" latinLnBrk="0" hangingPunct="1">
+        <a:spcBef>
+          <a:spcPts val="1000"/>
+        </a:spcBef>
+        <a:spcAft>
+          <a:spcPts val="0"/>
+        </a:spcAft>
+        <a:buClr>
+          <a:schemeClr val="accent1"/>
+        </a:buClr>
+        <a:buSzPct val="80000"/>
+        <a:buFont typeface="Wingdings 3" charset="2"/>
+        <a:buChar char=""/>
+        <a:defRPr sz="1200" kern="1200">
+          <a:solidFill>
+            <a:schemeClr val="tx1">
+              <a:lumMod val="75000"/>
+              <a:lumOff val="25000"/>
+            </a:schemeClr>
+          </a:solidFill>
+          <a:latin typeface="+mn-lt"/>
+          <a:ea typeface="+mn-ea"/>
+          <a:cs typeface="+mn-cs"/>
+        </a:defRPr>
+      </a:lvl8pPr>
+      <a:lvl9pPr marL="3886200" indent="-228600" algn="l" defTabSz="457200" rtl="0" eaLnBrk="1" latinLnBrk="0" hangingPunct="1">
+        <a:spcBef>
+          <a:spcPts val="1000"/>
+        </a:spcBef>
+        <a:spcAft>
+          <a:spcPts val="0"/>
+        </a:spcAft>
+        <a:buClr>
+          <a:schemeClr val="accent1"/>
+        </a:buClr>
+        <a:buSzPct val="80000"/>
+        <a:buFont typeface="Wingdings 3" charset="2"/>
+        <a:buChar char=""/>
+        <a:defRPr sz="1200" kern="1200">
+          <a:solidFill>
+            <a:schemeClr val="tx1">
+              <a:lumMod val="75000"/>
+              <a:lumOff val="25000"/>
+            </a:schemeClr>
+          </a:solidFill>
+          <a:latin typeface="+mn-lt"/>
+          <a:ea typeface="+mn-ea"/>
+          <a:cs typeface="+mn-cs"/>
+        </a:defRPr>
+      </a:lvl9pPr>
+    </p:bodyStyle>
+    <p:otherStyle>
+      <a:defPPr>
+        <a:defRPr lang="en-US"/>
+      </a:defPPr>
+      <a:lvl1pPr marL="0" algn="l" defTabSz="457200" rtl="0" eaLnBrk="1" latinLnBrk="0" hangingPunct="1">
+        <a:defRPr sz="1800" kern="1200">
           <a:solidFill>
             <a:schemeClr val="tx1"/>
           </a:solidFill>
@@ -3060,16 +5731,8 @@
           <a:cs typeface="+mn-cs"/>
         </a:defRPr>
       </a:lvl1pPr>
-      <a:lvl2pPr marL="685800" indent="-228600" algn="l" defTabSz="914400" rtl="0" eaLnBrk="1" latinLnBrk="0" hangingPunct="1">
-        <a:lnSpc>
-          <a:spcPct val="90000"/>
-        </a:lnSpc>
-        <a:spcBef>
-          <a:spcPts val="500"/>
-        </a:spcBef>
-        <a:buFont typeface="Arial" panose="020B0604020202020204" pitchFamily="34" charset="0"/>
-        <a:buChar char="•"/>
-        <a:defRPr sz="2400" kern="1200">
+      <a:lvl2pPr marL="457200" algn="l" defTabSz="457200" rtl="0" eaLnBrk="1" latinLnBrk="0" hangingPunct="1">
+        <a:defRPr sz="1800" kern="1200">
           <a:solidFill>
             <a:schemeClr val="tx1"/>
           </a:solidFill>
@@ -3078,16 +5741,8 @@
           <a:cs typeface="+mn-cs"/>
         </a:defRPr>
       </a:lvl2pPr>
-      <a:lvl3pPr marL="1143000" indent="-228600" algn="l" defTabSz="914400" rtl="0" eaLnBrk="1" latinLnBrk="0" hangingPunct="1">
-        <a:lnSpc>
-          <a:spcPct val="90000"/>
-        </a:lnSpc>
-        <a:spcBef>
-          <a:spcPts val="500"/>
-        </a:spcBef>
-        <a:buFont typeface="Arial" panose="020B0604020202020204" pitchFamily="34" charset="0"/>
-        <a:buChar char="•"/>
-        <a:defRPr sz="2000" kern="1200">
+      <a:lvl3pPr marL="914400" algn="l" defTabSz="457200" rtl="0" eaLnBrk="1" latinLnBrk="0" hangingPunct="1">
+        <a:defRPr sz="1800" kern="1200">
           <a:solidFill>
             <a:schemeClr val="tx1"/>
           </a:solidFill>
@@ -3096,15 +5751,7 @@
           <a:cs typeface="+mn-cs"/>
         </a:defRPr>
       </a:lvl3pPr>
-      <a:lvl4pPr marL="1600200" indent="-228600" algn="l" defTabSz="914400" rtl="0" eaLnBrk="1" latinLnBrk="0" hangingPunct="1">
-        <a:lnSpc>
-          <a:spcPct val="90000"/>
-        </a:lnSpc>
-        <a:spcBef>
-          <a:spcPts val="500"/>
-        </a:spcBef>
-        <a:buFont typeface="Arial" panose="020B0604020202020204" pitchFamily="34" charset="0"/>
-        <a:buChar char="•"/>
+      <a:lvl4pPr marL="1371600" algn="l" defTabSz="457200" rtl="0" eaLnBrk="1" latinLnBrk="0" hangingPunct="1">
         <a:defRPr sz="1800" kern="1200">
           <a:solidFill>
             <a:schemeClr val="tx1"/>
@@ -3114,15 +5761,7 @@
           <a:cs typeface="+mn-cs"/>
         </a:defRPr>
       </a:lvl4pPr>
-      <a:lvl5pPr marL="2057400" indent="-228600" algn="l" defTabSz="914400" rtl="0" eaLnBrk="1" latinLnBrk="0" hangingPunct="1">
-        <a:lnSpc>
-          <a:spcPct val="90000"/>
-        </a:lnSpc>
-        <a:spcBef>
-          <a:spcPts val="500"/>
-        </a:spcBef>
-        <a:buFont typeface="Arial" panose="020B0604020202020204" pitchFamily="34" charset="0"/>
-        <a:buChar char="•"/>
+      <a:lvl5pPr marL="1828800" algn="l" defTabSz="457200" rtl="0" eaLnBrk="1" latinLnBrk="0" hangingPunct="1">
         <a:defRPr sz="1800" kern="1200">
           <a:solidFill>
             <a:schemeClr val="tx1"/>
@@ -3132,15 +5771,7 @@
           <a:cs typeface="+mn-cs"/>
         </a:defRPr>
       </a:lvl5pPr>
-      <a:lvl6pPr marL="2514600" indent="-228600" algn="l" defTabSz="914400" rtl="0" eaLnBrk="1" latinLnBrk="0" hangingPunct="1">
-        <a:lnSpc>
-          <a:spcPct val="90000"/>
-        </a:lnSpc>
-        <a:spcBef>
-          <a:spcPts val="500"/>
-        </a:spcBef>
-        <a:buFont typeface="Arial" panose="020B0604020202020204" pitchFamily="34" charset="0"/>
-        <a:buChar char="•"/>
+      <a:lvl6pPr marL="2286000" algn="l" defTabSz="457200" rtl="0" eaLnBrk="1" latinLnBrk="0" hangingPunct="1">
         <a:defRPr sz="1800" kern="1200">
           <a:solidFill>
             <a:schemeClr val="tx1"/>
@@ -3150,15 +5781,7 @@
           <a:cs typeface="+mn-cs"/>
         </a:defRPr>
       </a:lvl6pPr>
-      <a:lvl7pPr marL="2971800" indent="-228600" algn="l" defTabSz="914400" rtl="0" eaLnBrk="1" latinLnBrk="0" hangingPunct="1">
-        <a:lnSpc>
-          <a:spcPct val="90000"/>
-        </a:lnSpc>
-        <a:spcBef>
-          <a:spcPts val="500"/>
-        </a:spcBef>
-        <a:buFont typeface="Arial" panose="020B0604020202020204" pitchFamily="34" charset="0"/>
-        <a:buChar char="•"/>
+      <a:lvl7pPr marL="2743200" algn="l" defTabSz="457200" rtl="0" eaLnBrk="1" latinLnBrk="0" hangingPunct="1">
         <a:defRPr sz="1800" kern="1200">
           <a:solidFill>
             <a:schemeClr val="tx1"/>
@@ -3168,15 +5791,7 @@
           <a:cs typeface="+mn-cs"/>
         </a:defRPr>
       </a:lvl7pPr>
-      <a:lvl8pPr marL="3429000" indent="-228600" algn="l" defTabSz="914400" rtl="0" eaLnBrk="1" latinLnBrk="0" hangingPunct="1">
-        <a:lnSpc>
-          <a:spcPct val="90000"/>
-        </a:lnSpc>
-        <a:spcBef>
-          <a:spcPts val="500"/>
-        </a:spcBef>
-        <a:buFont typeface="Arial" panose="020B0604020202020204" pitchFamily="34" charset="0"/>
-        <a:buChar char="•"/>
+      <a:lvl8pPr marL="3200400" algn="l" defTabSz="457200" rtl="0" eaLnBrk="1" latinLnBrk="0" hangingPunct="1">
         <a:defRPr sz="1800" kern="1200">
           <a:solidFill>
             <a:schemeClr val="tx1"/>
@@ -3186,110 +5801,7 @@
           <a:cs typeface="+mn-cs"/>
         </a:defRPr>
       </a:lvl8pPr>
-      <a:lvl9pPr marL="3886200" indent="-228600" algn="l" defTabSz="914400" rtl="0" eaLnBrk="1" latinLnBrk="0" hangingPunct="1">
-        <a:lnSpc>
-          <a:spcPct val="90000"/>
-        </a:lnSpc>
-        <a:spcBef>
-          <a:spcPts val="500"/>
-        </a:spcBef>
-        <a:buFont typeface="Arial" panose="020B0604020202020204" pitchFamily="34" charset="0"/>
-        <a:buChar char="•"/>
-        <a:defRPr sz="1800" kern="1200">
-          <a:solidFill>
-            <a:schemeClr val="tx1"/>
-          </a:solidFill>
-          <a:latin typeface="+mn-lt"/>
-          <a:ea typeface="+mn-ea"/>
-          <a:cs typeface="+mn-cs"/>
-        </a:defRPr>
-      </a:lvl9pPr>
-    </p:bodyStyle>
-    <p:otherStyle>
-      <a:defPPr>
-        <a:defRPr lang="ru-RU"/>
-      </a:defPPr>
-      <a:lvl1pPr marL="0" algn="l" defTabSz="914400" rtl="0" eaLnBrk="1" latinLnBrk="0" hangingPunct="1">
-        <a:defRPr sz="1800" kern="1200">
-          <a:solidFill>
-            <a:schemeClr val="tx1"/>
-          </a:solidFill>
-          <a:latin typeface="+mn-lt"/>
-          <a:ea typeface="+mn-ea"/>
-          <a:cs typeface="+mn-cs"/>
-        </a:defRPr>
-      </a:lvl1pPr>
-      <a:lvl2pPr marL="457200" algn="l" defTabSz="914400" rtl="0" eaLnBrk="1" latinLnBrk="0" hangingPunct="1">
-        <a:defRPr sz="1800" kern="1200">
-          <a:solidFill>
-            <a:schemeClr val="tx1"/>
-          </a:solidFill>
-          <a:latin typeface="+mn-lt"/>
-          <a:ea typeface="+mn-ea"/>
-          <a:cs typeface="+mn-cs"/>
-        </a:defRPr>
-      </a:lvl2pPr>
-      <a:lvl3pPr marL="914400" algn="l" defTabSz="914400" rtl="0" eaLnBrk="1" latinLnBrk="0" hangingPunct="1">
-        <a:defRPr sz="1800" kern="1200">
-          <a:solidFill>
-            <a:schemeClr val="tx1"/>
-          </a:solidFill>
-          <a:latin typeface="+mn-lt"/>
-          <a:ea typeface="+mn-ea"/>
-          <a:cs typeface="+mn-cs"/>
-        </a:defRPr>
-      </a:lvl3pPr>
-      <a:lvl4pPr marL="1371600" algn="l" defTabSz="914400" rtl="0" eaLnBrk="1" latinLnBrk="0" hangingPunct="1">
-        <a:defRPr sz="1800" kern="1200">
-          <a:solidFill>
-            <a:schemeClr val="tx1"/>
-          </a:solidFill>
-          <a:latin typeface="+mn-lt"/>
-          <a:ea typeface="+mn-ea"/>
-          <a:cs typeface="+mn-cs"/>
-        </a:defRPr>
-      </a:lvl4pPr>
-      <a:lvl5pPr marL="1828800" algn="l" defTabSz="914400" rtl="0" eaLnBrk="1" latinLnBrk="0" hangingPunct="1">
-        <a:defRPr sz="1800" kern="1200">
-          <a:solidFill>
-            <a:schemeClr val="tx1"/>
-          </a:solidFill>
-          <a:latin typeface="+mn-lt"/>
-          <a:ea typeface="+mn-ea"/>
-          <a:cs typeface="+mn-cs"/>
-        </a:defRPr>
-      </a:lvl5pPr>
-      <a:lvl6pPr marL="2286000" algn="l" defTabSz="914400" rtl="0" eaLnBrk="1" latinLnBrk="0" hangingPunct="1">
-        <a:defRPr sz="1800" kern="1200">
-          <a:solidFill>
-            <a:schemeClr val="tx1"/>
-          </a:solidFill>
-          <a:latin typeface="+mn-lt"/>
-          <a:ea typeface="+mn-ea"/>
-          <a:cs typeface="+mn-cs"/>
-        </a:defRPr>
-      </a:lvl6pPr>
-      <a:lvl7pPr marL="2743200" algn="l" defTabSz="914400" rtl="0" eaLnBrk="1" latinLnBrk="0" hangingPunct="1">
-        <a:defRPr sz="1800" kern="1200">
-          <a:solidFill>
-            <a:schemeClr val="tx1"/>
-          </a:solidFill>
-          <a:latin typeface="+mn-lt"/>
-          <a:ea typeface="+mn-ea"/>
-          <a:cs typeface="+mn-cs"/>
-        </a:defRPr>
-      </a:lvl7pPr>
-      <a:lvl8pPr marL="3200400" algn="l" defTabSz="914400" rtl="0" eaLnBrk="1" latinLnBrk="0" hangingPunct="1">
-        <a:defRPr sz="1800" kern="1200">
-          <a:solidFill>
-            <a:schemeClr val="tx1"/>
-          </a:solidFill>
-          <a:latin typeface="+mn-lt"/>
-          <a:ea typeface="+mn-ea"/>
-          <a:cs typeface="+mn-cs"/>
-        </a:defRPr>
-      </a:lvl8pPr>
-      <a:lvl9pPr marL="3657600" algn="l" defTabSz="914400" rtl="0" eaLnBrk="1" latinLnBrk="0" hangingPunct="1">
+      <a:lvl9pPr marL="3657600" algn="l" defTabSz="457200" rtl="0" eaLnBrk="1" latinLnBrk="0" hangingPunct="1">
         <a:defRPr sz="1800" kern="1200">
           <a:solidFill>
             <a:schemeClr val="tx1"/>
@@ -3349,6 +5861,39 @@
           </a:p>
         </p:txBody>
       </p:sp>
+      <p:sp>
+        <p:nvSpPr>
+          <p:cNvPr id="4" name="Подзаголовок 3">
+            <a:extLst>
+              <a:ext uri="{FF2B5EF4-FFF2-40B4-BE49-F238E27FC236}">
+                <a16:creationId xmlns:a16="http://schemas.microsoft.com/office/drawing/2014/main" id="{8C93F03E-A9C8-4A13-8565-50AD40BA3C18}"/>
+              </a:ext>
+            </a:extLst>
+          </p:cNvPr>
+          <p:cNvSpPr>
+            <a:spLocks noGrp="1"/>
+          </p:cNvSpPr>
+          <p:nvPr>
+            <p:ph type="subTitle" idx="1"/>
+          </p:nvPr>
+        </p:nvSpPr>
+        <p:spPr>
+          <a:xfrm>
+            <a:off x="3406066" y="6039035"/>
+            <a:ext cx="5945080" cy="818965"/>
+          </a:xfrm>
+        </p:spPr>
+        <p:txBody>
+          <a:bodyPr/>
+          <a:lstStyle/>
+          <a:p>
+            <a:r>
+              <a:rPr lang="ru-RU" dirty="0"/>
+              <a:t>Многословно, я знаю</a:t>
+            </a:r>
+          </a:p>
+        </p:txBody>
+      </p:sp>
     </p:spTree>
     <p:extLst>
       <p:ext uri="{BB962C8B-B14F-4D97-AF65-F5344CB8AC3E}">
@@ -3362,10 +5907,427 @@
 </p:sld>
 </file>
 
+<file path=ppt/slides/slide2.xml><?xml version="1.0" encoding="utf-8"?>
+<p:sld xmlns:a="http://schemas.openxmlformats.org/drawingml/2006/main" xmlns:r="http://schemas.openxmlformats.org/officeDocument/2006/relationships" xmlns:p="http://schemas.openxmlformats.org/presentationml/2006/main">
+  <p:cSld>
+    <p:spTree>
+      <p:nvGrpSpPr>
+        <p:cNvPr id="1" name=""/>
+        <p:cNvGrpSpPr/>
+        <p:nvPr/>
+      </p:nvGrpSpPr>
+      <p:grpSpPr>
+        <a:xfrm>
+          <a:off x="0" y="0"/>
+          <a:ext cx="0" cy="0"/>
+          <a:chOff x="0" y="0"/>
+          <a:chExt cx="0" cy="0"/>
+        </a:xfrm>
+      </p:grpSpPr>
+      <p:sp>
+        <p:nvSpPr>
+          <p:cNvPr id="2" name="Заголовок 1">
+            <a:extLst>
+              <a:ext uri="{FF2B5EF4-FFF2-40B4-BE49-F238E27FC236}">
+                <a16:creationId xmlns:a16="http://schemas.microsoft.com/office/drawing/2014/main" id="{4C275650-17A9-4D77-9495-45FB63427204}"/>
+              </a:ext>
+            </a:extLst>
+          </p:cNvPr>
+          <p:cNvSpPr>
+            <a:spLocks noGrp="1"/>
+          </p:cNvSpPr>
+          <p:nvPr>
+            <p:ph type="title"/>
+          </p:nvPr>
+        </p:nvSpPr>
+        <p:spPr/>
+        <p:txBody>
+          <a:bodyPr/>
+          <a:lstStyle/>
+          <a:p>
+            <a:r>
+              <a:rPr lang="ru-RU" dirty="0"/>
+              <a:t>Задачи программы</a:t>
+            </a:r>
+          </a:p>
+        </p:txBody>
+      </p:sp>
+      <p:sp>
+        <p:nvSpPr>
+          <p:cNvPr id="3" name="Объект 2">
+            <a:extLst>
+              <a:ext uri="{FF2B5EF4-FFF2-40B4-BE49-F238E27FC236}">
+                <a16:creationId xmlns:a16="http://schemas.microsoft.com/office/drawing/2014/main" id="{68226CC1-DDE8-4343-A3ED-4923AA43338D}"/>
+              </a:ext>
+            </a:extLst>
+          </p:cNvPr>
+          <p:cNvSpPr>
+            <a:spLocks noGrp="1"/>
+          </p:cNvSpPr>
+          <p:nvPr>
+            <p:ph idx="1"/>
+          </p:nvPr>
+        </p:nvSpPr>
+        <p:spPr/>
+        <p:txBody>
+          <a:bodyPr/>
+          <a:lstStyle/>
+          <a:p>
+            <a:pPr marL="0" indent="0">
+              <a:buNone/>
+            </a:pPr>
+            <a:r>
+              <a:rPr lang="ru-RU" dirty="0"/>
+              <a:t>Я решил сделать программу которая строит графики любых функций</a:t>
+            </a:r>
+          </a:p>
+          <a:p>
+            <a:pPr marL="0" indent="0">
+              <a:buNone/>
+            </a:pPr>
+            <a:r>
+              <a:rPr lang="ru-RU" dirty="0"/>
+              <a:t>Так же я сделал обратную функцию, которая ищет функции по графику</a:t>
+            </a:r>
+          </a:p>
+          <a:p>
+            <a:pPr marL="0" indent="0">
+              <a:buNone/>
+            </a:pPr>
+            <a:r>
+              <a:rPr lang="ru-RU" dirty="0"/>
+              <a:t>В силу моих знаний я могу это сделать только для квадратичной и линейной функций</a:t>
+            </a:r>
+          </a:p>
+        </p:txBody>
+      </p:sp>
+    </p:spTree>
+    <p:extLst>
+      <p:ext uri="{BB962C8B-B14F-4D97-AF65-F5344CB8AC3E}">
+        <p14:creationId xmlns:p14="http://schemas.microsoft.com/office/powerpoint/2010/main" val="1977035561"/>
+      </p:ext>
+    </p:extLst>
+  </p:cSld>
+  <p:clrMapOvr>
+    <a:masterClrMapping/>
+  </p:clrMapOvr>
+</p:sld>
+</file>
+
+<file path=ppt/slides/slide3.xml><?xml version="1.0" encoding="utf-8"?>
+<p:sld xmlns:a="http://schemas.openxmlformats.org/drawingml/2006/main" xmlns:r="http://schemas.openxmlformats.org/officeDocument/2006/relationships" xmlns:p="http://schemas.openxmlformats.org/presentationml/2006/main">
+  <p:cSld>
+    <p:spTree>
+      <p:nvGrpSpPr>
+        <p:cNvPr id="1" name=""/>
+        <p:cNvGrpSpPr/>
+        <p:nvPr/>
+      </p:nvGrpSpPr>
+      <p:grpSpPr>
+        <a:xfrm>
+          <a:off x="0" y="0"/>
+          <a:ext cx="0" cy="0"/>
+          <a:chOff x="0" y="0"/>
+          <a:chExt cx="0" cy="0"/>
+        </a:xfrm>
+      </p:grpSpPr>
+      <p:sp>
+        <p:nvSpPr>
+          <p:cNvPr id="2" name="Заголовок 1">
+            <a:extLst>
+              <a:ext uri="{FF2B5EF4-FFF2-40B4-BE49-F238E27FC236}">
+                <a16:creationId xmlns:a16="http://schemas.microsoft.com/office/drawing/2014/main" id="{80D8958C-33D5-4BB9-B725-0F66B378E954}"/>
+              </a:ext>
+            </a:extLst>
+          </p:cNvPr>
+          <p:cNvSpPr>
+            <a:spLocks noGrp="1"/>
+          </p:cNvSpPr>
+          <p:nvPr>
+            <p:ph type="title"/>
+          </p:nvPr>
+        </p:nvSpPr>
+        <p:spPr/>
+        <p:txBody>
+          <a:bodyPr/>
+          <a:lstStyle/>
+          <a:p>
+            <a:r>
+              <a:rPr lang="ru-RU" dirty="0"/>
+              <a:t>Что реализовано на данный момент</a:t>
+            </a:r>
+          </a:p>
+        </p:txBody>
+      </p:sp>
+      <p:sp>
+        <p:nvSpPr>
+          <p:cNvPr id="3" name="Объект 2">
+            <a:extLst>
+              <a:ext uri="{FF2B5EF4-FFF2-40B4-BE49-F238E27FC236}">
+                <a16:creationId xmlns:a16="http://schemas.microsoft.com/office/drawing/2014/main" id="{B89B8D9D-0978-4E4E-932A-AD1FF92670A3}"/>
+              </a:ext>
+            </a:extLst>
+          </p:cNvPr>
+          <p:cNvSpPr>
+            <a:spLocks noGrp="1"/>
+          </p:cNvSpPr>
+          <p:nvPr>
+            <p:ph idx="1"/>
+          </p:nvPr>
+        </p:nvSpPr>
+        <p:spPr/>
+        <p:txBody>
+          <a:bodyPr/>
+          <a:lstStyle/>
+          <a:p>
+            <a:pPr marL="0" indent="0">
+              <a:buNone/>
+            </a:pPr>
+            <a:r>
+              <a:rPr lang="ru-RU" dirty="0"/>
+              <a:t>На данный момент полностью готова функция построения графика по функции</a:t>
+            </a:r>
+          </a:p>
+          <a:p>
+            <a:pPr marL="0" indent="0">
+              <a:buNone/>
+            </a:pPr>
+            <a:r>
+              <a:rPr lang="ru-RU" dirty="0"/>
+              <a:t>К ней прилагаются еще 2 функции</a:t>
+            </a:r>
+          </a:p>
+          <a:p>
+            <a:pPr marL="0" indent="0">
+              <a:buNone/>
+            </a:pPr>
+            <a:r>
+              <a:rPr lang="ru-RU" dirty="0"/>
+              <a:t>1 функция это возможность масштабировать график. Т.е. если график выходить за границы рисунка, то можно уменьшить рисунок. Так же можно увеличить если надо рассмотреть что то мелкое</a:t>
+            </a:r>
+          </a:p>
+          <a:p>
+            <a:pPr marL="0" indent="0">
+              <a:buNone/>
+            </a:pPr>
+            <a:r>
+              <a:rPr lang="ru-RU" dirty="0"/>
+              <a:t>2 функция это возможность посмотреть по каким точкам строится график функции. Эта функция реализована с помощью </a:t>
+            </a:r>
+            <a:r>
+              <a:rPr lang="ru-RU" dirty="0" err="1"/>
+              <a:t>бд</a:t>
+            </a:r>
+            <a:endParaRPr lang="ru-RU" dirty="0"/>
+          </a:p>
+          <a:p>
+            <a:pPr marL="0" indent="0">
+              <a:buNone/>
+            </a:pPr>
+            <a:r>
+              <a:rPr lang="ru-RU" dirty="0"/>
+              <a:t>Так же на данный момент написана «голая» функция распознавания функции по графику и пока что она работает только для квадратичной функции</a:t>
+            </a:r>
+          </a:p>
+          <a:p>
+            <a:pPr marL="0" indent="0">
+              <a:buNone/>
+            </a:pPr>
+            <a:endParaRPr lang="ru-RU" dirty="0"/>
+          </a:p>
+        </p:txBody>
+      </p:sp>
+    </p:spTree>
+    <p:extLst>
+      <p:ext uri="{BB962C8B-B14F-4D97-AF65-F5344CB8AC3E}">
+        <p14:creationId xmlns:p14="http://schemas.microsoft.com/office/powerpoint/2010/main" val="1644067599"/>
+      </p:ext>
+    </p:extLst>
+  </p:cSld>
+  <p:clrMapOvr>
+    <a:masterClrMapping/>
+  </p:clrMapOvr>
+</p:sld>
+</file>
+
+<file path=ppt/slides/slide4.xml><?xml version="1.0" encoding="utf-8"?>
+<p:sld xmlns:a="http://schemas.openxmlformats.org/drawingml/2006/main" xmlns:r="http://schemas.openxmlformats.org/officeDocument/2006/relationships" xmlns:p="http://schemas.openxmlformats.org/presentationml/2006/main">
+  <p:cSld>
+    <p:spTree>
+      <p:nvGrpSpPr>
+        <p:cNvPr id="1" name=""/>
+        <p:cNvGrpSpPr/>
+        <p:nvPr/>
+      </p:nvGrpSpPr>
+      <p:grpSpPr>
+        <a:xfrm>
+          <a:off x="0" y="0"/>
+          <a:ext cx="0" cy="0"/>
+          <a:chOff x="0" y="0"/>
+          <a:chExt cx="0" cy="0"/>
+        </a:xfrm>
+      </p:grpSpPr>
+      <p:sp>
+        <p:nvSpPr>
+          <p:cNvPr id="2" name="Заголовок 1">
+            <a:extLst>
+              <a:ext uri="{FF2B5EF4-FFF2-40B4-BE49-F238E27FC236}">
+                <a16:creationId xmlns:a16="http://schemas.microsoft.com/office/drawing/2014/main" id="{E9E83ABC-D846-400D-AF59-433C207D26D7}"/>
+              </a:ext>
+            </a:extLst>
+          </p:cNvPr>
+          <p:cNvSpPr>
+            <a:spLocks noGrp="1"/>
+          </p:cNvSpPr>
+          <p:nvPr>
+            <p:ph type="title"/>
+          </p:nvPr>
+        </p:nvSpPr>
+        <p:spPr/>
+        <p:txBody>
+          <a:bodyPr/>
+          <a:lstStyle/>
+          <a:p>
+            <a:r>
+              <a:rPr lang="ru-RU" dirty="0"/>
+              <a:t>Что будет еще</a:t>
+            </a:r>
+          </a:p>
+        </p:txBody>
+      </p:sp>
+      <p:sp>
+        <p:nvSpPr>
+          <p:cNvPr id="3" name="Объект 2">
+            <a:extLst>
+              <a:ext uri="{FF2B5EF4-FFF2-40B4-BE49-F238E27FC236}">
+                <a16:creationId xmlns:a16="http://schemas.microsoft.com/office/drawing/2014/main" id="{CDAACD5A-A9F1-41A6-9EE2-B921D5DA6999}"/>
+              </a:ext>
+            </a:extLst>
+          </p:cNvPr>
+          <p:cNvSpPr>
+            <a:spLocks noGrp="1"/>
+          </p:cNvSpPr>
+          <p:nvPr>
+            <p:ph idx="1"/>
+          </p:nvPr>
+        </p:nvSpPr>
+        <p:spPr/>
+        <p:txBody>
+          <a:bodyPr/>
+          <a:lstStyle/>
+          <a:p>
+            <a:pPr marL="0" indent="0">
+              <a:buNone/>
+            </a:pPr>
+            <a:r>
+              <a:rPr lang="ru-RU" dirty="0"/>
+              <a:t>Т.к. времени осталось не очень много, я планирую лишь занести функцию для </a:t>
+            </a:r>
+            <a:r>
+              <a:rPr lang="ru-RU" dirty="0" err="1"/>
+              <a:t>распозн</a:t>
+            </a:r>
+            <a:r>
+              <a:rPr lang="en-US" dirty="0"/>
+              <a:t>a</a:t>
+            </a:r>
+            <a:r>
+              <a:rPr lang="ru-RU" dirty="0" err="1"/>
+              <a:t>вании</a:t>
+            </a:r>
+            <a:r>
+              <a:rPr lang="ru-RU" dirty="0"/>
+              <a:t> функции в </a:t>
+            </a:r>
+            <a:r>
+              <a:rPr lang="en-US" dirty="0"/>
+              <a:t>Qt</a:t>
+            </a:r>
+            <a:r>
+              <a:rPr lang="ru-RU" dirty="0"/>
+              <a:t> и добавить еще одну функцию. Она даст возможность строить график не по заданной функции, а по заданным точкам</a:t>
+            </a:r>
+          </a:p>
+        </p:txBody>
+      </p:sp>
+    </p:spTree>
+    <p:extLst>
+      <p:ext uri="{BB962C8B-B14F-4D97-AF65-F5344CB8AC3E}">
+        <p14:creationId xmlns:p14="http://schemas.microsoft.com/office/powerpoint/2010/main" val="1361475524"/>
+      </p:ext>
+    </p:extLst>
+  </p:cSld>
+  <p:clrMapOvr>
+    <a:masterClrMapping/>
+  </p:clrMapOvr>
+</p:sld>
+</file>
+
+<file path=ppt/slides/slide5.xml><?xml version="1.0" encoding="utf-8"?>
+<p:sld xmlns:a="http://schemas.openxmlformats.org/drawingml/2006/main" xmlns:r="http://schemas.openxmlformats.org/officeDocument/2006/relationships" xmlns:p="http://schemas.openxmlformats.org/presentationml/2006/main">
+  <p:cSld>
+    <p:spTree>
+      <p:nvGrpSpPr>
+        <p:cNvPr id="1" name=""/>
+        <p:cNvGrpSpPr/>
+        <p:nvPr/>
+      </p:nvGrpSpPr>
+      <p:grpSpPr>
+        <a:xfrm>
+          <a:off x="0" y="0"/>
+          <a:ext cx="0" cy="0"/>
+          <a:chOff x="0" y="0"/>
+          <a:chExt cx="0" cy="0"/>
+        </a:xfrm>
+      </p:grpSpPr>
+      <p:sp>
+        <p:nvSpPr>
+          <p:cNvPr id="3" name="Объект 2">
+            <a:extLst>
+              <a:ext uri="{FF2B5EF4-FFF2-40B4-BE49-F238E27FC236}">
+                <a16:creationId xmlns:a16="http://schemas.microsoft.com/office/drawing/2014/main" id="{E1F15F18-99DC-4E43-AB96-FABCB5396064}"/>
+              </a:ext>
+            </a:extLst>
+          </p:cNvPr>
+          <p:cNvSpPr>
+            <a:spLocks noGrp="1"/>
+          </p:cNvSpPr>
+          <p:nvPr>
+            <p:ph idx="1"/>
+          </p:nvPr>
+        </p:nvSpPr>
+        <p:spPr/>
+        <p:txBody>
+          <a:bodyPr/>
+          <a:lstStyle/>
+          <a:p>
+            <a:pPr marL="0" indent="0">
+              <a:buNone/>
+            </a:pPr>
+            <a:r>
+              <a:rPr lang="ru-RU" dirty="0"/>
+              <a:t>Спасибо за внимание</a:t>
+            </a:r>
+          </a:p>
+        </p:txBody>
+      </p:sp>
+    </p:spTree>
+    <p:extLst>
+      <p:ext uri="{BB962C8B-B14F-4D97-AF65-F5344CB8AC3E}">
+        <p14:creationId xmlns:p14="http://schemas.microsoft.com/office/powerpoint/2010/main" val="2518184972"/>
+      </p:ext>
+    </p:extLst>
+  </p:cSld>
+  <p:clrMapOvr>
+    <a:masterClrMapping/>
+  </p:clrMapOvr>
+</p:sld>
+</file>
+
 <file path=ppt/theme/theme1.xml><?xml version="1.0" encoding="utf-8"?>
-<a:theme xmlns:a="http://schemas.openxmlformats.org/drawingml/2006/main" name="Тема Office">
+<a:theme xmlns:a="http://schemas.openxmlformats.org/drawingml/2006/main" name="Аспект">
   <a:themeElements>
-    <a:clrScheme name="Стандартная">
+    <a:clrScheme name="Аспект">
       <a:dk1>
         <a:sysClr val="windowText" lastClr="000000"/>
       </a:dk1>
@@ -3373,52 +6335,52 @@
         <a:sysClr val="window" lastClr="FFFFFF"/>
       </a:lt1>
       <a:dk2>
-        <a:srgbClr val="44546A"/>
+        <a:srgbClr val="2C3C43"/>
       </a:dk2>
       <a:lt2>
-        <a:srgbClr val="E7E6E6"/>
+        <a:srgbClr val="EBEBEB"/>
       </a:lt2>
       <a:accent1>
-        <a:srgbClr val="4472C4"/>
+        <a:srgbClr val="90C226"/>
       </a:accent1>
       <a:accent2>
-        <a:srgbClr val="ED7D31"/>
+        <a:srgbClr val="54A021"/>
       </a:accent2>
       <a:accent3>
-        <a:srgbClr val="A5A5A5"/>
+        <a:srgbClr val="E6B91E"/>
       </a:accent3>
       <a:accent4>
-        <a:srgbClr val="FFC000"/>
+        <a:srgbClr val="E76618"/>
       </a:accent4>
       <a:accent5>
-        <a:srgbClr val="5B9BD5"/>
+        <a:srgbClr val="C42F1A"/>
       </a:accent5>
       <a:accent6>
-        <a:srgbClr val="70AD47"/>
+        <a:srgbClr val="918655"/>
       </a:accent6>
       <a:hlink>
-        <a:srgbClr val="0563C1"/>
+        <a:srgbClr val="99CA3C"/>
       </a:hlink>
       <a:folHlink>
-        <a:srgbClr val="954F72"/>
+        <a:srgbClr val="B9D181"/>
       </a:folHlink>
     </a:clrScheme>
-    <a:fontScheme name="Стандартная">
+    <a:fontScheme name="Аспект">
       <a:majorFont>
-        <a:latin typeface="Calibri Light" panose="020F0302020204030204"/>
+        <a:latin typeface="Trebuchet MS" panose="020B0603020202020204"/>
         <a:ea typeface=""/>
         <a:cs typeface=""/>
-        <a:font script="Jpan" typeface="游ゴシック Light"/>
+        <a:font script="Jpan" typeface="メイリオ"/>
         <a:font script="Hang" typeface="맑은 고딕"/>
-        <a:font script="Hans" typeface="等线 Light"/>
-        <a:font script="Hant" typeface="新細明體"/>
-        <a:font script="Arab" typeface="Times New Roman"/>
-        <a:font script="Hebr" typeface="Times New Roman"/>
-        <a:font script="Thai" typeface="Angsana New"/>
+        <a:font script="Hans" typeface="方正姚体"/>
+        <a:font script="Hant" typeface="微軟正黑體"/>
+        <a:font script="Arab" typeface="Tahoma"/>
+        <a:font script="Hebr" typeface="Arial"/>
+        <a:font script="Thai" typeface="Cordia New"/>
         <a:font script="Ethi" typeface="Nyala"/>
         <a:font script="Beng" typeface="Vrinda"/>
         <a:font script="Gujr" typeface="Shruti"/>
-        <a:font script="Khmr" typeface="MoolBoran"/>
+        <a:font script="Khmr" typeface="DaunPenh"/>
         <a:font script="Knda" typeface="Tunga"/>
         <a:font script="Guru" typeface="Raavi"/>
         <a:font script="Cans" typeface="Euphemia"/>
@@ -3435,38 +6397,21 @@
         <a:font script="Laoo" typeface="DokChampa"/>
         <a:font script="Sinh" typeface="Iskoola Pota"/>
         <a:font script="Mong" typeface="Mongolian Baiti"/>
-        <a:font script="Viet" typeface="Times New Roman"/>
+        <a:font script="Viet" typeface="Tahoma"/>
         <a:font script="Uigh" typeface="Microsoft Uighur"/>
         <a:font script="Geor" typeface="Sylfaen"/>
-        <a:font script="Armn" typeface="Arial"/>
-        <a:font script="Bugi" typeface="Leelawadee UI"/>
-        <a:font script="Bopo" typeface="Microsoft JhengHei"/>
-        <a:font script="Java" typeface="Javanese Text"/>
-        <a:font script="Lisu" typeface="Segoe UI"/>
-        <a:font script="Mymr" typeface="Myanmar Text"/>
-        <a:font script="Nkoo" typeface="Ebrima"/>
-        <a:font script="Olck" typeface="Nirmala UI"/>
-        <a:font script="Osma" typeface="Ebrima"/>
-        <a:font script="Phag" typeface="Phagspa"/>
-        <a:font script="Syrn" typeface="Estrangelo Edessa"/>
-        <a:font script="Syrj" typeface="Estrangelo Edessa"/>
-        <a:font script="Syre" typeface="Estrangelo Edessa"/>
-        <a:font script="Sora" typeface="Nirmala UI"/>
-        <a:font script="Tale" typeface="Microsoft Tai Le"/>
-        <a:font script="Talu" typeface="Microsoft New Tai Lue"/>
-        <a:font script="Tfng" typeface="Ebrima"/>
       </a:majorFont>
       <a:minorFont>
-        <a:latin typeface="Calibri" panose="020F0502020204030204"/>
+        <a:latin typeface="Trebuchet MS" panose="020B0603020202020204"/>
         <a:ea typeface=""/>
         <a:cs typeface=""/>
-        <a:font script="Jpan" typeface="游ゴシック"/>
-        <a:font script="Hang" typeface="맑은 고딕"/>
-        <a:font script="Hans" typeface="等线"/>
-        <a:font script="Hant" typeface="新細明體"/>
-        <a:font script="Arab" typeface="Arial"/>
-        <a:font script="Hebr" typeface="Arial"/>
-        <a:font script="Thai" typeface="Cordia New"/>
+        <a:font script="Jpan" typeface="メイリオ"/>
+        <a:font script="Hang" typeface="HY그래픽M"/>
+        <a:font script="Hans" typeface="华文新魏"/>
+        <a:font script="Hant" typeface="微軟正黑體"/>
+        <a:font script="Arab" typeface="Tahoma"/>
+        <a:font script="Hebr" typeface="Gisha"/>
+        <a:font script="Thai" typeface="IrisUPC"/>
         <a:font script="Ethi" typeface="Nyala"/>
         <a:font script="Beng" typeface="Vrinda"/>
         <a:font script="Gujr" typeface="Shruti"/>
@@ -3490,26 +6435,9 @@
         <a:font script="Viet" typeface="Arial"/>
         <a:font script="Uigh" typeface="Microsoft Uighur"/>
         <a:font script="Geor" typeface="Sylfaen"/>
-        <a:font script="Armn" typeface="Arial"/>
-        <a:font script="Bugi" typeface="Leelawadee UI"/>
-        <a:font script="Bopo" typeface="Microsoft JhengHei"/>
-        <a:font script="Java" typeface="Javanese Text"/>
-        <a:font script="Lisu" typeface="Segoe UI"/>
-        <a:font script="Mymr" typeface="Myanmar Text"/>
-        <a:font script="Nkoo" typeface="Ebrima"/>
-        <a:font script="Olck" typeface="Nirmala UI"/>
-        <a:font script="Osma" typeface="Ebrima"/>
-        <a:font script="Phag" typeface="Phagspa"/>
-        <a:font script="Syrn" typeface="Estrangelo Edessa"/>
-        <a:font script="Syrj" typeface="Estrangelo Edessa"/>
-        <a:font script="Syre" typeface="Estrangelo Edessa"/>
-        <a:font script="Sora" typeface="Nirmala UI"/>
-        <a:font script="Tale" typeface="Microsoft Tai Le"/>
-        <a:font script="Talu" typeface="Microsoft New Tai Lue"/>
-        <a:font script="Tfng" typeface="Ebrima"/>
       </a:minorFont>
     </a:fontScheme>
-    <a:fmtScheme name="Стандартная">
+    <a:fmtScheme name="Аспект">
       <a:fillStyleLst>
         <a:solidFill>
           <a:schemeClr val="phClr"/>
@@ -3518,23 +6446,13 @@
           <a:gsLst>
             <a:gs pos="0">
               <a:schemeClr val="phClr">
+                <a:tint val="65000"/>
                 <a:lumMod val="110000"/>
-                <a:satMod val="105000"/>
-                <a:tint val="67000"/>
               </a:schemeClr>
             </a:gs>
-            <a:gs pos="50000">
+            <a:gs pos="88000">
               <a:schemeClr val="phClr">
-                <a:lumMod val="105000"/>
-                <a:satMod val="103000"/>
-                <a:tint val="73000"/>
-              </a:schemeClr>
-            </a:gs>
-            <a:gs pos="100000">
-              <a:schemeClr val="phClr">
-                <a:lumMod val="105000"/>
-                <a:satMod val="109000"/>
-                <a:tint val="81000"/>
+                <a:tint val="90000"/>
               </a:schemeClr>
             </a:gs>
           </a:gsLst>
@@ -3544,23 +6462,14 @@
           <a:gsLst>
             <a:gs pos="0">
               <a:schemeClr val="phClr">
-                <a:satMod val="103000"/>
-                <a:lumMod val="102000"/>
-                <a:tint val="94000"/>
+                <a:tint val="96000"/>
+                <a:lumMod val="100000"/>
               </a:schemeClr>
             </a:gs>
-            <a:gs pos="50000">
+            <a:gs pos="78000">
               <a:schemeClr val="phClr">
-                <a:satMod val="110000"/>
-                <a:lumMod val="100000"/>
-                <a:shade val="100000"/>
-              </a:schemeClr>
-            </a:gs>
-            <a:gs pos="100000">
-              <a:schemeClr val="phClr">
-                <a:lumMod val="99000"/>
-                <a:satMod val="120000"/>
-                <a:shade val="78000"/>
+                <a:shade val="94000"/>
+                <a:lumMod val="94000"/>
               </a:schemeClr>
             </a:gs>
           </a:gsLst>
@@ -3568,26 +6477,23 @@
         </a:gradFill>
       </a:fillStyleLst>
       <a:lnStyleLst>
-        <a:ln w="6350" cap="flat" cmpd="sng" algn="ctr">
+        <a:ln w="12700" cap="rnd" cmpd="sng" algn="ctr">
           <a:solidFill>
             <a:schemeClr val="phClr"/>
           </a:solidFill>
           <a:prstDash val="solid"/>
-          <a:miter lim="800000"/>
         </a:ln>
-        <a:ln w="12700" cap="flat" cmpd="sng" algn="ctr">
+        <a:ln w="19050" cap="rnd" cmpd="sng" algn="ctr">
           <a:solidFill>
             <a:schemeClr val="phClr"/>
           </a:solidFill>
           <a:prstDash val="solid"/>
-          <a:miter lim="800000"/>
         </a:ln>
-        <a:ln w="19050" cap="flat" cmpd="sng" algn="ctr">
+        <a:ln w="25400" cap="rnd" cmpd="sng" algn="ctr">
           <a:solidFill>
             <a:schemeClr val="phClr"/>
           </a:solidFill>
           <a:prstDash val="solid"/>
-          <a:miter lim="800000"/>
         </a:ln>
       </a:lnStyleLst>
       <a:effectStyleLst>
@@ -3595,54 +6501,72 @@
           <a:effectLst/>
         </a:effectStyle>
         <a:effectStyle>
-          <a:effectLst/>
+          <a:effectLst>
+            <a:outerShdw blurRad="38100" dist="25400" dir="5400000" rotWithShape="0">
+              <a:srgbClr val="000000">
+                <a:alpha val="35000"/>
+              </a:srgbClr>
+            </a:outerShdw>
+          </a:effectLst>
         </a:effectStyle>
         <a:effectStyle>
           <a:effectLst>
-            <a:outerShdw blurRad="57150" dist="19050" dir="5400000" algn="ctr" rotWithShape="0">
+            <a:outerShdw blurRad="50800" dist="38100" dir="5400000" rotWithShape="0">
               <a:srgbClr val="000000">
-                <a:alpha val="63000"/>
+                <a:alpha val="35000"/>
               </a:srgbClr>
             </a:outerShdw>
           </a:effectLst>
+          <a:scene3d>
+            <a:camera prst="orthographicFront">
+              <a:rot lat="0" lon="0" rev="0"/>
+            </a:camera>
+            <a:lightRig rig="threePt" dir="tl"/>
+          </a:scene3d>
+          <a:sp3d prstMaterial="plastic">
+            <a:bevelT w="0" h="0"/>
+          </a:sp3d>
         </a:effectStyle>
       </a:effectStyleLst>
       <a:bgFillStyleLst>
         <a:solidFill>
           <a:schemeClr val="phClr"/>
         </a:solidFill>
-        <a:solidFill>
-          <a:schemeClr val="phClr">
-            <a:tint val="95000"/>
-            <a:satMod val="170000"/>
-          </a:schemeClr>
-        </a:solidFill>
         <a:gradFill rotWithShape="1">
           <a:gsLst>
             <a:gs pos="0">
               <a:schemeClr val="phClr">
-                <a:tint val="93000"/>
-                <a:satMod val="150000"/>
-                <a:shade val="98000"/>
-                <a:lumMod val="102000"/>
+                <a:tint val="90000"/>
+                <a:lumMod val="104000"/>
               </a:schemeClr>
             </a:gs>
-            <a:gs pos="50000">
+            <a:gs pos="94000">
               <a:schemeClr val="phClr">
-                <a:tint val="98000"/>
-                <a:satMod val="130000"/>
-                <a:shade val="90000"/>
-                <a:lumMod val="103000"/>
+                <a:shade val="96000"/>
+                <a:lumMod val="82000"/>
+              </a:schemeClr>
+            </a:gs>
+          </a:gsLst>
+          <a:lin ang="5400000" scaled="0"/>
+        </a:gradFill>
+        <a:gradFill rotWithShape="1">
+          <a:gsLst>
+            <a:gs pos="0">
+              <a:schemeClr val="phClr">
+                <a:tint val="90000"/>
+                <a:lumMod val="110000"/>
               </a:schemeClr>
             </a:gs>
             <a:gs pos="100000">
               <a:schemeClr val="phClr">
-                <a:shade val="63000"/>
-                <a:satMod val="120000"/>
+                <a:shade val="94000"/>
+                <a:lumMod val="96000"/>
               </a:schemeClr>
             </a:gs>
           </a:gsLst>
-          <a:lin ang="5400000" scaled="0"/>
+          <a:path path="circle">
+            <a:fillToRect l="50000" t="50000" r="100000" b="100000"/>
+          </a:path>
         </a:gradFill>
       </a:bgFillStyleLst>
     </a:fmtScheme>
@@ -3651,7 +6575,7 @@
   <a:extraClrSchemeLst/>
   <a:extLst>
     <a:ext uri="{05A4C25C-085E-4340-85A3-A5531E510DB2}">
-      <thm15:themeFamily xmlns:thm15="http://schemas.microsoft.com/office/thememl/2012/main" name="Office Theme" id="{62F939B6-93AF-4DB8-9C6B-D6C7DFDC589F}" vid="{4A3C46E8-61CC-4603-A589-7422A47A8E4A}"/>
+      <thm15:themeFamily xmlns:thm15="http://schemas.microsoft.com/office/thememl/2012/main" name="Facet" id="{C0C680CD-088A-49FC-A102-D699147F32B2}" vid="{CFBC31BA-B70F-4F30-BCAA-4F3011E16C4D}"/>
     </a:ext>
   </a:extLst>
 </a:theme>
